--- a/Sprint1/TI/HLD & LLD (Thaís).pptx
+++ b/Sprint1/TI/HLD & LLD (Thaís).pptx
@@ -5,7 +5,9 @@
     <p:sldMasterId id="2147483648" r:id="rId1"/>
   </p:sldMasterIdLst>
   <p:sldIdLst>
-    <p:sldId id="259" r:id="rId2"/>
+    <p:sldId id="260" r:id="rId2"/>
+    <p:sldId id="261" r:id="rId3"/>
+    <p:sldId id="262" r:id="rId4"/>
   </p:sldIdLst>
   <p:sldSz cx="12192000" cy="6858000"/>
   <p:notesSz cx="6858000" cy="9144000"/>
@@ -3336,10 +3338,10 @@
       </p:grpSpPr>
       <p:grpSp>
         <p:nvGrpSpPr>
-          <p:cNvPr id="94" name="Agrupar 93">
-            <a:extLst>
-              <a:ext uri="{FF2B5EF4-FFF2-40B4-BE49-F238E27FC236}">
-                <a16:creationId xmlns:a16="http://schemas.microsoft.com/office/drawing/2014/main" id="{0455202F-6BAF-4BD7-826B-2A3CAC5F316D}"/>
+          <p:cNvPr id="17" name="Agrupar 16">
+            <a:extLst>
+              <a:ext uri="{FF2B5EF4-FFF2-40B4-BE49-F238E27FC236}">
+                <a16:creationId xmlns:a16="http://schemas.microsoft.com/office/drawing/2014/main" id="{F875FD25-D0DE-4A44-A393-7DA5692A33DE}"/>
               </a:ext>
             </a:extLst>
           </p:cNvPr>
@@ -3348,218 +3350,391 @@
         </p:nvGrpSpPr>
         <p:grpSpPr>
           <a:xfrm>
-            <a:off x="8146051" y="4247990"/>
-            <a:ext cx="932640" cy="935292"/>
-            <a:chOff x="2527593" y="2082044"/>
-            <a:chExt cx="1435583" cy="1453392"/>
+            <a:off x="3412826" y="3710605"/>
+            <a:ext cx="891559" cy="868025"/>
+            <a:chOff x="1781057" y="2166985"/>
+            <a:chExt cx="1063050" cy="1111016"/>
           </a:xfrm>
         </p:grpSpPr>
-        <p:sp>
-          <p:nvSpPr>
-            <p:cNvPr id="95" name="Elipse 94">
+        <p:grpSp>
+          <p:nvGrpSpPr>
+            <p:cNvPr id="93" name="Agrupar 92">
               <a:extLst>
                 <a:ext uri="{FF2B5EF4-FFF2-40B4-BE49-F238E27FC236}">
-                  <a16:creationId xmlns:a16="http://schemas.microsoft.com/office/drawing/2014/main" id="{AB809818-E796-4916-AA90-5878B90647D0}"/>
+                  <a16:creationId xmlns:a16="http://schemas.microsoft.com/office/drawing/2014/main" id="{C4974D2E-0382-4AA5-A495-76D27ED9B887}"/>
                 </a:ext>
               </a:extLst>
             </p:cNvPr>
-            <p:cNvSpPr/>
+            <p:cNvGrpSpPr/>
             <p:nvPr/>
-          </p:nvSpPr>
-          <p:spPr>
+          </p:nvGrpSpPr>
+          <p:grpSpPr>
             <a:xfrm>
-              <a:off x="2527593" y="2082044"/>
-              <a:ext cx="1435583" cy="1453392"/>
+              <a:off x="1781057" y="2166985"/>
+              <a:ext cx="1063050" cy="1111016"/>
+              <a:chOff x="195299" y="2603463"/>
+              <a:chExt cx="1435583" cy="1453392"/>
             </a:xfrm>
-            <a:prstGeom prst="ellipse">
-              <a:avLst/>
-            </a:prstGeom>
-            <a:solidFill>
-              <a:srgbClr val="333333"/>
-            </a:solidFill>
-            <a:ln>
-              <a:noFill/>
-            </a:ln>
-          </p:spPr>
-          <p:style>
-            <a:lnRef idx="2">
-              <a:schemeClr val="accent1">
-                <a:shade val="50000"/>
-              </a:schemeClr>
-            </a:lnRef>
-            <a:fillRef idx="1">
-              <a:schemeClr val="accent1"/>
-            </a:fillRef>
-            <a:effectRef idx="0">
-              <a:schemeClr val="accent1"/>
-            </a:effectRef>
-            <a:fontRef idx="minor">
-              <a:schemeClr val="lt1"/>
-            </a:fontRef>
-          </p:style>
-          <p:txBody>
-            <a:bodyPr rtlCol="0" anchor="ctr"/>
-            <a:lstStyle/>
-            <a:p>
-              <a:pPr algn="ctr"/>
-              <a:endParaRPr lang="pt-BR"/>
-            </a:p>
-          </p:txBody>
-        </p:sp>
-        <p:sp>
-          <p:nvSpPr>
-            <p:cNvPr id="96" name="Elipse 95">
+          </p:grpSpPr>
+          <p:sp>
+            <p:nvSpPr>
+              <p:cNvPr id="102" name="Elipse 101">
+                <a:extLst>
+                  <a:ext uri="{FF2B5EF4-FFF2-40B4-BE49-F238E27FC236}">
+                    <a16:creationId xmlns:a16="http://schemas.microsoft.com/office/drawing/2014/main" id="{5FA8DC1C-4DD6-4C6F-91EE-11BA82E53013}"/>
+                  </a:ext>
+                </a:extLst>
+              </p:cNvPr>
+              <p:cNvSpPr/>
+              <p:nvPr/>
+            </p:nvSpPr>
+            <p:spPr>
+              <a:xfrm>
+                <a:off x="195299" y="2603463"/>
+                <a:ext cx="1435583" cy="1453392"/>
+              </a:xfrm>
+              <a:prstGeom prst="ellipse">
+                <a:avLst/>
+              </a:prstGeom>
+              <a:solidFill>
+                <a:srgbClr val="55A54F"/>
+              </a:solidFill>
+              <a:ln>
+                <a:solidFill>
+                  <a:srgbClr val="57A44F"/>
+                </a:solidFill>
+              </a:ln>
+            </p:spPr>
+            <p:style>
+              <a:lnRef idx="2">
+                <a:schemeClr val="accent1">
+                  <a:shade val="50000"/>
+                </a:schemeClr>
+              </a:lnRef>
+              <a:fillRef idx="1">
+                <a:schemeClr val="accent1"/>
+              </a:fillRef>
+              <a:effectRef idx="0">
+                <a:schemeClr val="accent1"/>
+              </a:effectRef>
+              <a:fontRef idx="minor">
+                <a:schemeClr val="lt1"/>
+              </a:fontRef>
+            </p:style>
+            <p:txBody>
+              <a:bodyPr rtlCol="0" anchor="ctr"/>
+              <a:lstStyle/>
+              <a:p>
+                <a:pPr algn="ctr"/>
+                <a:endParaRPr lang="pt-BR"/>
+              </a:p>
+            </p:txBody>
+          </p:sp>
+          <p:sp>
+            <p:nvSpPr>
+              <p:cNvPr id="109" name="Elipse 108">
+                <a:extLst>
+                  <a:ext uri="{FF2B5EF4-FFF2-40B4-BE49-F238E27FC236}">
+                    <a16:creationId xmlns:a16="http://schemas.microsoft.com/office/drawing/2014/main" id="{3BE5CAC4-99C6-40E0-944F-997A0FDDBF02}"/>
+                  </a:ext>
+                </a:extLst>
+              </p:cNvPr>
+              <p:cNvSpPr/>
+              <p:nvPr/>
+            </p:nvSpPr>
+            <p:spPr>
+              <a:xfrm>
+                <a:off x="262657" y="2659155"/>
+                <a:ext cx="1299377" cy="1328377"/>
+              </a:xfrm>
+              <a:prstGeom prst="ellipse">
+                <a:avLst/>
+              </a:prstGeom>
+              <a:solidFill>
+                <a:srgbClr val="333333"/>
+              </a:solidFill>
+              <a:ln>
+                <a:solidFill>
+                  <a:srgbClr val="333333"/>
+                </a:solidFill>
+              </a:ln>
+            </p:spPr>
+            <p:style>
+              <a:lnRef idx="2">
+                <a:schemeClr val="accent1">
+                  <a:shade val="50000"/>
+                </a:schemeClr>
+              </a:lnRef>
+              <a:fillRef idx="1">
+                <a:schemeClr val="accent1"/>
+              </a:fillRef>
+              <a:effectRef idx="0">
+                <a:schemeClr val="accent1"/>
+              </a:effectRef>
+              <a:fontRef idx="minor">
+                <a:schemeClr val="lt1"/>
+              </a:fontRef>
+            </p:style>
+            <p:txBody>
+              <a:bodyPr rtlCol="0" anchor="ctr"/>
+              <a:lstStyle/>
+              <a:p>
+                <a:pPr algn="ctr"/>
+                <a:endParaRPr lang="pt-BR" dirty="0"/>
+              </a:p>
+            </p:txBody>
+          </p:sp>
+        </p:grpSp>
+        <p:pic>
+          <p:nvPicPr>
+            <p:cNvPr id="110" name="Picture 2" descr="Ícone plano do roteador com sinal - Baixar PNG/SVG Transparente">
               <a:extLst>
                 <a:ext uri="{FF2B5EF4-FFF2-40B4-BE49-F238E27FC236}">
-                  <a16:creationId xmlns:a16="http://schemas.microsoft.com/office/drawing/2014/main" id="{13B1B7A0-02FD-429A-9106-8FE2ABFA08EE}"/>
+                  <a16:creationId xmlns:a16="http://schemas.microsoft.com/office/drawing/2014/main" id="{0614E51E-1ED5-493B-8592-1E0BF4F63BD1}"/>
                 </a:ext>
               </a:extLst>
             </p:cNvPr>
-            <p:cNvSpPr/>
+            <p:cNvPicPr>
+              <a:picLocks noChangeAspect="1" noChangeArrowheads="1"/>
+            </p:cNvPicPr>
             <p:nvPr/>
-          </p:nvSpPr>
-          <p:spPr>
+          </p:nvPicPr>
+          <p:blipFill>
+            <a:blip r:embed="rId2">
+              <a:duotone>
+                <a:schemeClr val="accent6">
+                  <a:shade val="45000"/>
+                  <a:satMod val="135000"/>
+                </a:schemeClr>
+                <a:prstClr val="white"/>
+              </a:duotone>
+              <a:extLst>
+                <a:ext uri="{28A0092B-C50C-407E-A947-70E740481C1C}">
+                  <a14:useLocalDpi xmlns:a14="http://schemas.microsoft.com/office/drawing/2010/main" val="0"/>
+                </a:ext>
+              </a:extLst>
+            </a:blip>
+            <a:srcRect/>
+            <a:stretch>
+              <a:fillRect/>
+            </a:stretch>
+          </p:blipFill>
+          <p:spPr bwMode="auto">
             <a:xfrm>
-              <a:off x="2594575" y="2137736"/>
-              <a:ext cx="1299377" cy="1328377"/>
+              <a:off x="1933443" y="2277650"/>
+              <a:ext cx="774306" cy="774306"/>
             </a:xfrm>
-            <a:prstGeom prst="ellipse">
+            <a:prstGeom prst="rect">
               <a:avLst/>
             </a:prstGeom>
-            <a:solidFill>
-              <a:srgbClr val="55A54F"/>
-            </a:solidFill>
-            <a:ln>
+            <a:noFill/>
+            <a:extLst>
+              <a:ext uri="{909E8E84-426E-40DD-AFC4-6F175D3DCCD1}">
+                <a14:hiddenFill xmlns:a14="http://schemas.microsoft.com/office/drawing/2010/main">
+                  <a:solidFill>
+                    <a:srgbClr val="FFFFFF"/>
+                  </a:solidFill>
+                </a14:hiddenFill>
+              </a:ext>
+            </a:extLst>
+          </p:spPr>
+        </p:pic>
+      </p:grpSp>
+      <p:grpSp>
+        <p:nvGrpSpPr>
+          <p:cNvPr id="18" name="Agrupar 17">
+            <a:extLst>
+              <a:ext uri="{FF2B5EF4-FFF2-40B4-BE49-F238E27FC236}">
+                <a16:creationId xmlns:a16="http://schemas.microsoft.com/office/drawing/2014/main" id="{BE511A65-B064-40CA-A09B-7395DB3653EA}"/>
+              </a:ext>
+            </a:extLst>
+          </p:cNvPr>
+          <p:cNvGrpSpPr/>
+          <p:nvPr/>
+        </p:nvGrpSpPr>
+        <p:grpSpPr>
+          <a:xfrm>
+            <a:off x="7186295" y="1780172"/>
+            <a:ext cx="1197242" cy="1212357"/>
+            <a:chOff x="8456056" y="2883648"/>
+            <a:chExt cx="1197242" cy="1212357"/>
+          </a:xfrm>
+        </p:grpSpPr>
+        <p:grpSp>
+          <p:nvGrpSpPr>
+            <p:cNvPr id="94" name="Agrupar 93">
+              <a:extLst>
+                <a:ext uri="{FF2B5EF4-FFF2-40B4-BE49-F238E27FC236}">
+                  <a16:creationId xmlns:a16="http://schemas.microsoft.com/office/drawing/2014/main" id="{0455202F-6BAF-4BD7-826B-2A3CAC5F316D}"/>
+                </a:ext>
+              </a:extLst>
+            </p:cNvPr>
+            <p:cNvGrpSpPr/>
+            <p:nvPr/>
+          </p:nvGrpSpPr>
+          <p:grpSpPr>
+            <a:xfrm>
+              <a:off x="8456056" y="2883648"/>
+              <a:ext cx="1197242" cy="1212357"/>
+              <a:chOff x="2527593" y="2082044"/>
+              <a:chExt cx="1435583" cy="1453392"/>
+            </a:xfrm>
+          </p:grpSpPr>
+          <p:sp>
+            <p:nvSpPr>
+              <p:cNvPr id="95" name="Elipse 94">
+                <a:extLst>
+                  <a:ext uri="{FF2B5EF4-FFF2-40B4-BE49-F238E27FC236}">
+                    <a16:creationId xmlns:a16="http://schemas.microsoft.com/office/drawing/2014/main" id="{AB809818-E796-4916-AA90-5878B90647D0}"/>
+                  </a:ext>
+                </a:extLst>
+              </p:cNvPr>
+              <p:cNvSpPr/>
+              <p:nvPr/>
+            </p:nvSpPr>
+            <p:spPr>
+              <a:xfrm>
+                <a:off x="2527593" y="2082044"/>
+                <a:ext cx="1435583" cy="1453392"/>
+              </a:xfrm>
+              <a:prstGeom prst="ellipse">
+                <a:avLst/>
+              </a:prstGeom>
               <a:solidFill>
-                <a:srgbClr val="57A44F"/>
+                <a:srgbClr val="333333"/>
               </a:solidFill>
-            </a:ln>
+              <a:ln>
+                <a:noFill/>
+              </a:ln>
+            </p:spPr>
+            <p:style>
+              <a:lnRef idx="2">
+                <a:schemeClr val="accent1">
+                  <a:shade val="50000"/>
+                </a:schemeClr>
+              </a:lnRef>
+              <a:fillRef idx="1">
+                <a:schemeClr val="accent1"/>
+              </a:fillRef>
+              <a:effectRef idx="0">
+                <a:schemeClr val="accent1"/>
+              </a:effectRef>
+              <a:fontRef idx="minor">
+                <a:schemeClr val="lt1"/>
+              </a:fontRef>
+            </p:style>
+            <p:txBody>
+              <a:bodyPr rtlCol="0" anchor="ctr"/>
+              <a:lstStyle/>
+              <a:p>
+                <a:pPr algn="ctr"/>
+                <a:endParaRPr lang="pt-BR"/>
+              </a:p>
+            </p:txBody>
+          </p:sp>
+          <p:sp>
+            <p:nvSpPr>
+              <p:cNvPr id="96" name="Elipse 95">
+                <a:extLst>
+                  <a:ext uri="{FF2B5EF4-FFF2-40B4-BE49-F238E27FC236}">
+                    <a16:creationId xmlns:a16="http://schemas.microsoft.com/office/drawing/2014/main" id="{13B1B7A0-02FD-429A-9106-8FE2ABFA08EE}"/>
+                  </a:ext>
+                </a:extLst>
+              </p:cNvPr>
+              <p:cNvSpPr/>
+              <p:nvPr/>
+            </p:nvSpPr>
+            <p:spPr>
+              <a:xfrm>
+                <a:off x="2594575" y="2137736"/>
+                <a:ext cx="1299377" cy="1328377"/>
+              </a:xfrm>
+              <a:prstGeom prst="ellipse">
+                <a:avLst/>
+              </a:prstGeom>
+              <a:solidFill>
+                <a:srgbClr val="55A54F"/>
+              </a:solidFill>
+              <a:ln>
+                <a:solidFill>
+                  <a:srgbClr val="57A44F"/>
+                </a:solidFill>
+              </a:ln>
+            </p:spPr>
+            <p:style>
+              <a:lnRef idx="2">
+                <a:schemeClr val="accent1">
+                  <a:shade val="50000"/>
+                </a:schemeClr>
+              </a:lnRef>
+              <a:fillRef idx="1">
+                <a:schemeClr val="accent1"/>
+              </a:fillRef>
+              <a:effectRef idx="0">
+                <a:schemeClr val="accent1"/>
+              </a:effectRef>
+              <a:fontRef idx="minor">
+                <a:schemeClr val="lt1"/>
+              </a:fontRef>
+            </p:style>
+            <p:txBody>
+              <a:bodyPr rtlCol="0" anchor="ctr"/>
+              <a:lstStyle/>
+              <a:p>
+                <a:pPr algn="ctr"/>
+                <a:endParaRPr lang="pt-BR" dirty="0"/>
+              </a:p>
+            </p:txBody>
+          </p:sp>
+        </p:grpSp>
+        <p:pic>
+          <p:nvPicPr>
+            <p:cNvPr id="1036" name="Picture 12" descr="Website ícones - Download Gratuito em PNG e SVG">
+              <a:extLst>
+                <a:ext uri="{FF2B5EF4-FFF2-40B4-BE49-F238E27FC236}">
+                  <a16:creationId xmlns:a16="http://schemas.microsoft.com/office/drawing/2014/main" id="{7596DAAB-0CB1-4F7B-AD7B-002BB39CD22B}"/>
+                </a:ext>
+              </a:extLst>
+            </p:cNvPr>
+            <p:cNvPicPr>
+              <a:picLocks noChangeAspect="1" noChangeArrowheads="1"/>
+            </p:cNvPicPr>
+            <p:nvPr/>
+          </p:nvPicPr>
+          <p:blipFill>
+            <a:blip r:embed="rId3">
+              <a:extLst>
+                <a:ext uri="{28A0092B-C50C-407E-A947-70E740481C1C}">
+                  <a14:useLocalDpi xmlns:a14="http://schemas.microsoft.com/office/drawing/2010/main" val="0"/>
+                </a:ext>
+              </a:extLst>
+            </a:blip>
+            <a:srcRect/>
+            <a:stretch>
+              <a:fillRect/>
+            </a:stretch>
+          </p:blipFill>
+          <p:spPr bwMode="auto">
+            <a:xfrm>
+              <a:off x="8697475" y="3129995"/>
+              <a:ext cx="735566" cy="735566"/>
+            </a:xfrm>
+            <a:prstGeom prst="rect">
+              <a:avLst/>
+            </a:prstGeom>
+            <a:noFill/>
+            <a:extLst>
+              <a:ext uri="{909E8E84-426E-40DD-AFC4-6F175D3DCCD1}">
+                <a14:hiddenFill xmlns:a14="http://schemas.microsoft.com/office/drawing/2010/main">
+                  <a:solidFill>
+                    <a:srgbClr val="FFFFFF"/>
+                  </a:solidFill>
+                </a14:hiddenFill>
+              </a:ext>
+            </a:extLst>
           </p:spPr>
-          <p:style>
-            <a:lnRef idx="2">
-              <a:schemeClr val="accent1">
-                <a:shade val="50000"/>
-              </a:schemeClr>
-            </a:lnRef>
-            <a:fillRef idx="1">
-              <a:schemeClr val="accent1"/>
-            </a:fillRef>
-            <a:effectRef idx="0">
-              <a:schemeClr val="accent1"/>
-            </a:effectRef>
-            <a:fontRef idx="minor">
-              <a:schemeClr val="lt1"/>
-            </a:fontRef>
-          </p:style>
-          <p:txBody>
-            <a:bodyPr rtlCol="0" anchor="ctr"/>
-            <a:lstStyle/>
-            <a:p>
-              <a:pPr algn="ctr"/>
-              <a:endParaRPr lang="pt-BR" dirty="0"/>
-            </a:p>
-          </p:txBody>
-        </p:sp>
+        </p:pic>
       </p:grpSp>
-      <p:pic>
-        <p:nvPicPr>
-          <p:cNvPr id="1036" name="Picture 12" descr="Website ícones - Download Gratuito em PNG e SVG">
-            <a:extLst>
-              <a:ext uri="{FF2B5EF4-FFF2-40B4-BE49-F238E27FC236}">
-                <a16:creationId xmlns:a16="http://schemas.microsoft.com/office/drawing/2014/main" id="{7596DAAB-0CB1-4F7B-AD7B-002BB39CD22B}"/>
-              </a:ext>
-            </a:extLst>
-          </p:cNvPr>
-          <p:cNvPicPr>
-            <a:picLocks noChangeAspect="1" noChangeArrowheads="1"/>
-          </p:cNvPicPr>
-          <p:nvPr/>
-        </p:nvPicPr>
-        <p:blipFill>
-          <a:blip r:embed="rId2">
-            <a:extLst>
-              <a:ext uri="{28A0092B-C50C-407E-A947-70E740481C1C}">
-                <a14:useLocalDpi xmlns:a14="http://schemas.microsoft.com/office/drawing/2010/main" val="0"/>
-              </a:ext>
-            </a:extLst>
-          </a:blip>
-          <a:srcRect/>
-          <a:stretch>
-            <a:fillRect/>
-          </a:stretch>
-        </p:blipFill>
-        <p:spPr bwMode="auto">
-          <a:xfrm>
-            <a:off x="8315411" y="4395507"/>
-            <a:ext cx="595929" cy="595929"/>
-          </a:xfrm>
-          <a:prstGeom prst="rect">
-            <a:avLst/>
-          </a:prstGeom>
-          <a:noFill/>
-          <a:extLst>
-            <a:ext uri="{909E8E84-426E-40DD-AFC4-6F175D3DCCD1}">
-              <a14:hiddenFill xmlns:a14="http://schemas.microsoft.com/office/drawing/2010/main">
-                <a:solidFill>
-                  <a:srgbClr val="FFFFFF"/>
-                </a:solidFill>
-              </a14:hiddenFill>
-            </a:ext>
-          </a:extLst>
-        </p:spPr>
-      </p:pic>
-      <p:sp>
-        <p:nvSpPr>
-          <p:cNvPr id="6" name="Retângulo 5">
-            <a:extLst>
-              <a:ext uri="{FF2B5EF4-FFF2-40B4-BE49-F238E27FC236}">
-                <a16:creationId xmlns:a16="http://schemas.microsoft.com/office/drawing/2014/main" id="{18AA822F-6A6C-42AE-BAD2-03A41BC59467}"/>
-              </a:ext>
-            </a:extLst>
-          </p:cNvPr>
-          <p:cNvSpPr/>
-          <p:nvPr/>
-        </p:nvSpPr>
-        <p:spPr>
-          <a:xfrm>
-            <a:off x="1870745" y="2085371"/>
-            <a:ext cx="1304662" cy="2726423"/>
-          </a:xfrm>
-          <a:prstGeom prst="rect">
-            <a:avLst/>
-          </a:prstGeom>
-          <a:noFill/>
-          <a:ln w="38100">
-            <a:solidFill>
-              <a:schemeClr val="tx1"/>
-            </a:solidFill>
-          </a:ln>
-        </p:spPr>
-        <p:style>
-          <a:lnRef idx="2">
-            <a:schemeClr val="accent1">
-              <a:shade val="50000"/>
-            </a:schemeClr>
-          </a:lnRef>
-          <a:fillRef idx="1">
-            <a:schemeClr val="accent1"/>
-          </a:fillRef>
-          <a:effectRef idx="0">
-            <a:schemeClr val="accent1"/>
-          </a:effectRef>
-          <a:fontRef idx="minor">
-            <a:schemeClr val="lt1"/>
-          </a:fontRef>
-        </p:style>
-        <p:txBody>
-          <a:bodyPr rtlCol="0" anchor="ctr"/>
-          <a:lstStyle/>
-          <a:p>
-            <a:pPr algn="ctr"/>
-            <a:endParaRPr lang="pt-BR"/>
-          </a:p>
-        </p:txBody>
-      </p:sp>
       <p:sp>
         <p:nvSpPr>
           <p:cNvPr id="9" name="Retângulo 8">
@@ -3670,10 +3845,10 @@
       </p:sp>
       <p:grpSp>
         <p:nvGrpSpPr>
-          <p:cNvPr id="4" name="Agrupar 3">
-            <a:extLst>
-              <a:ext uri="{FF2B5EF4-FFF2-40B4-BE49-F238E27FC236}">
-                <a16:creationId xmlns:a16="http://schemas.microsoft.com/office/drawing/2014/main" id="{CBD77A3E-87B2-4F4C-948F-30EDE24D6C62}"/>
+          <p:cNvPr id="16" name="Agrupar 15">
+            <a:extLst>
+              <a:ext uri="{FF2B5EF4-FFF2-40B4-BE49-F238E27FC236}">
+                <a16:creationId xmlns:a16="http://schemas.microsoft.com/office/drawing/2014/main" id="{944CE8F8-EBAE-46DB-8511-72DDF41E71A7}"/>
               </a:ext>
             </a:extLst>
           </p:cNvPr>
@@ -3682,182 +3857,203 @@
         </p:nvGrpSpPr>
         <p:grpSpPr>
           <a:xfrm>
-            <a:off x="195300" y="2838354"/>
-            <a:ext cx="1063050" cy="1111016"/>
-            <a:chOff x="195299" y="2603463"/>
-            <a:chExt cx="1435583" cy="1453392"/>
+            <a:off x="1098337" y="1771702"/>
+            <a:ext cx="1268741" cy="1257006"/>
+            <a:chOff x="1106613" y="2838354"/>
+            <a:chExt cx="1268741" cy="1257006"/>
           </a:xfrm>
         </p:grpSpPr>
-        <p:sp>
-          <p:nvSpPr>
-            <p:cNvPr id="2" name="Elipse 1">
+        <p:grpSp>
+          <p:nvGrpSpPr>
+            <p:cNvPr id="4" name="Agrupar 3">
               <a:extLst>
                 <a:ext uri="{FF2B5EF4-FFF2-40B4-BE49-F238E27FC236}">
-                  <a16:creationId xmlns:a16="http://schemas.microsoft.com/office/drawing/2014/main" id="{89F711C1-5077-4645-B138-EEAF67140045}"/>
+                  <a16:creationId xmlns:a16="http://schemas.microsoft.com/office/drawing/2014/main" id="{CBD77A3E-87B2-4F4C-948F-30EDE24D6C62}"/>
                 </a:ext>
               </a:extLst>
             </p:cNvPr>
-            <p:cNvSpPr/>
+            <p:cNvGrpSpPr/>
             <p:nvPr/>
-          </p:nvSpPr>
-          <p:spPr>
+          </p:nvGrpSpPr>
+          <p:grpSpPr>
             <a:xfrm>
-              <a:off x="195299" y="2603463"/>
-              <a:ext cx="1435583" cy="1453392"/>
+              <a:off x="1106613" y="2838354"/>
+              <a:ext cx="1268741" cy="1257006"/>
+              <a:chOff x="195299" y="2603463"/>
+              <a:chExt cx="1435583" cy="1453392"/>
             </a:xfrm>
-            <a:prstGeom prst="ellipse">
-              <a:avLst/>
-            </a:prstGeom>
-            <a:solidFill>
-              <a:srgbClr val="55A54F"/>
-            </a:solidFill>
-            <a:ln>
+          </p:grpSpPr>
+          <p:sp>
+            <p:nvSpPr>
+              <p:cNvPr id="2" name="Elipse 1">
+                <a:extLst>
+                  <a:ext uri="{FF2B5EF4-FFF2-40B4-BE49-F238E27FC236}">
+                    <a16:creationId xmlns:a16="http://schemas.microsoft.com/office/drawing/2014/main" id="{89F711C1-5077-4645-B138-EEAF67140045}"/>
+                  </a:ext>
+                </a:extLst>
+              </p:cNvPr>
+              <p:cNvSpPr/>
+              <p:nvPr/>
+            </p:nvSpPr>
+            <p:spPr>
+              <a:xfrm>
+                <a:off x="195299" y="2603463"/>
+                <a:ext cx="1435583" cy="1453392"/>
+              </a:xfrm>
+              <a:prstGeom prst="ellipse">
+                <a:avLst/>
+              </a:prstGeom>
               <a:solidFill>
-                <a:srgbClr val="57A44F"/>
+                <a:srgbClr val="55A54F"/>
               </a:solidFill>
-            </a:ln>
-          </p:spPr>
-          <p:style>
-            <a:lnRef idx="2">
-              <a:schemeClr val="accent1">
-                <a:shade val="50000"/>
-              </a:schemeClr>
-            </a:lnRef>
-            <a:fillRef idx="1">
-              <a:schemeClr val="accent1"/>
-            </a:fillRef>
-            <a:effectRef idx="0">
-              <a:schemeClr val="accent1"/>
-            </a:effectRef>
-            <a:fontRef idx="minor">
-              <a:schemeClr val="lt1"/>
-            </a:fontRef>
-          </p:style>
-          <p:txBody>
-            <a:bodyPr rtlCol="0" anchor="ctr"/>
-            <a:lstStyle/>
-            <a:p>
-              <a:pPr algn="ctr"/>
-              <a:endParaRPr lang="pt-BR"/>
-            </a:p>
-          </p:txBody>
-        </p:sp>
-        <p:sp>
-          <p:nvSpPr>
-            <p:cNvPr id="27" name="Elipse 26">
+              <a:ln>
+                <a:solidFill>
+                  <a:srgbClr val="57A44F"/>
+                </a:solidFill>
+              </a:ln>
+            </p:spPr>
+            <p:style>
+              <a:lnRef idx="2">
+                <a:schemeClr val="accent1">
+                  <a:shade val="50000"/>
+                </a:schemeClr>
+              </a:lnRef>
+              <a:fillRef idx="1">
+                <a:schemeClr val="accent1"/>
+              </a:fillRef>
+              <a:effectRef idx="0">
+                <a:schemeClr val="accent1"/>
+              </a:effectRef>
+              <a:fontRef idx="minor">
+                <a:schemeClr val="lt1"/>
+              </a:fontRef>
+            </p:style>
+            <p:txBody>
+              <a:bodyPr rtlCol="0" anchor="ctr"/>
+              <a:lstStyle/>
+              <a:p>
+                <a:pPr algn="ctr"/>
+                <a:endParaRPr lang="pt-BR"/>
+              </a:p>
+            </p:txBody>
+          </p:sp>
+          <p:sp>
+            <p:nvSpPr>
+              <p:cNvPr id="27" name="Elipse 26">
+                <a:extLst>
+                  <a:ext uri="{FF2B5EF4-FFF2-40B4-BE49-F238E27FC236}">
+                    <a16:creationId xmlns:a16="http://schemas.microsoft.com/office/drawing/2014/main" id="{2A2B3275-1C85-42F3-B73C-D5AD5D6E0B6D}"/>
+                  </a:ext>
+                </a:extLst>
+              </p:cNvPr>
+              <p:cNvSpPr/>
+              <p:nvPr/>
+            </p:nvSpPr>
+            <p:spPr>
+              <a:xfrm>
+                <a:off x="262657" y="2659155"/>
+                <a:ext cx="1299377" cy="1328377"/>
+              </a:xfrm>
+              <a:prstGeom prst="ellipse">
+                <a:avLst/>
+              </a:prstGeom>
+              <a:solidFill>
+                <a:srgbClr val="333333"/>
+              </a:solidFill>
+              <a:ln>
+                <a:solidFill>
+                  <a:srgbClr val="333333"/>
+                </a:solidFill>
+              </a:ln>
+            </p:spPr>
+            <p:style>
+              <a:lnRef idx="2">
+                <a:schemeClr val="accent1">
+                  <a:shade val="50000"/>
+                </a:schemeClr>
+              </a:lnRef>
+              <a:fillRef idx="1">
+                <a:schemeClr val="accent1"/>
+              </a:fillRef>
+              <a:effectRef idx="0">
+                <a:schemeClr val="accent1"/>
+              </a:effectRef>
+              <a:fontRef idx="minor">
+                <a:schemeClr val="lt1"/>
+              </a:fontRef>
+            </p:style>
+            <p:txBody>
+              <a:bodyPr rtlCol="0" anchor="ctr"/>
+              <a:lstStyle/>
+              <a:p>
+                <a:pPr algn="ctr"/>
+                <a:endParaRPr lang="pt-BR" dirty="0"/>
+              </a:p>
+            </p:txBody>
+          </p:sp>
+        </p:grpSp>
+        <p:pic>
+          <p:nvPicPr>
+            <p:cNvPr id="34" name="Imagem 33">
               <a:extLst>
                 <a:ext uri="{FF2B5EF4-FFF2-40B4-BE49-F238E27FC236}">
-                  <a16:creationId xmlns:a16="http://schemas.microsoft.com/office/drawing/2014/main" id="{2A2B3275-1C85-42F3-B73C-D5AD5D6E0B6D}"/>
+                  <a16:creationId xmlns:a16="http://schemas.microsoft.com/office/drawing/2014/main" id="{6E29C2B8-C1C5-4E18-9386-0A5B6CEDFD7F}"/>
                 </a:ext>
               </a:extLst>
             </p:cNvPr>
-            <p:cNvSpPr/>
+            <p:cNvPicPr>
+              <a:picLocks noChangeAspect="1"/>
+            </p:cNvPicPr>
             <p:nvPr/>
-          </p:nvSpPr>
+          </p:nvPicPr>
+          <p:blipFill rotWithShape="1">
+            <a:blip r:embed="rId4">
+              <a:extLst>
+                <a:ext uri="{BEBA8EAE-BF5A-486C-A8C5-ECC9F3942E4B}">
+                  <a14:imgProps xmlns:a14="http://schemas.microsoft.com/office/drawing/2010/main">
+                    <a14:imgLayer r:embed="rId5">
+                      <a14:imgEffect>
+                        <a14:backgroundRemoval t="0" b="100000" l="22391" r="78261">
+                          <a14:foregroundMark x1="34891" y1="28906" x2="34891" y2="28906"/>
+                          <a14:foregroundMark x1="38478" y1="22070" x2="38478" y2="22070"/>
+                          <a14:foregroundMark x1="36848" y1="38672" x2="36848" y2="38672"/>
+                          <a14:foregroundMark x1="45870" y1="43750" x2="45870" y2="43750"/>
+                          <a14:foregroundMark x1="53696" y1="44531" x2="53696" y2="44531"/>
+                          <a14:foregroundMark x1="54783" y1="74805" x2="54783" y2="74805"/>
+                          <a14:foregroundMark x1="45870" y1="76563" x2="45870" y2="76563"/>
+                          <a14:foregroundMark x1="62826" y1="69922" x2="62826" y2="69922"/>
+                          <a14:foregroundMark x1="64022" y1="59766" x2="64022" y2="59766"/>
+                          <a14:foregroundMark x1="60978" y1="55664" x2="60978" y2="55664"/>
+                        </a14:backgroundRemoval>
+                      </a14:imgEffect>
+                    </a14:imgLayer>
+                  </a14:imgProps>
+                </a:ext>
+                <a:ext uri="{28A0092B-C50C-407E-A947-70E740481C1C}">
+                  <a14:useLocalDpi xmlns:a14="http://schemas.microsoft.com/office/drawing/2010/main" val="0"/>
+                </a:ext>
+              </a:extLst>
+            </a:blip>
+            <a:srcRect l="22366" r="22206"/>
+            <a:stretch/>
+          </p:blipFill>
           <p:spPr>
             <a:xfrm>
-              <a:off x="262657" y="2659155"/>
-              <a:ext cx="1299377" cy="1328377"/>
+              <a:off x="1244227" y="2993850"/>
+              <a:ext cx="938942" cy="942725"/>
             </a:xfrm>
-            <a:prstGeom prst="ellipse">
+            <a:prstGeom prst="rect">
               <a:avLst/>
             </a:prstGeom>
-            <a:solidFill>
-              <a:srgbClr val="333333"/>
-            </a:solidFill>
-            <a:ln>
-              <a:solidFill>
-                <a:srgbClr val="333333"/>
-              </a:solidFill>
-            </a:ln>
           </p:spPr>
-          <p:style>
-            <a:lnRef idx="2">
-              <a:schemeClr val="accent1">
-                <a:shade val="50000"/>
-              </a:schemeClr>
-            </a:lnRef>
-            <a:fillRef idx="1">
-              <a:schemeClr val="accent1"/>
-            </a:fillRef>
-            <a:effectRef idx="0">
-              <a:schemeClr val="accent1"/>
-            </a:effectRef>
-            <a:fontRef idx="minor">
-              <a:schemeClr val="lt1"/>
-            </a:fontRef>
-          </p:style>
-          <p:txBody>
-            <a:bodyPr rtlCol="0" anchor="ctr"/>
-            <a:lstStyle/>
-            <a:p>
-              <a:pPr algn="ctr"/>
-              <a:endParaRPr lang="pt-BR" dirty="0"/>
-            </a:p>
-          </p:txBody>
-        </p:sp>
+        </p:pic>
       </p:grpSp>
-      <p:pic>
-        <p:nvPicPr>
-          <p:cNvPr id="34" name="Imagem 33">
-            <a:extLst>
-              <a:ext uri="{FF2B5EF4-FFF2-40B4-BE49-F238E27FC236}">
-                <a16:creationId xmlns:a16="http://schemas.microsoft.com/office/drawing/2014/main" id="{6E29C2B8-C1C5-4E18-9386-0A5B6CEDFD7F}"/>
-              </a:ext>
-            </a:extLst>
-          </p:cNvPr>
-          <p:cNvPicPr>
-            <a:picLocks noChangeAspect="1"/>
-          </p:cNvPicPr>
-          <p:nvPr/>
-        </p:nvPicPr>
-        <p:blipFill rotWithShape="1">
-          <a:blip r:embed="rId3">
-            <a:extLst>
-              <a:ext uri="{BEBA8EAE-BF5A-486C-A8C5-ECC9F3942E4B}">
-                <a14:imgProps xmlns:a14="http://schemas.microsoft.com/office/drawing/2010/main">
-                  <a14:imgLayer r:embed="rId4">
-                    <a14:imgEffect>
-                      <a14:backgroundRemoval t="0" b="100000" l="22391" r="78261">
-                        <a14:foregroundMark x1="34891" y1="28906" x2="34891" y2="28906"/>
-                        <a14:foregroundMark x1="38478" y1="22070" x2="38478" y2="22070"/>
-                        <a14:foregroundMark x1="36848" y1="38672" x2="36848" y2="38672"/>
-                        <a14:foregroundMark x1="45870" y1="43750" x2="45870" y2="43750"/>
-                        <a14:foregroundMark x1="53696" y1="44531" x2="53696" y2="44531"/>
-                        <a14:foregroundMark x1="54783" y1="74805" x2="54783" y2="74805"/>
-                        <a14:foregroundMark x1="45870" y1="76563" x2="45870" y2="76563"/>
-                        <a14:foregroundMark x1="62826" y1="69922" x2="62826" y2="69922"/>
-                        <a14:foregroundMark x1="64022" y1="59766" x2="64022" y2="59766"/>
-                        <a14:foregroundMark x1="60978" y1="55664" x2="60978" y2="55664"/>
-                      </a14:backgroundRemoval>
-                    </a14:imgEffect>
-                  </a14:imgLayer>
-                </a14:imgProps>
-              </a:ext>
-              <a:ext uri="{28A0092B-C50C-407E-A947-70E740481C1C}">
-                <a14:useLocalDpi xmlns:a14="http://schemas.microsoft.com/office/drawing/2010/main" val="0"/>
-              </a:ext>
-            </a:extLst>
-          </a:blip>
-          <a:srcRect l="22366" r="22206"/>
-          <a:stretch/>
-        </p:blipFill>
-        <p:spPr>
-          <a:xfrm>
-            <a:off x="332913" y="2993850"/>
-            <a:ext cx="786719" cy="789889"/>
-          </a:xfrm>
-          <a:prstGeom prst="rect">
-            <a:avLst/>
-          </a:prstGeom>
-        </p:spPr>
-      </p:pic>
       <p:grpSp>
         <p:nvGrpSpPr>
-          <p:cNvPr id="5" name="Agrupar 4">
-            <a:extLst>
-              <a:ext uri="{FF2B5EF4-FFF2-40B4-BE49-F238E27FC236}">
-                <a16:creationId xmlns:a16="http://schemas.microsoft.com/office/drawing/2014/main" id="{C9F7CFF8-F9AD-4096-A8D1-198FF517FAFF}"/>
+          <p:cNvPr id="3" name="Agrupar 2">
+            <a:extLst>
+              <a:ext uri="{FF2B5EF4-FFF2-40B4-BE49-F238E27FC236}">
+                <a16:creationId xmlns:a16="http://schemas.microsoft.com/office/drawing/2014/main" id="{77ECD3DD-8813-4F37-B0CC-60C41CA55731}"/>
               </a:ext>
             </a:extLst>
           </p:cNvPr>
@@ -3866,235 +4062,256 @@
         </p:nvGrpSpPr>
         <p:grpSpPr>
           <a:xfrm>
-            <a:off x="2011496" y="3523643"/>
-            <a:ext cx="1063050" cy="1111017"/>
-            <a:chOff x="2527593" y="2082044"/>
-            <a:chExt cx="1435583" cy="1453392"/>
+            <a:off x="3200137" y="1802159"/>
+            <a:ext cx="1268741" cy="1257007"/>
+            <a:chOff x="2011526" y="2843427"/>
+            <a:chExt cx="1063050" cy="1111017"/>
           </a:xfrm>
         </p:grpSpPr>
-        <p:sp>
-          <p:nvSpPr>
-            <p:cNvPr id="15" name="Elipse 14">
+        <p:grpSp>
+          <p:nvGrpSpPr>
+            <p:cNvPr id="5" name="Agrupar 4">
               <a:extLst>
                 <a:ext uri="{FF2B5EF4-FFF2-40B4-BE49-F238E27FC236}">
-                  <a16:creationId xmlns:a16="http://schemas.microsoft.com/office/drawing/2014/main" id="{76E79236-6530-400F-8671-B74162547AFD}"/>
+                  <a16:creationId xmlns:a16="http://schemas.microsoft.com/office/drawing/2014/main" id="{C9F7CFF8-F9AD-4096-A8D1-198FF517FAFF}"/>
                 </a:ext>
               </a:extLst>
             </p:cNvPr>
-            <p:cNvSpPr/>
+            <p:cNvGrpSpPr/>
             <p:nvPr/>
-          </p:nvSpPr>
-          <p:spPr>
+          </p:nvGrpSpPr>
+          <p:grpSpPr>
             <a:xfrm>
-              <a:off x="2527593" y="2082044"/>
-              <a:ext cx="1435583" cy="1453392"/>
+              <a:off x="2011526" y="2843427"/>
+              <a:ext cx="1063050" cy="1111017"/>
+              <a:chOff x="2527593" y="2082044"/>
+              <a:chExt cx="1435583" cy="1453392"/>
             </a:xfrm>
-            <a:prstGeom prst="ellipse">
-              <a:avLst/>
-            </a:prstGeom>
-            <a:solidFill>
-              <a:srgbClr val="333333"/>
-            </a:solidFill>
-            <a:ln>
-              <a:noFill/>
-            </a:ln>
-          </p:spPr>
-          <p:style>
-            <a:lnRef idx="2">
-              <a:schemeClr val="accent1">
-                <a:shade val="50000"/>
-              </a:schemeClr>
-            </a:lnRef>
-            <a:fillRef idx="1">
-              <a:schemeClr val="accent1"/>
-            </a:fillRef>
-            <a:effectRef idx="0">
-              <a:schemeClr val="accent1"/>
-            </a:effectRef>
-            <a:fontRef idx="minor">
-              <a:schemeClr val="lt1"/>
-            </a:fontRef>
-          </p:style>
-          <p:txBody>
-            <a:bodyPr rtlCol="0" anchor="ctr"/>
-            <a:lstStyle/>
-            <a:p>
-              <a:pPr algn="ctr"/>
-              <a:endParaRPr lang="pt-BR"/>
-            </a:p>
-          </p:txBody>
-        </p:sp>
-        <p:sp>
-          <p:nvSpPr>
-            <p:cNvPr id="28" name="Elipse 27">
+          </p:grpSpPr>
+          <p:sp>
+            <p:nvSpPr>
+              <p:cNvPr id="15" name="Elipse 14">
+                <a:extLst>
+                  <a:ext uri="{FF2B5EF4-FFF2-40B4-BE49-F238E27FC236}">
+                    <a16:creationId xmlns:a16="http://schemas.microsoft.com/office/drawing/2014/main" id="{76E79236-6530-400F-8671-B74162547AFD}"/>
+                  </a:ext>
+                </a:extLst>
+              </p:cNvPr>
+              <p:cNvSpPr/>
+              <p:nvPr/>
+            </p:nvSpPr>
+            <p:spPr>
+              <a:xfrm>
+                <a:off x="2527593" y="2082044"/>
+                <a:ext cx="1435583" cy="1453392"/>
+              </a:xfrm>
+              <a:prstGeom prst="ellipse">
+                <a:avLst/>
+              </a:prstGeom>
+              <a:solidFill>
+                <a:srgbClr val="333333"/>
+              </a:solidFill>
+              <a:ln>
+                <a:noFill/>
+              </a:ln>
+            </p:spPr>
+            <p:style>
+              <a:lnRef idx="2">
+                <a:schemeClr val="accent1">
+                  <a:shade val="50000"/>
+                </a:schemeClr>
+              </a:lnRef>
+              <a:fillRef idx="1">
+                <a:schemeClr val="accent1"/>
+              </a:fillRef>
+              <a:effectRef idx="0">
+                <a:schemeClr val="accent1"/>
+              </a:effectRef>
+              <a:fontRef idx="minor">
+                <a:schemeClr val="lt1"/>
+              </a:fontRef>
+            </p:style>
+            <p:txBody>
+              <a:bodyPr rtlCol="0" anchor="ctr"/>
+              <a:lstStyle/>
+              <a:p>
+                <a:pPr algn="ctr"/>
+                <a:endParaRPr lang="pt-BR"/>
+              </a:p>
+            </p:txBody>
+          </p:sp>
+          <p:sp>
+            <p:nvSpPr>
+              <p:cNvPr id="28" name="Elipse 27">
+                <a:extLst>
+                  <a:ext uri="{FF2B5EF4-FFF2-40B4-BE49-F238E27FC236}">
+                    <a16:creationId xmlns:a16="http://schemas.microsoft.com/office/drawing/2014/main" id="{368EF06F-FD31-4B6A-8F08-9107D6630F1D}"/>
+                  </a:ext>
+                </a:extLst>
+              </p:cNvPr>
+              <p:cNvSpPr/>
+              <p:nvPr/>
+            </p:nvSpPr>
+            <p:spPr>
+              <a:xfrm>
+                <a:off x="2594575" y="2137736"/>
+                <a:ext cx="1299377" cy="1328377"/>
+              </a:xfrm>
+              <a:prstGeom prst="ellipse">
+                <a:avLst/>
+              </a:prstGeom>
+              <a:solidFill>
+                <a:srgbClr val="55A54F"/>
+              </a:solidFill>
+              <a:ln>
+                <a:solidFill>
+                  <a:srgbClr val="57A44F"/>
+                </a:solidFill>
+              </a:ln>
+            </p:spPr>
+            <p:style>
+              <a:lnRef idx="2">
+                <a:schemeClr val="accent1">
+                  <a:shade val="50000"/>
+                </a:schemeClr>
+              </a:lnRef>
+              <a:fillRef idx="1">
+                <a:schemeClr val="accent1"/>
+              </a:fillRef>
+              <a:effectRef idx="0">
+                <a:schemeClr val="accent1"/>
+              </a:effectRef>
+              <a:fontRef idx="minor">
+                <a:schemeClr val="lt1"/>
+              </a:fontRef>
+            </p:style>
+            <p:txBody>
+              <a:bodyPr rtlCol="0" anchor="ctr"/>
+              <a:lstStyle/>
+              <a:p>
+                <a:pPr algn="ctr"/>
+                <a:endParaRPr lang="pt-BR" dirty="0"/>
+              </a:p>
+            </p:txBody>
+          </p:sp>
+        </p:grpSp>
+        <p:pic>
+          <p:nvPicPr>
+            <p:cNvPr id="26" name="Imagem 25">
               <a:extLst>
                 <a:ext uri="{FF2B5EF4-FFF2-40B4-BE49-F238E27FC236}">
-                  <a16:creationId xmlns:a16="http://schemas.microsoft.com/office/drawing/2014/main" id="{368EF06F-FD31-4B6A-8F08-9107D6630F1D}"/>
+                  <a16:creationId xmlns:a16="http://schemas.microsoft.com/office/drawing/2014/main" id="{99D5D7A2-559B-4EF4-B2C6-342432E2E202}"/>
                 </a:ext>
               </a:extLst>
             </p:cNvPr>
-            <p:cNvSpPr/>
+            <p:cNvPicPr>
+              <a:picLocks noChangeAspect="1"/>
+            </p:cNvPicPr>
             <p:nvPr/>
-          </p:nvSpPr>
+          </p:nvPicPr>
+          <p:blipFill rotWithShape="1">
+            <a:blip r:embed="rId6">
+              <a:extLst>
+                <a:ext uri="{BEBA8EAE-BF5A-486C-A8C5-ECC9F3942E4B}">
+                  <a14:imgProps xmlns:a14="http://schemas.microsoft.com/office/drawing/2010/main">
+                    <a14:imgLayer r:embed="rId7">
+                      <a14:imgEffect>
+                        <a14:backgroundRemoval t="0" b="100000" l="30435" r="69783">
+                          <a14:foregroundMark x1="43478" y1="77148" x2="43478" y2="77148"/>
+                          <a14:foregroundMark x1="61413" y1="51172" x2="61413" y2="51172"/>
+                          <a14:foregroundMark x1="62065" y1="37500" x2="62065" y2="37500"/>
+                          <a14:foregroundMark x1="61087" y1="25195" x2="61087" y2="25195"/>
+                          <a14:foregroundMark x1="61196" y1="13867" x2="61196" y2="13867"/>
+                        </a14:backgroundRemoval>
+                      </a14:imgEffect>
+                    </a14:imgLayer>
+                  </a14:imgProps>
+                </a:ext>
+                <a:ext uri="{28A0092B-C50C-407E-A947-70E740481C1C}">
+                  <a14:useLocalDpi xmlns:a14="http://schemas.microsoft.com/office/drawing/2010/main" val="0"/>
+                </a:ext>
+              </a:extLst>
+            </a:blip>
+            <a:srcRect l="30790" r="31301"/>
+            <a:stretch/>
+          </p:blipFill>
           <p:spPr>
             <a:xfrm>
-              <a:off x="2594575" y="2137736"/>
-              <a:ext cx="1299377" cy="1328377"/>
+              <a:off x="2296248" y="2983675"/>
+              <a:ext cx="585970" cy="860213"/>
             </a:xfrm>
-            <a:prstGeom prst="ellipse">
+            <a:prstGeom prst="rect">
               <a:avLst/>
             </a:prstGeom>
-            <a:solidFill>
-              <a:srgbClr val="55A54F"/>
-            </a:solidFill>
-            <a:ln>
-              <a:solidFill>
-                <a:srgbClr val="57A44F"/>
-              </a:solidFill>
-            </a:ln>
           </p:spPr>
-          <p:style>
-            <a:lnRef idx="2">
-              <a:schemeClr val="accent1">
-                <a:shade val="50000"/>
-              </a:schemeClr>
-            </a:lnRef>
-            <a:fillRef idx="1">
-              <a:schemeClr val="accent1"/>
-            </a:fillRef>
-            <a:effectRef idx="0">
-              <a:schemeClr val="accent1"/>
-            </a:effectRef>
-            <a:fontRef idx="minor">
-              <a:schemeClr val="lt1"/>
-            </a:fontRef>
-          </p:style>
-          <p:txBody>
-            <a:bodyPr rtlCol="0" anchor="ctr"/>
-            <a:lstStyle/>
-            <a:p>
-              <a:pPr algn="ctr"/>
-              <a:endParaRPr lang="pt-BR" dirty="0"/>
-            </a:p>
-          </p:txBody>
-        </p:sp>
+        </p:pic>
+        <p:pic>
+          <p:nvPicPr>
+            <p:cNvPr id="36" name="Imagem 35">
+              <a:extLst>
+                <a:ext uri="{FF2B5EF4-FFF2-40B4-BE49-F238E27FC236}">
+                  <a16:creationId xmlns:a16="http://schemas.microsoft.com/office/drawing/2014/main" id="{F5711C45-C064-46BD-AB8F-CD710594EC7F}"/>
+                </a:ext>
+              </a:extLst>
+            </p:cNvPr>
+            <p:cNvPicPr>
+              <a:picLocks noChangeAspect="1"/>
+            </p:cNvPicPr>
+            <p:nvPr/>
+          </p:nvPicPr>
+          <p:blipFill>
+            <a:blip r:embed="rId8">
+              <a:extLst>
+                <a:ext uri="{BEBA8EAE-BF5A-486C-A8C5-ECC9F3942E4B}">
+                  <a14:imgProps xmlns:a14="http://schemas.microsoft.com/office/drawing/2010/main">
+                    <a14:imgLayer r:embed="rId9">
+                      <a14:imgEffect>
+                        <a14:backgroundRemoval t="0" b="100000" l="0" r="100000">
+                          <a14:foregroundMark x1="13400" y1="21000" x2="13400" y2="21000"/>
+                          <a14:foregroundMark x1="20600" y1="27600" x2="21600" y2="29000"/>
+                          <a14:foregroundMark x1="15600" y1="13600" x2="8600" y2="27200"/>
+                          <a14:foregroundMark x1="26400" y1="23200" x2="20800" y2="27800"/>
+                          <a14:foregroundMark x1="41600" y1="40600" x2="57400" y2="33400"/>
+                          <a14:foregroundMark x1="61800" y1="27200" x2="64600" y2="32000"/>
+                          <a14:foregroundMark x1="53200" y1="20200" x2="58600" y2="23600"/>
+                          <a14:foregroundMark x1="65800" y1="36000" x2="67000" y2="46600"/>
+                          <a14:foregroundMark x1="79200" y1="49200" x2="88000" y2="77200"/>
+                          <a14:foregroundMark x1="60200" y1="57400" x2="65600" y2="48200"/>
+                          <a14:foregroundMark x1="50400" y1="19000" x2="39800" y2="16200"/>
+                          <a14:foregroundMark x1="18800" y1="29000" x2="17200" y2="38800"/>
+                          <a14:foregroundMark x1="19200" y1="48200" x2="20000" y2="51000"/>
+                          <a14:foregroundMark x1="21200" y1="55800" x2="18800" y2="50600"/>
+                        </a14:backgroundRemoval>
+                      </a14:imgEffect>
+                    </a14:imgLayer>
+                  </a14:imgProps>
+                </a:ext>
+                <a:ext uri="{28A0092B-C50C-407E-A947-70E740481C1C}">
+                  <a14:useLocalDpi xmlns:a14="http://schemas.microsoft.com/office/drawing/2010/main" val="0"/>
+                </a:ext>
+              </a:extLst>
+            </a:blip>
+            <a:stretch>
+              <a:fillRect/>
+            </a:stretch>
+          </p:blipFill>
+          <p:spPr>
+            <a:xfrm rot="928886" flipH="1">
+              <a:off x="2136575" y="3255702"/>
+              <a:ext cx="249252" cy="249252"/>
+            </a:xfrm>
+            <a:prstGeom prst="rect">
+              <a:avLst/>
+            </a:prstGeom>
+          </p:spPr>
+        </p:pic>
       </p:grpSp>
-      <p:pic>
-        <p:nvPicPr>
-          <p:cNvPr id="26" name="Imagem 25">
-            <a:extLst>
-              <a:ext uri="{FF2B5EF4-FFF2-40B4-BE49-F238E27FC236}">
-                <a16:creationId xmlns:a16="http://schemas.microsoft.com/office/drawing/2014/main" id="{99D5D7A2-559B-4EF4-B2C6-342432E2E202}"/>
-              </a:ext>
-            </a:extLst>
-          </p:cNvPr>
-          <p:cNvPicPr>
-            <a:picLocks noChangeAspect="1"/>
-          </p:cNvPicPr>
-          <p:nvPr/>
-        </p:nvPicPr>
-        <p:blipFill rotWithShape="1">
-          <a:blip r:embed="rId5">
-            <a:extLst>
-              <a:ext uri="{BEBA8EAE-BF5A-486C-A8C5-ECC9F3942E4B}">
-                <a14:imgProps xmlns:a14="http://schemas.microsoft.com/office/drawing/2010/main">
-                  <a14:imgLayer r:embed="rId6">
-                    <a14:imgEffect>
-                      <a14:backgroundRemoval t="0" b="100000" l="30435" r="69783">
-                        <a14:foregroundMark x1="43478" y1="77148" x2="43478" y2="77148"/>
-                        <a14:foregroundMark x1="61413" y1="51172" x2="61413" y2="51172"/>
-                        <a14:foregroundMark x1="62065" y1="37500" x2="62065" y2="37500"/>
-                        <a14:foregroundMark x1="61087" y1="25195" x2="61087" y2="25195"/>
-                        <a14:foregroundMark x1="61196" y1="13867" x2="61196" y2="13867"/>
-                      </a14:backgroundRemoval>
-                    </a14:imgEffect>
-                  </a14:imgLayer>
-                </a14:imgProps>
-              </a:ext>
-              <a:ext uri="{28A0092B-C50C-407E-A947-70E740481C1C}">
-                <a14:useLocalDpi xmlns:a14="http://schemas.microsoft.com/office/drawing/2010/main" val="0"/>
-              </a:ext>
-            </a:extLst>
-          </a:blip>
-          <a:srcRect l="30790" r="31301"/>
-          <a:stretch/>
-        </p:blipFill>
-        <p:spPr>
-          <a:xfrm>
-            <a:off x="2296218" y="3663891"/>
-            <a:ext cx="585970" cy="860213"/>
-          </a:xfrm>
-          <a:prstGeom prst="rect">
-            <a:avLst/>
-          </a:prstGeom>
-        </p:spPr>
-      </p:pic>
-      <p:pic>
-        <p:nvPicPr>
-          <p:cNvPr id="36" name="Imagem 35">
-            <a:extLst>
-              <a:ext uri="{FF2B5EF4-FFF2-40B4-BE49-F238E27FC236}">
-                <a16:creationId xmlns:a16="http://schemas.microsoft.com/office/drawing/2014/main" id="{F5711C45-C064-46BD-AB8F-CD710594EC7F}"/>
-              </a:ext>
-            </a:extLst>
-          </p:cNvPr>
-          <p:cNvPicPr>
-            <a:picLocks noChangeAspect="1"/>
-          </p:cNvPicPr>
-          <p:nvPr/>
-        </p:nvPicPr>
-        <p:blipFill>
-          <a:blip r:embed="rId7">
-            <a:extLst>
-              <a:ext uri="{BEBA8EAE-BF5A-486C-A8C5-ECC9F3942E4B}">
-                <a14:imgProps xmlns:a14="http://schemas.microsoft.com/office/drawing/2010/main">
-                  <a14:imgLayer r:embed="rId8">
-                    <a14:imgEffect>
-                      <a14:backgroundRemoval t="0" b="100000" l="0" r="100000">
-                        <a14:foregroundMark x1="13400" y1="21000" x2="13400" y2="21000"/>
-                        <a14:foregroundMark x1="20600" y1="27600" x2="21600" y2="29000"/>
-                        <a14:foregroundMark x1="15600" y1="13600" x2="8600" y2="27200"/>
-                        <a14:foregroundMark x1="26400" y1="23200" x2="20800" y2="27800"/>
-                        <a14:foregroundMark x1="41600" y1="40600" x2="57400" y2="33400"/>
-                        <a14:foregroundMark x1="61800" y1="27200" x2="64600" y2="32000"/>
-                        <a14:foregroundMark x1="53200" y1="20200" x2="58600" y2="23600"/>
-                        <a14:foregroundMark x1="65800" y1="36000" x2="67000" y2="46600"/>
-                        <a14:foregroundMark x1="79200" y1="49200" x2="88000" y2="77200"/>
-                        <a14:foregroundMark x1="60200" y1="57400" x2="65600" y2="48200"/>
-                        <a14:foregroundMark x1="50400" y1="19000" x2="39800" y2="16200"/>
-                        <a14:foregroundMark x1="18800" y1="29000" x2="17200" y2="38800"/>
-                        <a14:foregroundMark x1="19200" y1="48200" x2="20000" y2="51000"/>
-                        <a14:foregroundMark x1="21200" y1="55800" x2="18800" y2="50600"/>
-                      </a14:backgroundRemoval>
-                    </a14:imgEffect>
-                  </a14:imgLayer>
-                </a14:imgProps>
-              </a:ext>
-              <a:ext uri="{28A0092B-C50C-407E-A947-70E740481C1C}">
-                <a14:useLocalDpi xmlns:a14="http://schemas.microsoft.com/office/drawing/2010/main" val="0"/>
-              </a:ext>
-            </a:extLst>
-          </a:blip>
-          <a:stretch>
-            <a:fillRect/>
-          </a:stretch>
-        </p:blipFill>
-        <p:spPr>
-          <a:xfrm rot="928886" flipH="1">
-            <a:off x="2136545" y="3935918"/>
-            <a:ext cx="249252" cy="249252"/>
-          </a:xfrm>
-          <a:prstGeom prst="rect">
-            <a:avLst/>
-          </a:prstGeom>
-        </p:spPr>
-      </p:pic>
       <p:grpSp>
         <p:nvGrpSpPr>
-          <p:cNvPr id="32" name="Agrupar 31">
-            <a:extLst>
-              <a:ext uri="{FF2B5EF4-FFF2-40B4-BE49-F238E27FC236}">
-                <a16:creationId xmlns:a16="http://schemas.microsoft.com/office/drawing/2014/main" id="{D4A4A7F9-090D-489C-95D4-F48DDB048AD7}"/>
+          <p:cNvPr id="12" name="Agrupar 11">
+            <a:extLst>
+              <a:ext uri="{FF2B5EF4-FFF2-40B4-BE49-F238E27FC236}">
+                <a16:creationId xmlns:a16="http://schemas.microsoft.com/office/drawing/2014/main" id="{58D846ED-62E9-4DC6-9B2D-71C5FEF3E641}"/>
               </a:ext>
             </a:extLst>
           </p:cNvPr>
@@ -4103,759 +4320,139 @@
         </p:nvGrpSpPr>
         <p:grpSpPr>
           <a:xfrm>
-            <a:off x="2011496" y="2235833"/>
-            <a:ext cx="1063050" cy="1111017"/>
-            <a:chOff x="2527593" y="2082044"/>
-            <a:chExt cx="1435583" cy="1453392"/>
+            <a:off x="5853416" y="5131100"/>
+            <a:ext cx="1270291" cy="1264267"/>
+            <a:chOff x="4656796" y="4575720"/>
+            <a:chExt cx="1270291" cy="1264267"/>
           </a:xfrm>
         </p:grpSpPr>
-        <p:sp>
-          <p:nvSpPr>
-            <p:cNvPr id="33" name="Elipse 32">
+        <p:grpSp>
+          <p:nvGrpSpPr>
+            <p:cNvPr id="45" name="Agrupar 44">
               <a:extLst>
                 <a:ext uri="{FF2B5EF4-FFF2-40B4-BE49-F238E27FC236}">
-                  <a16:creationId xmlns:a16="http://schemas.microsoft.com/office/drawing/2014/main" id="{EE8A156C-007B-4718-86C0-44B991E62FF4}"/>
+                  <a16:creationId xmlns:a16="http://schemas.microsoft.com/office/drawing/2014/main" id="{38C906AE-207E-456D-BAE2-660657F9F9D1}"/>
                 </a:ext>
               </a:extLst>
             </p:cNvPr>
-            <p:cNvSpPr/>
+            <p:cNvGrpSpPr/>
             <p:nvPr/>
-          </p:nvSpPr>
-          <p:spPr>
+          </p:nvGrpSpPr>
+          <p:grpSpPr>
             <a:xfrm>
-              <a:off x="2527593" y="2082044"/>
-              <a:ext cx="1435583" cy="1453392"/>
+              <a:off x="4656796" y="4575720"/>
+              <a:ext cx="1270291" cy="1264267"/>
+              <a:chOff x="2527593" y="2082044"/>
+              <a:chExt cx="1435583" cy="1453392"/>
             </a:xfrm>
-            <a:prstGeom prst="ellipse">
-              <a:avLst/>
-            </a:prstGeom>
-            <a:solidFill>
-              <a:srgbClr val="333333"/>
-            </a:solidFill>
-            <a:ln>
-              <a:noFill/>
-            </a:ln>
-          </p:spPr>
-          <p:style>
-            <a:lnRef idx="2">
-              <a:schemeClr val="accent1">
-                <a:shade val="50000"/>
-              </a:schemeClr>
-            </a:lnRef>
-            <a:fillRef idx="1">
-              <a:schemeClr val="accent1"/>
-            </a:fillRef>
-            <a:effectRef idx="0">
-              <a:schemeClr val="accent1"/>
-            </a:effectRef>
-            <a:fontRef idx="minor">
-              <a:schemeClr val="lt1"/>
-            </a:fontRef>
-          </p:style>
-          <p:txBody>
-            <a:bodyPr rtlCol="0" anchor="ctr"/>
-            <a:lstStyle/>
-            <a:p>
-              <a:pPr algn="ctr"/>
-              <a:endParaRPr lang="pt-BR"/>
-            </a:p>
-          </p:txBody>
-        </p:sp>
-        <p:sp>
-          <p:nvSpPr>
-            <p:cNvPr id="35" name="Elipse 34">
-              <a:extLst>
-                <a:ext uri="{FF2B5EF4-FFF2-40B4-BE49-F238E27FC236}">
-                  <a16:creationId xmlns:a16="http://schemas.microsoft.com/office/drawing/2014/main" id="{EF2CC645-7C58-421E-9ACF-3EA30D580AED}"/>
-                </a:ext>
-              </a:extLst>
-            </p:cNvPr>
-            <p:cNvSpPr/>
-            <p:nvPr/>
-          </p:nvSpPr>
-          <p:spPr>
-            <a:xfrm>
-              <a:off x="2594575" y="2137736"/>
-              <a:ext cx="1299377" cy="1328377"/>
-            </a:xfrm>
-            <a:prstGeom prst="ellipse">
-              <a:avLst/>
-            </a:prstGeom>
-            <a:solidFill>
-              <a:srgbClr val="55A54F"/>
-            </a:solidFill>
-            <a:ln>
-              <a:solidFill>
-                <a:srgbClr val="57A44F"/>
-              </a:solidFill>
-            </a:ln>
-          </p:spPr>
-          <p:style>
-            <a:lnRef idx="2">
-              <a:schemeClr val="accent1">
-                <a:shade val="50000"/>
-              </a:schemeClr>
-            </a:lnRef>
-            <a:fillRef idx="1">
-              <a:schemeClr val="accent1"/>
-            </a:fillRef>
-            <a:effectRef idx="0">
-              <a:schemeClr val="accent1"/>
-            </a:effectRef>
-            <a:fontRef idx="minor">
-              <a:schemeClr val="lt1"/>
-            </a:fontRef>
-          </p:style>
-          <p:txBody>
-            <a:bodyPr rtlCol="0" anchor="ctr"/>
-            <a:lstStyle/>
-            <a:p>
-              <a:pPr algn="ctr"/>
-              <a:endParaRPr lang="pt-BR" dirty="0"/>
-            </a:p>
-          </p:txBody>
-        </p:sp>
-      </p:grpSp>
-      <p:grpSp>
-        <p:nvGrpSpPr>
-          <p:cNvPr id="37" name="Agrupar 36">
-            <a:extLst>
-              <a:ext uri="{FF2B5EF4-FFF2-40B4-BE49-F238E27FC236}">
-                <a16:creationId xmlns:a16="http://schemas.microsoft.com/office/drawing/2014/main" id="{430530A0-3828-4B92-9010-79EE8E1622DC}"/>
-              </a:ext>
-            </a:extLst>
-          </p:cNvPr>
-          <p:cNvGrpSpPr/>
-          <p:nvPr/>
-        </p:nvGrpSpPr>
-        <p:grpSpPr>
-          <a:xfrm>
-            <a:off x="4067451" y="2838354"/>
-            <a:ext cx="1063050" cy="1111016"/>
-            <a:chOff x="195299" y="2603463"/>
-            <a:chExt cx="1435583" cy="1453392"/>
-          </a:xfrm>
-        </p:grpSpPr>
-        <p:sp>
-          <p:nvSpPr>
-            <p:cNvPr id="39" name="Elipse 38">
-              <a:extLst>
-                <a:ext uri="{FF2B5EF4-FFF2-40B4-BE49-F238E27FC236}">
-                  <a16:creationId xmlns:a16="http://schemas.microsoft.com/office/drawing/2014/main" id="{68177648-F253-44FE-9374-8CAD1425024E}"/>
-                </a:ext>
-              </a:extLst>
-            </p:cNvPr>
-            <p:cNvSpPr/>
-            <p:nvPr/>
-          </p:nvSpPr>
-          <p:spPr>
-            <a:xfrm>
-              <a:off x="195299" y="2603463"/>
-              <a:ext cx="1435583" cy="1453392"/>
-            </a:xfrm>
-            <a:prstGeom prst="ellipse">
-              <a:avLst/>
-            </a:prstGeom>
-            <a:solidFill>
-              <a:srgbClr val="55A54F"/>
-            </a:solidFill>
-            <a:ln>
-              <a:solidFill>
-                <a:srgbClr val="57A44F"/>
-              </a:solidFill>
-            </a:ln>
-          </p:spPr>
-          <p:style>
-            <a:lnRef idx="2">
-              <a:schemeClr val="accent1">
-                <a:shade val="50000"/>
-              </a:schemeClr>
-            </a:lnRef>
-            <a:fillRef idx="1">
-              <a:schemeClr val="accent1"/>
-            </a:fillRef>
-            <a:effectRef idx="0">
-              <a:schemeClr val="accent1"/>
-            </a:effectRef>
-            <a:fontRef idx="minor">
-              <a:schemeClr val="lt1"/>
-            </a:fontRef>
-          </p:style>
-          <p:txBody>
-            <a:bodyPr rtlCol="0" anchor="ctr"/>
-            <a:lstStyle/>
-            <a:p>
-              <a:pPr algn="ctr"/>
-              <a:endParaRPr lang="pt-BR"/>
-            </a:p>
-          </p:txBody>
-        </p:sp>
-        <p:sp>
-          <p:nvSpPr>
-            <p:cNvPr id="43" name="Elipse 42">
-              <a:extLst>
-                <a:ext uri="{FF2B5EF4-FFF2-40B4-BE49-F238E27FC236}">
-                  <a16:creationId xmlns:a16="http://schemas.microsoft.com/office/drawing/2014/main" id="{8B292F06-149C-48FC-A80D-ECF272F8D127}"/>
-                </a:ext>
-              </a:extLst>
-            </p:cNvPr>
-            <p:cNvSpPr/>
-            <p:nvPr/>
-          </p:nvSpPr>
-          <p:spPr>
-            <a:xfrm>
-              <a:off x="262657" y="2659155"/>
-              <a:ext cx="1299377" cy="1328377"/>
-            </a:xfrm>
-            <a:prstGeom prst="ellipse">
-              <a:avLst/>
-            </a:prstGeom>
-            <a:solidFill>
-              <a:srgbClr val="333333"/>
-            </a:solidFill>
-            <a:ln>
+          </p:grpSpPr>
+          <p:sp>
+            <p:nvSpPr>
+              <p:cNvPr id="46" name="Elipse 45">
+                <a:extLst>
+                  <a:ext uri="{FF2B5EF4-FFF2-40B4-BE49-F238E27FC236}">
+                    <a16:creationId xmlns:a16="http://schemas.microsoft.com/office/drawing/2014/main" id="{B7EDC2EA-0CF4-4560-90B0-0E4E06C6B614}"/>
+                  </a:ext>
+                </a:extLst>
+              </p:cNvPr>
+              <p:cNvSpPr/>
+              <p:nvPr/>
+            </p:nvSpPr>
+            <p:spPr>
+              <a:xfrm>
+                <a:off x="2527593" y="2082044"/>
+                <a:ext cx="1435583" cy="1453392"/>
+              </a:xfrm>
+              <a:prstGeom prst="ellipse">
+                <a:avLst/>
+              </a:prstGeom>
               <a:solidFill>
                 <a:srgbClr val="333333"/>
               </a:solidFill>
-            </a:ln>
-          </p:spPr>
-          <p:style>
-            <a:lnRef idx="2">
-              <a:schemeClr val="accent1">
-                <a:shade val="50000"/>
-              </a:schemeClr>
-            </a:lnRef>
-            <a:fillRef idx="1">
-              <a:schemeClr val="accent1"/>
-            </a:fillRef>
-            <a:effectRef idx="0">
-              <a:schemeClr val="accent1"/>
-            </a:effectRef>
-            <a:fontRef idx="minor">
-              <a:schemeClr val="lt1"/>
-            </a:fontRef>
-          </p:style>
-          <p:txBody>
-            <a:bodyPr rtlCol="0" anchor="ctr"/>
-            <a:lstStyle/>
-            <a:p>
-              <a:pPr algn="ctr"/>
-              <a:endParaRPr lang="pt-BR" dirty="0"/>
-            </a:p>
-          </p:txBody>
-        </p:sp>
-      </p:grpSp>
-      <p:grpSp>
-        <p:nvGrpSpPr>
-          <p:cNvPr id="45" name="Agrupar 44">
-            <a:extLst>
-              <a:ext uri="{FF2B5EF4-FFF2-40B4-BE49-F238E27FC236}">
-                <a16:creationId xmlns:a16="http://schemas.microsoft.com/office/drawing/2014/main" id="{38C906AE-207E-456D-BAE2-660657F9F9D1}"/>
-              </a:ext>
-            </a:extLst>
-          </p:cNvPr>
-          <p:cNvGrpSpPr/>
-          <p:nvPr/>
-        </p:nvGrpSpPr>
-        <p:grpSpPr>
-          <a:xfrm>
-            <a:off x="6076426" y="2838354"/>
-            <a:ext cx="1063050" cy="1111017"/>
-            <a:chOff x="2527593" y="2082044"/>
-            <a:chExt cx="1435583" cy="1453392"/>
-          </a:xfrm>
-        </p:grpSpPr>
-        <p:sp>
-          <p:nvSpPr>
-            <p:cNvPr id="46" name="Elipse 45">
-              <a:extLst>
-                <a:ext uri="{FF2B5EF4-FFF2-40B4-BE49-F238E27FC236}">
-                  <a16:creationId xmlns:a16="http://schemas.microsoft.com/office/drawing/2014/main" id="{B7EDC2EA-0CF4-4560-90B0-0E4E06C6B614}"/>
-                </a:ext>
-              </a:extLst>
-            </p:cNvPr>
-            <p:cNvSpPr/>
-            <p:nvPr/>
-          </p:nvSpPr>
-          <p:spPr>
-            <a:xfrm>
-              <a:off x="2527593" y="2082044"/>
-              <a:ext cx="1435583" cy="1453392"/>
-            </a:xfrm>
-            <a:prstGeom prst="ellipse">
-              <a:avLst/>
-            </a:prstGeom>
-            <a:solidFill>
-              <a:srgbClr val="333333"/>
-            </a:solidFill>
-            <a:ln>
-              <a:noFill/>
-            </a:ln>
-          </p:spPr>
-          <p:style>
-            <a:lnRef idx="2">
-              <a:schemeClr val="accent1">
-                <a:shade val="50000"/>
-              </a:schemeClr>
-            </a:lnRef>
-            <a:fillRef idx="1">
-              <a:schemeClr val="accent1"/>
-            </a:fillRef>
-            <a:effectRef idx="0">
-              <a:schemeClr val="accent1"/>
-            </a:effectRef>
-            <a:fontRef idx="minor">
-              <a:schemeClr val="lt1"/>
-            </a:fontRef>
-          </p:style>
-          <p:txBody>
-            <a:bodyPr rtlCol="0" anchor="ctr"/>
-            <a:lstStyle/>
-            <a:p>
-              <a:pPr algn="ctr"/>
-              <a:endParaRPr lang="pt-BR"/>
-            </a:p>
-          </p:txBody>
-        </p:sp>
-        <p:sp>
-          <p:nvSpPr>
-            <p:cNvPr id="47" name="Elipse 46">
-              <a:extLst>
-                <a:ext uri="{FF2B5EF4-FFF2-40B4-BE49-F238E27FC236}">
-                  <a16:creationId xmlns:a16="http://schemas.microsoft.com/office/drawing/2014/main" id="{7730F484-BE4A-4818-BEA2-2871B74B29FC}"/>
-                </a:ext>
-              </a:extLst>
-            </p:cNvPr>
-            <p:cNvSpPr/>
-            <p:nvPr/>
-          </p:nvSpPr>
-          <p:spPr>
-            <a:xfrm>
-              <a:off x="2594575" y="2137736"/>
-              <a:ext cx="1299377" cy="1328377"/>
-            </a:xfrm>
-            <a:prstGeom prst="ellipse">
-              <a:avLst/>
-            </a:prstGeom>
-            <a:solidFill>
-              <a:srgbClr val="55A54F"/>
-            </a:solidFill>
-            <a:ln>
+              <a:ln>
+                <a:noFill/>
+              </a:ln>
+            </p:spPr>
+            <p:style>
+              <a:lnRef idx="2">
+                <a:schemeClr val="accent1">
+                  <a:shade val="50000"/>
+                </a:schemeClr>
+              </a:lnRef>
+              <a:fillRef idx="1">
+                <a:schemeClr val="accent1"/>
+              </a:fillRef>
+              <a:effectRef idx="0">
+                <a:schemeClr val="accent1"/>
+              </a:effectRef>
+              <a:fontRef idx="minor">
+                <a:schemeClr val="lt1"/>
+              </a:fontRef>
+            </p:style>
+            <p:txBody>
+              <a:bodyPr rtlCol="0" anchor="ctr"/>
+              <a:lstStyle/>
+              <a:p>
+                <a:pPr algn="ctr"/>
+                <a:endParaRPr lang="pt-BR"/>
+              </a:p>
+            </p:txBody>
+          </p:sp>
+          <p:sp>
+            <p:nvSpPr>
+              <p:cNvPr id="47" name="Elipse 46">
+                <a:extLst>
+                  <a:ext uri="{FF2B5EF4-FFF2-40B4-BE49-F238E27FC236}">
+                    <a16:creationId xmlns:a16="http://schemas.microsoft.com/office/drawing/2014/main" id="{7730F484-BE4A-4818-BEA2-2871B74B29FC}"/>
+                  </a:ext>
+                </a:extLst>
+              </p:cNvPr>
+              <p:cNvSpPr/>
+              <p:nvPr/>
+            </p:nvSpPr>
+            <p:spPr>
+              <a:xfrm>
+                <a:off x="2594575" y="2137736"/>
+                <a:ext cx="1299377" cy="1328377"/>
+              </a:xfrm>
+              <a:prstGeom prst="ellipse">
+                <a:avLst/>
+              </a:prstGeom>
               <a:solidFill>
-                <a:srgbClr val="57A44F"/>
+                <a:srgbClr val="55A54F"/>
               </a:solidFill>
-            </a:ln>
-          </p:spPr>
-          <p:style>
-            <a:lnRef idx="2">
-              <a:schemeClr val="accent1">
-                <a:shade val="50000"/>
-              </a:schemeClr>
-            </a:lnRef>
-            <a:fillRef idx="1">
-              <a:schemeClr val="accent1"/>
-            </a:fillRef>
-            <a:effectRef idx="0">
-              <a:schemeClr val="accent1"/>
-            </a:effectRef>
-            <a:fontRef idx="minor">
-              <a:schemeClr val="lt1"/>
-            </a:fontRef>
-          </p:style>
-          <p:txBody>
-            <a:bodyPr rtlCol="0" anchor="ctr"/>
-            <a:lstStyle/>
-            <a:p>
-              <a:pPr algn="ctr"/>
-              <a:endParaRPr lang="pt-BR" dirty="0"/>
-            </a:p>
-          </p:txBody>
-        </p:sp>
-      </p:grpSp>
-      <p:grpSp>
-        <p:nvGrpSpPr>
-          <p:cNvPr id="48" name="Agrupar 47">
-            <a:extLst>
-              <a:ext uri="{FF2B5EF4-FFF2-40B4-BE49-F238E27FC236}">
-                <a16:creationId xmlns:a16="http://schemas.microsoft.com/office/drawing/2014/main" id="{1B5E7883-0768-49CE-8BF2-64B403865A56}"/>
-              </a:ext>
-            </a:extLst>
-          </p:cNvPr>
-          <p:cNvGrpSpPr/>
-          <p:nvPr/>
-        </p:nvGrpSpPr>
-        <p:grpSpPr>
-          <a:xfrm>
-            <a:off x="10447774" y="4653383"/>
-            <a:ext cx="932640" cy="935292"/>
-            <a:chOff x="2527593" y="2082044"/>
-            <a:chExt cx="1435583" cy="1453392"/>
-          </a:xfrm>
-        </p:grpSpPr>
-        <p:sp>
-          <p:nvSpPr>
-            <p:cNvPr id="49" name="Elipse 48">
-              <a:extLst>
-                <a:ext uri="{FF2B5EF4-FFF2-40B4-BE49-F238E27FC236}">
-                  <a16:creationId xmlns:a16="http://schemas.microsoft.com/office/drawing/2014/main" id="{86959F29-2B8C-40E7-A320-1DF107A81D35}"/>
-                </a:ext>
-              </a:extLst>
-            </p:cNvPr>
-            <p:cNvSpPr/>
-            <p:nvPr/>
-          </p:nvSpPr>
-          <p:spPr>
-            <a:xfrm>
-              <a:off x="2527593" y="2082044"/>
-              <a:ext cx="1435583" cy="1453392"/>
-            </a:xfrm>
-            <a:prstGeom prst="ellipse">
-              <a:avLst/>
-            </a:prstGeom>
-            <a:solidFill>
-              <a:srgbClr val="333333"/>
-            </a:solidFill>
-            <a:ln>
-              <a:noFill/>
-            </a:ln>
-          </p:spPr>
-          <p:style>
-            <a:lnRef idx="2">
-              <a:schemeClr val="accent1">
-                <a:shade val="50000"/>
-              </a:schemeClr>
-            </a:lnRef>
-            <a:fillRef idx="1">
-              <a:schemeClr val="accent1"/>
-            </a:fillRef>
-            <a:effectRef idx="0">
-              <a:schemeClr val="accent1"/>
-            </a:effectRef>
-            <a:fontRef idx="minor">
-              <a:schemeClr val="lt1"/>
-            </a:fontRef>
-          </p:style>
-          <p:txBody>
-            <a:bodyPr rtlCol="0" anchor="ctr"/>
-            <a:lstStyle/>
-            <a:p>
-              <a:pPr algn="ctr"/>
-              <a:endParaRPr lang="pt-BR"/>
-            </a:p>
-          </p:txBody>
-        </p:sp>
-        <p:sp>
-          <p:nvSpPr>
-            <p:cNvPr id="50" name="Elipse 49">
-              <a:extLst>
-                <a:ext uri="{FF2B5EF4-FFF2-40B4-BE49-F238E27FC236}">
-                  <a16:creationId xmlns:a16="http://schemas.microsoft.com/office/drawing/2014/main" id="{00FB50D7-6190-4D68-B208-77D331D325AC}"/>
-                </a:ext>
-              </a:extLst>
-            </p:cNvPr>
-            <p:cNvSpPr/>
-            <p:nvPr/>
-          </p:nvSpPr>
-          <p:spPr>
-            <a:xfrm>
-              <a:off x="2594575" y="2137736"/>
-              <a:ext cx="1299377" cy="1328377"/>
-            </a:xfrm>
-            <a:prstGeom prst="ellipse">
-              <a:avLst/>
-            </a:prstGeom>
-            <a:solidFill>
-              <a:srgbClr val="55A54F"/>
-            </a:solidFill>
-            <a:ln>
-              <a:solidFill>
-                <a:srgbClr val="57A44F"/>
-              </a:solidFill>
-            </a:ln>
-          </p:spPr>
-          <p:style>
-            <a:lnRef idx="2">
-              <a:schemeClr val="accent1">
-                <a:shade val="50000"/>
-              </a:schemeClr>
-            </a:lnRef>
-            <a:fillRef idx="1">
-              <a:schemeClr val="accent1"/>
-            </a:fillRef>
-            <a:effectRef idx="0">
-              <a:schemeClr val="accent1"/>
-            </a:effectRef>
-            <a:fontRef idx="minor">
-              <a:schemeClr val="lt1"/>
-            </a:fontRef>
-          </p:style>
-          <p:txBody>
-            <a:bodyPr rtlCol="0" anchor="ctr"/>
-            <a:lstStyle/>
-            <a:p>
-              <a:pPr algn="ctr"/>
-              <a:endParaRPr lang="pt-BR" dirty="0"/>
-            </a:p>
-          </p:txBody>
-        </p:sp>
-      </p:grpSp>
-      <p:grpSp>
-        <p:nvGrpSpPr>
-          <p:cNvPr id="54" name="Agrupar 53">
-            <a:extLst>
-              <a:ext uri="{FF2B5EF4-FFF2-40B4-BE49-F238E27FC236}">
-                <a16:creationId xmlns:a16="http://schemas.microsoft.com/office/drawing/2014/main" id="{72E8F8B3-BEBD-44F4-A015-472CD0294FE2}"/>
-              </a:ext>
-            </a:extLst>
-          </p:cNvPr>
-          <p:cNvGrpSpPr/>
-          <p:nvPr/>
-        </p:nvGrpSpPr>
-        <p:grpSpPr>
-          <a:xfrm>
-            <a:off x="8081399" y="2838354"/>
-            <a:ext cx="1063050" cy="1111016"/>
-            <a:chOff x="195299" y="2603463"/>
-            <a:chExt cx="1435583" cy="1453392"/>
-          </a:xfrm>
-        </p:grpSpPr>
-        <p:sp>
-          <p:nvSpPr>
-            <p:cNvPr id="55" name="Elipse 54">
-              <a:extLst>
-                <a:ext uri="{FF2B5EF4-FFF2-40B4-BE49-F238E27FC236}">
-                  <a16:creationId xmlns:a16="http://schemas.microsoft.com/office/drawing/2014/main" id="{86E9583B-FC0F-4E94-8701-1DBE7A8E3CB9}"/>
-                </a:ext>
-              </a:extLst>
-            </p:cNvPr>
-            <p:cNvSpPr/>
-            <p:nvPr/>
-          </p:nvSpPr>
-          <p:spPr>
-            <a:xfrm>
-              <a:off x="195299" y="2603463"/>
-              <a:ext cx="1435583" cy="1453392"/>
-            </a:xfrm>
-            <a:prstGeom prst="ellipse">
-              <a:avLst/>
-            </a:prstGeom>
-            <a:solidFill>
-              <a:srgbClr val="55A54F"/>
-            </a:solidFill>
-            <a:ln>
-              <a:solidFill>
-                <a:srgbClr val="57A44F"/>
-              </a:solidFill>
-            </a:ln>
-          </p:spPr>
-          <p:style>
-            <a:lnRef idx="2">
-              <a:schemeClr val="accent1">
-                <a:shade val="50000"/>
-              </a:schemeClr>
-            </a:lnRef>
-            <a:fillRef idx="1">
-              <a:schemeClr val="accent1"/>
-            </a:fillRef>
-            <a:effectRef idx="0">
-              <a:schemeClr val="accent1"/>
-            </a:effectRef>
-            <a:fontRef idx="minor">
-              <a:schemeClr val="lt1"/>
-            </a:fontRef>
-          </p:style>
-          <p:txBody>
-            <a:bodyPr rtlCol="0" anchor="ctr"/>
-            <a:lstStyle/>
-            <a:p>
-              <a:pPr algn="ctr"/>
-              <a:endParaRPr lang="pt-BR"/>
-            </a:p>
-          </p:txBody>
-        </p:sp>
-        <p:sp>
-          <p:nvSpPr>
-            <p:cNvPr id="56" name="Elipse 55">
-              <a:extLst>
-                <a:ext uri="{FF2B5EF4-FFF2-40B4-BE49-F238E27FC236}">
-                  <a16:creationId xmlns:a16="http://schemas.microsoft.com/office/drawing/2014/main" id="{E36FA30A-7DEC-4B81-AA6C-5A7E4DB7AA95}"/>
-                </a:ext>
-              </a:extLst>
-            </p:cNvPr>
-            <p:cNvSpPr/>
-            <p:nvPr/>
-          </p:nvSpPr>
-          <p:spPr>
-            <a:xfrm>
-              <a:off x="262657" y="2659155"/>
-              <a:ext cx="1299377" cy="1328377"/>
-            </a:xfrm>
-            <a:prstGeom prst="ellipse">
-              <a:avLst/>
-            </a:prstGeom>
-            <a:solidFill>
-              <a:srgbClr val="333333"/>
-            </a:solidFill>
-            <a:ln>
-              <a:solidFill>
-                <a:srgbClr val="333333"/>
-              </a:solidFill>
-            </a:ln>
-          </p:spPr>
-          <p:style>
-            <a:lnRef idx="2">
-              <a:schemeClr val="accent1">
-                <a:shade val="50000"/>
-              </a:schemeClr>
-            </a:lnRef>
-            <a:fillRef idx="1">
-              <a:schemeClr val="accent1"/>
-            </a:fillRef>
-            <a:effectRef idx="0">
-              <a:schemeClr val="accent1"/>
-            </a:effectRef>
-            <a:fontRef idx="minor">
-              <a:schemeClr val="lt1"/>
-            </a:fontRef>
-          </p:style>
-          <p:txBody>
-            <a:bodyPr rtlCol="0" anchor="ctr"/>
-            <a:lstStyle/>
-            <a:p>
-              <a:pPr algn="ctr"/>
-              <a:endParaRPr lang="pt-BR" dirty="0"/>
-            </a:p>
-          </p:txBody>
-        </p:sp>
-      </p:grpSp>
-      <p:pic>
-        <p:nvPicPr>
-          <p:cNvPr id="44" name="Imagem 43">
-            <a:extLst>
-              <a:ext uri="{FF2B5EF4-FFF2-40B4-BE49-F238E27FC236}">
-                <a16:creationId xmlns:a16="http://schemas.microsoft.com/office/drawing/2014/main" id="{B0D6CD68-ABA7-4CE8-A06B-D3BA5E5C9DC7}"/>
-              </a:ext>
-            </a:extLst>
-          </p:cNvPr>
-          <p:cNvPicPr>
-            <a:picLocks noChangeAspect="1"/>
-          </p:cNvPicPr>
-          <p:nvPr/>
-        </p:nvPicPr>
-        <p:blipFill rotWithShape="1">
-          <a:blip r:embed="rId9">
-            <a:duotone>
-              <a:prstClr val="black"/>
-              <a:srgbClr val="D9C3A5">
-                <a:tint val="50000"/>
-                <a:satMod val="180000"/>
-              </a:srgbClr>
-            </a:duotone>
-            <a:extLst>
-              <a:ext uri="{BEBA8EAE-BF5A-486C-A8C5-ECC9F3942E4B}">
-                <a14:imgProps xmlns:a14="http://schemas.microsoft.com/office/drawing/2010/main">
-                  <a14:imgLayer r:embed="rId10">
-                    <a14:imgEffect>
-                      <a14:backgroundRemoval t="10000" b="90000" l="10000" r="90000">
-                        <a14:foregroundMark x1="30268" y1="50360" x2="30268" y2="50360"/>
-                        <a14:foregroundMark x1="71070" y1="50360" x2="71070" y2="50360"/>
-                      </a14:backgroundRemoval>
-                    </a14:imgEffect>
-                  </a14:imgLayer>
-                </a14:imgProps>
-              </a:ext>
-              <a:ext uri="{28A0092B-C50C-407E-A947-70E740481C1C}">
-                <a14:useLocalDpi xmlns:a14="http://schemas.microsoft.com/office/drawing/2010/main" val="0"/>
-              </a:ext>
-            </a:extLst>
-          </a:blip>
-          <a:srcRect l="13293" t="25342" r="13315" b="25658"/>
-          <a:stretch/>
-        </p:blipFill>
-        <p:spPr>
-          <a:xfrm>
-            <a:off x="2099412" y="2578888"/>
-            <a:ext cx="890275" cy="414487"/>
-          </a:xfrm>
-          <a:prstGeom prst="rect">
-            <a:avLst/>
-          </a:prstGeom>
-        </p:spPr>
-      </p:pic>
-      <p:pic>
-        <p:nvPicPr>
-          <p:cNvPr id="1026" name="Picture 2" descr="Ícone plano do roteador com sinal - Baixar PNG/SVG Transparente">
-            <a:extLst>
-              <a:ext uri="{FF2B5EF4-FFF2-40B4-BE49-F238E27FC236}">
-                <a16:creationId xmlns:a16="http://schemas.microsoft.com/office/drawing/2014/main" id="{46554E02-28F8-4807-A9A7-0569CA76B542}"/>
-              </a:ext>
-            </a:extLst>
-          </p:cNvPr>
-          <p:cNvPicPr>
-            <a:picLocks noChangeAspect="1" noChangeArrowheads="1"/>
-          </p:cNvPicPr>
-          <p:nvPr/>
-        </p:nvPicPr>
-        <p:blipFill>
-          <a:blip r:embed="rId11">
-            <a:duotone>
-              <a:schemeClr val="accent6">
-                <a:shade val="45000"/>
-                <a:satMod val="135000"/>
-              </a:schemeClr>
-              <a:prstClr val="white"/>
-            </a:duotone>
-            <a:extLst>
-              <a:ext uri="{28A0092B-C50C-407E-A947-70E740481C1C}">
-                <a14:useLocalDpi xmlns:a14="http://schemas.microsoft.com/office/drawing/2010/main" val="0"/>
-              </a:ext>
-            </a:extLst>
-          </a:blip>
-          <a:srcRect/>
-          <a:stretch>
-            <a:fillRect/>
-          </a:stretch>
-        </p:blipFill>
-        <p:spPr bwMode="auto">
-          <a:xfrm>
-            <a:off x="4212546" y="2973525"/>
-            <a:ext cx="774306" cy="774306"/>
-          </a:xfrm>
-          <a:prstGeom prst="rect">
-            <a:avLst/>
-          </a:prstGeom>
-          <a:noFill/>
-          <a:extLst>
-            <a:ext uri="{909E8E84-426E-40DD-AFC4-6F175D3DCCD1}">
-              <a14:hiddenFill xmlns:a14="http://schemas.microsoft.com/office/drawing/2010/main">
+              <a:ln>
                 <a:solidFill>
-                  <a:srgbClr val="FFFFFF"/>
+                  <a:srgbClr val="57A44F"/>
                 </a:solidFill>
-              </a14:hiddenFill>
-            </a:ext>
-          </a:extLst>
-        </p:spPr>
-      </p:pic>
-      <p:grpSp>
-        <p:nvGrpSpPr>
-          <p:cNvPr id="63" name="Agrupar 62">
-            <a:extLst>
-              <a:ext uri="{FF2B5EF4-FFF2-40B4-BE49-F238E27FC236}">
-                <a16:creationId xmlns:a16="http://schemas.microsoft.com/office/drawing/2014/main" id="{B859DD14-7398-4157-8D09-6C2264E54C68}"/>
-              </a:ext>
-            </a:extLst>
-          </p:cNvPr>
-          <p:cNvGrpSpPr/>
-          <p:nvPr/>
-        </p:nvGrpSpPr>
-        <p:grpSpPr>
-          <a:xfrm>
-            <a:off x="6349123" y="2941249"/>
-            <a:ext cx="542939" cy="812874"/>
-            <a:chOff x="6349123" y="2706358"/>
-            <a:chExt cx="542939" cy="812874"/>
-          </a:xfrm>
-        </p:grpSpPr>
+              </a:ln>
+            </p:spPr>
+            <p:style>
+              <a:lnRef idx="2">
+                <a:schemeClr val="accent1">
+                  <a:shade val="50000"/>
+                </a:schemeClr>
+              </a:lnRef>
+              <a:fillRef idx="1">
+                <a:schemeClr val="accent1"/>
+              </a:fillRef>
+              <a:effectRef idx="0">
+                <a:schemeClr val="accent1"/>
+              </a:effectRef>
+              <a:fontRef idx="minor">
+                <a:schemeClr val="lt1"/>
+              </a:fontRef>
+            </p:style>
+            <p:txBody>
+              <a:bodyPr rtlCol="0" anchor="ctr"/>
+              <a:lstStyle/>
+              <a:p>
+                <a:pPr algn="ctr"/>
+                <a:endParaRPr lang="pt-BR" dirty="0"/>
+              </a:p>
+            </p:txBody>
+          </p:sp>
+        </p:grpSp>
         <p:pic>
           <p:nvPicPr>
             <p:cNvPr id="38" name="Imagem 37">
@@ -4871,11 +4468,11 @@
             <p:nvPr/>
           </p:nvPicPr>
           <p:blipFill>
-            <a:blip r:embed="rId12">
+            <a:blip r:embed="rId10">
               <a:extLst>
                 <a:ext uri="{BEBA8EAE-BF5A-486C-A8C5-ECC9F3942E4B}">
                   <a14:imgProps xmlns:a14="http://schemas.microsoft.com/office/drawing/2010/main">
-                    <a14:imgLayer r:embed="rId13">
+                    <a14:imgLayer r:embed="rId11">
                       <a14:imgEffect>
                         <a14:backgroundRemoval t="0" b="100000" l="0" r="100000"/>
                       </a14:imgEffect>
@@ -4893,351 +4490,225 @@
           </p:blipFill>
           <p:spPr>
             <a:xfrm>
-              <a:off x="6349123" y="2706358"/>
-              <a:ext cx="515993" cy="515993"/>
+              <a:off x="4863235" y="4778292"/>
+              <a:ext cx="888245" cy="888245"/>
             </a:xfrm>
             <a:prstGeom prst="rect">
               <a:avLst/>
             </a:prstGeom>
           </p:spPr>
         </p:pic>
-        <p:sp>
-          <p:nvSpPr>
-            <p:cNvPr id="7" name="Retângulo 6">
+      </p:grpSp>
+      <p:grpSp>
+        <p:nvGrpSpPr>
+          <p:cNvPr id="14" name="Agrupar 13">
+            <a:extLst>
+              <a:ext uri="{FF2B5EF4-FFF2-40B4-BE49-F238E27FC236}">
+                <a16:creationId xmlns:a16="http://schemas.microsoft.com/office/drawing/2014/main" id="{644F52BC-DB12-4498-92EB-B7A8AF7BE62D}"/>
+              </a:ext>
+            </a:extLst>
+          </p:cNvPr>
+          <p:cNvGrpSpPr/>
+          <p:nvPr/>
+        </p:nvGrpSpPr>
+        <p:grpSpPr>
+          <a:xfrm>
+            <a:off x="5866732" y="3282872"/>
+            <a:ext cx="1268741" cy="1279442"/>
+            <a:chOff x="8660050" y="2838354"/>
+            <a:chExt cx="1182509" cy="1217668"/>
+          </a:xfrm>
+        </p:grpSpPr>
+        <p:grpSp>
+          <p:nvGrpSpPr>
+            <p:cNvPr id="54" name="Agrupar 53">
               <a:extLst>
                 <a:ext uri="{FF2B5EF4-FFF2-40B4-BE49-F238E27FC236}">
-                  <a16:creationId xmlns:a16="http://schemas.microsoft.com/office/drawing/2014/main" id="{19CF45AC-9168-4479-AA60-F1FB1CB6B9C1}"/>
+                  <a16:creationId xmlns:a16="http://schemas.microsoft.com/office/drawing/2014/main" id="{72E8F8B3-BEBD-44F4-A015-472CD0294FE2}"/>
                 </a:ext>
               </a:extLst>
             </p:cNvPr>
-            <p:cNvSpPr/>
+            <p:cNvGrpSpPr/>
             <p:nvPr/>
-          </p:nvSpPr>
-          <p:spPr>
+          </p:nvGrpSpPr>
+          <p:grpSpPr>
             <a:xfrm>
-              <a:off x="6349123" y="3399384"/>
-              <a:ext cx="143956" cy="119848"/>
+              <a:off x="8660050" y="2838354"/>
+              <a:ext cx="1182509" cy="1217668"/>
+              <a:chOff x="195299" y="2603463"/>
+              <a:chExt cx="1435583" cy="1453392"/>
+            </a:xfrm>
+          </p:grpSpPr>
+          <p:sp>
+            <p:nvSpPr>
+              <p:cNvPr id="55" name="Elipse 54">
+                <a:extLst>
+                  <a:ext uri="{FF2B5EF4-FFF2-40B4-BE49-F238E27FC236}">
+                    <a16:creationId xmlns:a16="http://schemas.microsoft.com/office/drawing/2014/main" id="{86E9583B-FC0F-4E94-8701-1DBE7A8E3CB9}"/>
+                  </a:ext>
+                </a:extLst>
+              </p:cNvPr>
+              <p:cNvSpPr/>
+              <p:nvPr/>
+            </p:nvSpPr>
+            <p:spPr>
+              <a:xfrm>
+                <a:off x="195299" y="2603463"/>
+                <a:ext cx="1435583" cy="1453392"/>
+              </a:xfrm>
+              <a:prstGeom prst="ellipse">
+                <a:avLst/>
+              </a:prstGeom>
+              <a:solidFill>
+                <a:srgbClr val="55A54F"/>
+              </a:solidFill>
+              <a:ln>
+                <a:solidFill>
+                  <a:srgbClr val="57A44F"/>
+                </a:solidFill>
+              </a:ln>
+            </p:spPr>
+            <p:style>
+              <a:lnRef idx="2">
+                <a:schemeClr val="accent1">
+                  <a:shade val="50000"/>
+                </a:schemeClr>
+              </a:lnRef>
+              <a:fillRef idx="1">
+                <a:schemeClr val="accent1"/>
+              </a:fillRef>
+              <a:effectRef idx="0">
+                <a:schemeClr val="accent1"/>
+              </a:effectRef>
+              <a:fontRef idx="minor">
+                <a:schemeClr val="lt1"/>
+              </a:fontRef>
+            </p:style>
+            <p:txBody>
+              <a:bodyPr rtlCol="0" anchor="ctr"/>
+              <a:lstStyle/>
+              <a:p>
+                <a:pPr algn="ctr"/>
+                <a:endParaRPr lang="pt-BR"/>
+              </a:p>
+            </p:txBody>
+          </p:sp>
+          <p:sp>
+            <p:nvSpPr>
+              <p:cNvPr id="56" name="Elipse 55">
+                <a:extLst>
+                  <a:ext uri="{FF2B5EF4-FFF2-40B4-BE49-F238E27FC236}">
+                    <a16:creationId xmlns:a16="http://schemas.microsoft.com/office/drawing/2014/main" id="{E36FA30A-7DEC-4B81-AA6C-5A7E4DB7AA95}"/>
+                  </a:ext>
+                </a:extLst>
+              </p:cNvPr>
+              <p:cNvSpPr/>
+              <p:nvPr/>
+            </p:nvSpPr>
+            <p:spPr>
+              <a:xfrm>
+                <a:off x="262657" y="2659155"/>
+                <a:ext cx="1299377" cy="1328377"/>
+              </a:xfrm>
+              <a:prstGeom prst="ellipse">
+                <a:avLst/>
+              </a:prstGeom>
+              <a:solidFill>
+                <a:srgbClr val="333333"/>
+              </a:solidFill>
+              <a:ln>
+                <a:solidFill>
+                  <a:srgbClr val="333333"/>
+                </a:solidFill>
+              </a:ln>
+            </p:spPr>
+            <p:style>
+              <a:lnRef idx="2">
+                <a:schemeClr val="accent1">
+                  <a:shade val="50000"/>
+                </a:schemeClr>
+              </a:lnRef>
+              <a:fillRef idx="1">
+                <a:schemeClr val="accent1"/>
+              </a:fillRef>
+              <a:effectRef idx="0">
+                <a:schemeClr val="accent1"/>
+              </a:effectRef>
+              <a:fontRef idx="minor">
+                <a:schemeClr val="lt1"/>
+              </a:fontRef>
+            </p:style>
+            <p:txBody>
+              <a:bodyPr rtlCol="0" anchor="ctr"/>
+              <a:lstStyle/>
+              <a:p>
+                <a:pPr algn="ctr"/>
+                <a:endParaRPr lang="pt-BR" dirty="0"/>
+              </a:p>
+            </p:txBody>
+          </p:sp>
+        </p:grpSp>
+        <p:pic>
+          <p:nvPicPr>
+            <p:cNvPr id="1030" name="Picture 6" descr="Nuvem - ícones de clima grátis">
+              <a:extLst>
+                <a:ext uri="{FF2B5EF4-FFF2-40B4-BE49-F238E27FC236}">
+                  <a16:creationId xmlns:a16="http://schemas.microsoft.com/office/drawing/2014/main" id="{108B4831-D455-4A9E-BC11-FAC879F59D82}"/>
+                </a:ext>
+              </a:extLst>
+            </p:cNvPr>
+            <p:cNvPicPr>
+              <a:picLocks noChangeAspect="1" noChangeArrowheads="1"/>
+            </p:cNvPicPr>
+            <p:nvPr/>
+          </p:nvPicPr>
+          <p:blipFill>
+            <a:blip r:embed="rId12">
+              <a:duotone>
+                <a:schemeClr val="accent6">
+                  <a:shade val="45000"/>
+                  <a:satMod val="135000"/>
+                </a:schemeClr>
+                <a:prstClr val="white"/>
+              </a:duotone>
+              <a:extLst>
+                <a:ext uri="{28A0092B-C50C-407E-A947-70E740481C1C}">
+                  <a14:useLocalDpi xmlns:a14="http://schemas.microsoft.com/office/drawing/2010/main" val="0"/>
+                </a:ext>
+              </a:extLst>
+            </a:blip>
+            <a:srcRect/>
+            <a:stretch>
+              <a:fillRect/>
+            </a:stretch>
+          </p:blipFill>
+          <p:spPr bwMode="auto">
+            <a:xfrm>
+              <a:off x="8768893" y="2911467"/>
+              <a:ext cx="968616" cy="968616"/>
             </a:xfrm>
             <a:prstGeom prst="rect">
               <a:avLst/>
             </a:prstGeom>
             <a:noFill/>
-            <a:ln w="19050">
-              <a:solidFill>
-                <a:schemeClr val="tx1"/>
-              </a:solidFill>
-            </a:ln>
+            <a:extLst>
+              <a:ext uri="{909E8E84-426E-40DD-AFC4-6F175D3DCCD1}">
+                <a14:hiddenFill xmlns:a14="http://schemas.microsoft.com/office/drawing/2010/main">
+                  <a:solidFill>
+                    <a:srgbClr val="FFFFFF"/>
+                  </a:solidFill>
+                </a14:hiddenFill>
+              </a:ext>
+            </a:extLst>
           </p:spPr>
-          <p:style>
-            <a:lnRef idx="2">
-              <a:schemeClr val="accent1">
-                <a:shade val="50000"/>
-              </a:schemeClr>
-            </a:lnRef>
-            <a:fillRef idx="1">
-              <a:schemeClr val="accent1"/>
-            </a:fillRef>
-            <a:effectRef idx="0">
-              <a:schemeClr val="accent1"/>
-            </a:effectRef>
-            <a:fontRef idx="minor">
-              <a:schemeClr val="lt1"/>
-            </a:fontRef>
-          </p:style>
-          <p:txBody>
-            <a:bodyPr rtlCol="0" anchor="ctr"/>
-            <a:lstStyle/>
-            <a:p>
-              <a:pPr algn="ctr"/>
-              <a:endParaRPr lang="pt-BR"/>
-            </a:p>
-          </p:txBody>
-        </p:sp>
-        <p:sp>
-          <p:nvSpPr>
-            <p:cNvPr id="57" name="Retângulo 56">
-              <a:extLst>
-                <a:ext uri="{FF2B5EF4-FFF2-40B4-BE49-F238E27FC236}">
-                  <a16:creationId xmlns:a16="http://schemas.microsoft.com/office/drawing/2014/main" id="{E5C28F3E-06C1-44AD-AA8E-B38158E06F79}"/>
-                </a:ext>
-              </a:extLst>
-            </p:cNvPr>
-            <p:cNvSpPr/>
-            <p:nvPr/>
-          </p:nvSpPr>
-          <p:spPr>
-            <a:xfrm>
-              <a:off x="6748106" y="3399384"/>
-              <a:ext cx="143956" cy="119848"/>
-            </a:xfrm>
-            <a:prstGeom prst="rect">
-              <a:avLst/>
-            </a:prstGeom>
-            <a:noFill/>
-            <a:ln w="19050">
-              <a:solidFill>
-                <a:schemeClr val="tx1"/>
-              </a:solidFill>
-            </a:ln>
-          </p:spPr>
-          <p:style>
-            <a:lnRef idx="2">
-              <a:schemeClr val="accent1">
-                <a:shade val="50000"/>
-              </a:schemeClr>
-            </a:lnRef>
-            <a:fillRef idx="1">
-              <a:schemeClr val="accent1"/>
-            </a:fillRef>
-            <a:effectRef idx="0">
-              <a:schemeClr val="accent1"/>
-            </a:effectRef>
-            <a:fontRef idx="minor">
-              <a:schemeClr val="lt1"/>
-            </a:fontRef>
-          </p:style>
-          <p:txBody>
-            <a:bodyPr rtlCol="0" anchor="ctr"/>
-            <a:lstStyle/>
-            <a:p>
-              <a:pPr algn="ctr"/>
-              <a:endParaRPr lang="pt-BR"/>
-            </a:p>
-          </p:txBody>
-        </p:sp>
-        <p:cxnSp>
-          <p:nvCxnSpPr>
-            <p:cNvPr id="13" name="Conector reto 12">
-              <a:extLst>
-                <a:ext uri="{FF2B5EF4-FFF2-40B4-BE49-F238E27FC236}">
-                  <a16:creationId xmlns:a16="http://schemas.microsoft.com/office/drawing/2014/main" id="{6B568FCB-0BF0-4DB4-B544-CFC43CABADC3}"/>
-                </a:ext>
-              </a:extLst>
-            </p:cNvPr>
-            <p:cNvCxnSpPr>
-              <a:cxnSpLocks/>
-            </p:cNvCxnSpPr>
-            <p:nvPr/>
-          </p:nvCxnSpPr>
-          <p:spPr>
-            <a:xfrm>
-              <a:off x="6610525" y="3214824"/>
-              <a:ext cx="0" cy="91334"/>
-            </a:xfrm>
-            <a:prstGeom prst="line">
-              <a:avLst/>
-            </a:prstGeom>
-            <a:ln w="19050">
-              <a:solidFill>
-                <a:schemeClr val="tx1"/>
-              </a:solidFill>
-            </a:ln>
-          </p:spPr>
-          <p:style>
-            <a:lnRef idx="1">
-              <a:schemeClr val="accent1"/>
-            </a:lnRef>
-            <a:fillRef idx="0">
-              <a:schemeClr val="accent1"/>
-            </a:fillRef>
-            <a:effectRef idx="0">
-              <a:schemeClr val="accent1"/>
-            </a:effectRef>
-            <a:fontRef idx="minor">
-              <a:schemeClr val="tx1"/>
-            </a:fontRef>
-          </p:style>
-        </p:cxnSp>
-        <p:cxnSp>
-          <p:nvCxnSpPr>
-            <p:cNvPr id="59" name="Conector reto 58">
-              <a:extLst>
-                <a:ext uri="{FF2B5EF4-FFF2-40B4-BE49-F238E27FC236}">
-                  <a16:creationId xmlns:a16="http://schemas.microsoft.com/office/drawing/2014/main" id="{918FFB06-B003-4226-BF0D-DC56E57422A6}"/>
-                </a:ext>
-              </a:extLst>
-            </p:cNvPr>
-            <p:cNvCxnSpPr>
-              <a:cxnSpLocks/>
-            </p:cNvCxnSpPr>
-            <p:nvPr/>
-          </p:nvCxnSpPr>
-          <p:spPr>
-            <a:xfrm>
-              <a:off x="6397523" y="3307904"/>
-              <a:ext cx="426004" cy="0"/>
-            </a:xfrm>
-            <a:prstGeom prst="line">
-              <a:avLst/>
-            </a:prstGeom>
-            <a:ln w="19050">
-              <a:solidFill>
-                <a:schemeClr val="tx1"/>
-              </a:solidFill>
-            </a:ln>
-          </p:spPr>
-          <p:style>
-            <a:lnRef idx="1">
-              <a:schemeClr val="accent1"/>
-            </a:lnRef>
-            <a:fillRef idx="0">
-              <a:schemeClr val="accent1"/>
-            </a:fillRef>
-            <a:effectRef idx="0">
-              <a:schemeClr val="accent1"/>
-            </a:effectRef>
-            <a:fontRef idx="minor">
-              <a:schemeClr val="tx1"/>
-            </a:fontRef>
-          </p:style>
-        </p:cxnSp>
-        <p:cxnSp>
-          <p:nvCxnSpPr>
-            <p:cNvPr id="65" name="Conector reto 64">
-              <a:extLst>
-                <a:ext uri="{FF2B5EF4-FFF2-40B4-BE49-F238E27FC236}">
-                  <a16:creationId xmlns:a16="http://schemas.microsoft.com/office/drawing/2014/main" id="{72D3F141-8BDD-4C80-8333-7642CFA2CE87}"/>
-                </a:ext>
-              </a:extLst>
-            </p:cNvPr>
-            <p:cNvCxnSpPr>
-              <a:cxnSpLocks/>
-            </p:cNvCxnSpPr>
-            <p:nvPr/>
-          </p:nvCxnSpPr>
-          <p:spPr>
-            <a:xfrm>
-              <a:off x="6821648" y="3300112"/>
-              <a:ext cx="0" cy="91334"/>
-            </a:xfrm>
-            <a:prstGeom prst="line">
-              <a:avLst/>
-            </a:prstGeom>
-            <a:ln w="19050">
-              <a:solidFill>
-                <a:schemeClr val="tx1"/>
-              </a:solidFill>
-            </a:ln>
-          </p:spPr>
-          <p:style>
-            <a:lnRef idx="1">
-              <a:schemeClr val="accent1"/>
-            </a:lnRef>
-            <a:fillRef idx="0">
-              <a:schemeClr val="accent1"/>
-            </a:fillRef>
-            <a:effectRef idx="0">
-              <a:schemeClr val="accent1"/>
-            </a:effectRef>
-            <a:fontRef idx="minor">
-              <a:schemeClr val="tx1"/>
-            </a:fontRef>
-          </p:style>
-        </p:cxnSp>
-        <p:cxnSp>
-          <p:nvCxnSpPr>
-            <p:cNvPr id="66" name="Conector reto 65">
-              <a:extLst>
-                <a:ext uri="{FF2B5EF4-FFF2-40B4-BE49-F238E27FC236}">
-                  <a16:creationId xmlns:a16="http://schemas.microsoft.com/office/drawing/2014/main" id="{CBAA1121-4726-4DE9-BF92-EE24471C3B65}"/>
-                </a:ext>
-              </a:extLst>
-            </p:cNvPr>
-            <p:cNvCxnSpPr>
-              <a:cxnSpLocks/>
-            </p:cNvCxnSpPr>
-            <p:nvPr/>
-          </p:nvCxnSpPr>
-          <p:spPr>
-            <a:xfrm>
-              <a:off x="6411985" y="3293121"/>
-              <a:ext cx="0" cy="91334"/>
-            </a:xfrm>
-            <a:prstGeom prst="line">
-              <a:avLst/>
-            </a:prstGeom>
-            <a:ln w="19050">
-              <a:solidFill>
-                <a:schemeClr val="tx1"/>
-              </a:solidFill>
-            </a:ln>
-          </p:spPr>
-          <p:style>
-            <a:lnRef idx="1">
-              <a:schemeClr val="accent1"/>
-            </a:lnRef>
-            <a:fillRef idx="0">
-              <a:schemeClr val="accent1"/>
-            </a:fillRef>
-            <a:effectRef idx="0">
-              <a:schemeClr val="accent1"/>
-            </a:effectRef>
-            <a:fontRef idx="minor">
-              <a:schemeClr val="tx1"/>
-            </a:fontRef>
-          </p:style>
-        </p:cxnSp>
+        </p:pic>
       </p:grpSp>
-      <p:pic>
-        <p:nvPicPr>
-          <p:cNvPr id="1030" name="Picture 6" descr="Nuvem - ícones de clima grátis">
-            <a:extLst>
-              <a:ext uri="{FF2B5EF4-FFF2-40B4-BE49-F238E27FC236}">
-                <a16:creationId xmlns:a16="http://schemas.microsoft.com/office/drawing/2014/main" id="{108B4831-D455-4A9E-BC11-FAC879F59D82}"/>
-              </a:ext>
-            </a:extLst>
-          </p:cNvPr>
-          <p:cNvPicPr>
-            <a:picLocks noChangeAspect="1" noChangeArrowheads="1"/>
-          </p:cNvPicPr>
-          <p:nvPr/>
-        </p:nvPicPr>
-        <p:blipFill>
-          <a:blip r:embed="rId14">
-            <a:duotone>
-              <a:schemeClr val="accent6">
-                <a:shade val="45000"/>
-                <a:satMod val="135000"/>
-              </a:schemeClr>
-              <a:prstClr val="white"/>
-            </a:duotone>
-            <a:extLst>
-              <a:ext uri="{28A0092B-C50C-407E-A947-70E740481C1C}">
-                <a14:useLocalDpi xmlns:a14="http://schemas.microsoft.com/office/drawing/2010/main" val="0"/>
-              </a:ext>
-            </a:extLst>
-          </a:blip>
-          <a:srcRect/>
-          <a:stretch>
-            <a:fillRect/>
-          </a:stretch>
-        </p:blipFill>
-        <p:spPr bwMode="auto">
-          <a:xfrm>
-            <a:off x="8176989" y="2911467"/>
-            <a:ext cx="870765" cy="870765"/>
-          </a:xfrm>
-          <a:prstGeom prst="rect">
-            <a:avLst/>
-          </a:prstGeom>
-          <a:noFill/>
-          <a:extLst>
-            <a:ext uri="{909E8E84-426E-40DD-AFC4-6F175D3DCCD1}">
-              <a14:hiddenFill xmlns:a14="http://schemas.microsoft.com/office/drawing/2010/main">
-                <a:solidFill>
-                  <a:srgbClr val="FFFFFF"/>
-                </a:solidFill>
-              </a14:hiddenFill>
-            </a:ext>
-          </a:extLst>
-        </p:spPr>
-      </p:pic>
       <p:grpSp>
         <p:nvGrpSpPr>
-          <p:cNvPr id="69" name="Agrupar 68">
-            <a:extLst>
-              <a:ext uri="{FF2B5EF4-FFF2-40B4-BE49-F238E27FC236}">
-                <a16:creationId xmlns:a16="http://schemas.microsoft.com/office/drawing/2014/main" id="{9833AA68-ED38-43F2-BFD0-3EDBD75E7975}"/>
+          <p:cNvPr id="20" name="Agrupar 19">
+            <a:extLst>
+              <a:ext uri="{FF2B5EF4-FFF2-40B4-BE49-F238E27FC236}">
+                <a16:creationId xmlns:a16="http://schemas.microsoft.com/office/drawing/2014/main" id="{1FC8659C-2034-4E19-A5B3-7526E9A36807}"/>
               </a:ext>
             </a:extLst>
           </p:cNvPr>
@@ -5246,145 +4717,145 @@
         </p:nvGrpSpPr>
         <p:grpSpPr>
           <a:xfrm>
-            <a:off x="10019251" y="2838354"/>
-            <a:ext cx="1063050" cy="1111017"/>
-            <a:chOff x="2527593" y="2082044"/>
-            <a:chExt cx="1435583" cy="1453392"/>
+            <a:off x="9447633" y="789749"/>
+            <a:ext cx="1275339" cy="1212357"/>
+            <a:chOff x="8898264" y="414192"/>
+            <a:chExt cx="1275339" cy="1212357"/>
           </a:xfrm>
         </p:grpSpPr>
-        <p:sp>
-          <p:nvSpPr>
-            <p:cNvPr id="70" name="Elipse 69">
+        <p:grpSp>
+          <p:nvGrpSpPr>
+            <p:cNvPr id="80" name="Agrupar 79">
               <a:extLst>
                 <a:ext uri="{FF2B5EF4-FFF2-40B4-BE49-F238E27FC236}">
-                  <a16:creationId xmlns:a16="http://schemas.microsoft.com/office/drawing/2014/main" id="{4067D126-12E7-4BFC-93BC-471D07B4C621}"/>
+                  <a16:creationId xmlns:a16="http://schemas.microsoft.com/office/drawing/2014/main" id="{D82ACD27-B736-4630-AF05-D37130C23710}"/>
                 </a:ext>
               </a:extLst>
             </p:cNvPr>
-            <p:cNvSpPr/>
+            <p:cNvGrpSpPr/>
             <p:nvPr/>
-          </p:nvSpPr>
-          <p:spPr>
+          </p:nvGrpSpPr>
+          <p:grpSpPr>
             <a:xfrm>
-              <a:off x="2527593" y="2082044"/>
-              <a:ext cx="1435583" cy="1453392"/>
+              <a:off x="8898264" y="414192"/>
+              <a:ext cx="1275339" cy="1212357"/>
+              <a:chOff x="2527593" y="2082044"/>
+              <a:chExt cx="1435583" cy="1453392"/>
             </a:xfrm>
-            <a:prstGeom prst="ellipse">
-              <a:avLst/>
-            </a:prstGeom>
-            <a:solidFill>
-              <a:srgbClr val="333333"/>
-            </a:solidFill>
-            <a:ln>
-              <a:noFill/>
-            </a:ln>
-          </p:spPr>
-          <p:style>
-            <a:lnRef idx="2">
-              <a:schemeClr val="accent1">
-                <a:shade val="50000"/>
-              </a:schemeClr>
-            </a:lnRef>
-            <a:fillRef idx="1">
-              <a:schemeClr val="accent1"/>
-            </a:fillRef>
-            <a:effectRef idx="0">
-              <a:schemeClr val="accent1"/>
-            </a:effectRef>
-            <a:fontRef idx="minor">
-              <a:schemeClr val="lt1"/>
-            </a:fontRef>
-          </p:style>
-          <p:txBody>
-            <a:bodyPr rtlCol="0" anchor="ctr"/>
-            <a:lstStyle/>
-            <a:p>
-              <a:pPr algn="ctr"/>
-              <a:endParaRPr lang="pt-BR"/>
-            </a:p>
-          </p:txBody>
-        </p:sp>
-        <p:sp>
-          <p:nvSpPr>
-            <p:cNvPr id="71" name="Elipse 70">
+          </p:grpSpPr>
+          <p:sp>
+            <p:nvSpPr>
+              <p:cNvPr id="81" name="Elipse 80">
+                <a:extLst>
+                  <a:ext uri="{FF2B5EF4-FFF2-40B4-BE49-F238E27FC236}">
+                    <a16:creationId xmlns:a16="http://schemas.microsoft.com/office/drawing/2014/main" id="{E9A4291E-CE46-4293-B5F1-46A27716218B}"/>
+                  </a:ext>
+                </a:extLst>
+              </p:cNvPr>
+              <p:cNvSpPr/>
+              <p:nvPr/>
+            </p:nvSpPr>
+            <p:spPr>
+              <a:xfrm>
+                <a:off x="2527593" y="2082044"/>
+                <a:ext cx="1435583" cy="1453392"/>
+              </a:xfrm>
+              <a:prstGeom prst="ellipse">
+                <a:avLst/>
+              </a:prstGeom>
+              <a:solidFill>
+                <a:srgbClr val="333333"/>
+              </a:solidFill>
+              <a:ln>
+                <a:noFill/>
+              </a:ln>
+            </p:spPr>
+            <p:style>
+              <a:lnRef idx="2">
+                <a:schemeClr val="accent1">
+                  <a:shade val="50000"/>
+                </a:schemeClr>
+              </a:lnRef>
+              <a:fillRef idx="1">
+                <a:schemeClr val="accent1"/>
+              </a:fillRef>
+              <a:effectRef idx="0">
+                <a:schemeClr val="accent1"/>
+              </a:effectRef>
+              <a:fontRef idx="minor">
+                <a:schemeClr val="lt1"/>
+              </a:fontRef>
+            </p:style>
+            <p:txBody>
+              <a:bodyPr rtlCol="0" anchor="ctr"/>
+              <a:lstStyle/>
+              <a:p>
+                <a:pPr algn="ctr"/>
+                <a:endParaRPr lang="pt-BR"/>
+              </a:p>
+            </p:txBody>
+          </p:sp>
+          <p:sp>
+            <p:nvSpPr>
+              <p:cNvPr id="82" name="Elipse 81">
+                <a:extLst>
+                  <a:ext uri="{FF2B5EF4-FFF2-40B4-BE49-F238E27FC236}">
+                    <a16:creationId xmlns:a16="http://schemas.microsoft.com/office/drawing/2014/main" id="{8DACE888-18B4-4C2F-AA88-8EB01CC40FD7}"/>
+                  </a:ext>
+                </a:extLst>
+              </p:cNvPr>
+              <p:cNvSpPr/>
+              <p:nvPr/>
+            </p:nvSpPr>
+            <p:spPr>
+              <a:xfrm>
+                <a:off x="2594575" y="2137736"/>
+                <a:ext cx="1299377" cy="1328377"/>
+              </a:xfrm>
+              <a:prstGeom prst="ellipse">
+                <a:avLst/>
+              </a:prstGeom>
+              <a:solidFill>
+                <a:srgbClr val="55A54F"/>
+              </a:solidFill>
+              <a:ln>
+                <a:solidFill>
+                  <a:srgbClr val="57A44F"/>
+                </a:solidFill>
+              </a:ln>
+            </p:spPr>
+            <p:style>
+              <a:lnRef idx="2">
+                <a:schemeClr val="accent1">
+                  <a:shade val="50000"/>
+                </a:schemeClr>
+              </a:lnRef>
+              <a:fillRef idx="1">
+                <a:schemeClr val="accent1"/>
+              </a:fillRef>
+              <a:effectRef idx="0">
+                <a:schemeClr val="accent1"/>
+              </a:effectRef>
+              <a:fontRef idx="minor">
+                <a:schemeClr val="lt1"/>
+              </a:fontRef>
+            </p:style>
+            <p:txBody>
+              <a:bodyPr rtlCol="0" anchor="ctr"/>
+              <a:lstStyle/>
+              <a:p>
+                <a:pPr algn="ctr"/>
+                <a:endParaRPr lang="pt-BR" dirty="0"/>
+              </a:p>
+            </p:txBody>
+          </p:sp>
+        </p:grpSp>
+        <p:pic>
+          <p:nvPicPr>
+            <p:cNvPr id="83" name="Imagem 82">
               <a:extLst>
                 <a:ext uri="{FF2B5EF4-FFF2-40B4-BE49-F238E27FC236}">
-                  <a16:creationId xmlns:a16="http://schemas.microsoft.com/office/drawing/2014/main" id="{252DC1AC-4AEA-496C-8C13-96A266F69214}"/>
-                </a:ext>
-              </a:extLst>
-            </p:cNvPr>
-            <p:cNvSpPr/>
-            <p:nvPr/>
-          </p:nvSpPr>
-          <p:spPr>
-            <a:xfrm>
-              <a:off x="2594575" y="2137736"/>
-              <a:ext cx="1299377" cy="1328377"/>
-            </a:xfrm>
-            <a:prstGeom prst="ellipse">
-              <a:avLst/>
-            </a:prstGeom>
-            <a:solidFill>
-              <a:srgbClr val="55A54F"/>
-            </a:solidFill>
-            <a:ln>
-              <a:solidFill>
-                <a:srgbClr val="57A44F"/>
-              </a:solidFill>
-            </a:ln>
-          </p:spPr>
-          <p:style>
-            <a:lnRef idx="2">
-              <a:schemeClr val="accent1">
-                <a:shade val="50000"/>
-              </a:schemeClr>
-            </a:lnRef>
-            <a:fillRef idx="1">
-              <a:schemeClr val="accent1"/>
-            </a:fillRef>
-            <a:effectRef idx="0">
-              <a:schemeClr val="accent1"/>
-            </a:effectRef>
-            <a:fontRef idx="minor">
-              <a:schemeClr val="lt1"/>
-            </a:fontRef>
-          </p:style>
-          <p:txBody>
-            <a:bodyPr rtlCol="0" anchor="ctr"/>
-            <a:lstStyle/>
-            <a:p>
-              <a:pPr algn="ctr"/>
-              <a:endParaRPr lang="pt-BR" dirty="0"/>
-            </a:p>
-          </p:txBody>
-        </p:sp>
-      </p:grpSp>
-      <p:grpSp>
-        <p:nvGrpSpPr>
-          <p:cNvPr id="72" name="Agrupar 71">
-            <a:extLst>
-              <a:ext uri="{FF2B5EF4-FFF2-40B4-BE49-F238E27FC236}">
-                <a16:creationId xmlns:a16="http://schemas.microsoft.com/office/drawing/2014/main" id="{084B47A5-2E26-4C81-9361-DDB036A11AC3}"/>
-              </a:ext>
-            </a:extLst>
-          </p:cNvPr>
-          <p:cNvGrpSpPr/>
-          <p:nvPr/>
-        </p:nvGrpSpPr>
-        <p:grpSpPr>
-          <a:xfrm>
-            <a:off x="10291948" y="2941249"/>
-            <a:ext cx="542939" cy="812874"/>
-            <a:chOff x="6349123" y="2706358"/>
-            <a:chExt cx="542939" cy="812874"/>
-          </a:xfrm>
-        </p:grpSpPr>
-        <p:pic>
-          <p:nvPicPr>
-            <p:cNvPr id="73" name="Imagem 72">
-              <a:extLst>
-                <a:ext uri="{FF2B5EF4-FFF2-40B4-BE49-F238E27FC236}">
-                  <a16:creationId xmlns:a16="http://schemas.microsoft.com/office/drawing/2014/main" id="{7B20F72F-DF8B-455B-8AA9-FA9ABBAF80F6}"/>
+                  <a16:creationId xmlns:a16="http://schemas.microsoft.com/office/drawing/2014/main" id="{16FB88C9-2501-4101-92A9-EE50F7A2461B}"/>
                 </a:ext>
               </a:extLst>
             </p:cNvPr>
@@ -5394,11 +4865,18 @@
             <p:nvPr/>
           </p:nvPicPr>
           <p:blipFill>
-            <a:blip r:embed="rId12">
+            <a:blip r:embed="rId13">
+              <a:duotone>
+                <a:prstClr val="black"/>
+                <a:schemeClr val="accent3">
+                  <a:tint val="45000"/>
+                  <a:satMod val="400000"/>
+                </a:schemeClr>
+              </a:duotone>
               <a:extLst>
                 <a:ext uri="{BEBA8EAE-BF5A-486C-A8C5-ECC9F3942E4B}">
                   <a14:imgProps xmlns:a14="http://schemas.microsoft.com/office/drawing/2010/main">
-                    <a14:imgLayer r:embed="rId13">
+                    <a14:imgLayer r:embed="rId14">
                       <a14:imgEffect>
                         <a14:backgroundRemoval t="0" b="100000" l="0" r="100000"/>
                       </a14:imgEffect>
@@ -5416,522 +4894,15 @@
           </p:blipFill>
           <p:spPr>
             <a:xfrm>
-              <a:off x="6349123" y="2706358"/>
-              <a:ext cx="515993" cy="515993"/>
+              <a:off x="9034093" y="519186"/>
+              <a:ext cx="1019537" cy="1019537"/>
             </a:xfrm>
             <a:prstGeom prst="rect">
               <a:avLst/>
             </a:prstGeom>
           </p:spPr>
         </p:pic>
-        <p:sp>
-          <p:nvSpPr>
-            <p:cNvPr id="74" name="Retângulo 73">
-              <a:extLst>
-                <a:ext uri="{FF2B5EF4-FFF2-40B4-BE49-F238E27FC236}">
-                  <a16:creationId xmlns:a16="http://schemas.microsoft.com/office/drawing/2014/main" id="{51CA7B12-78BC-47C1-A7E2-2A72569D43AC}"/>
-                </a:ext>
-              </a:extLst>
-            </p:cNvPr>
-            <p:cNvSpPr/>
-            <p:nvPr/>
-          </p:nvSpPr>
-          <p:spPr>
-            <a:xfrm>
-              <a:off x="6349123" y="3399384"/>
-              <a:ext cx="143956" cy="119848"/>
-            </a:xfrm>
-            <a:prstGeom prst="rect">
-              <a:avLst/>
-            </a:prstGeom>
-            <a:noFill/>
-            <a:ln w="19050">
-              <a:solidFill>
-                <a:schemeClr val="tx1"/>
-              </a:solidFill>
-            </a:ln>
-          </p:spPr>
-          <p:style>
-            <a:lnRef idx="2">
-              <a:schemeClr val="accent1">
-                <a:shade val="50000"/>
-              </a:schemeClr>
-            </a:lnRef>
-            <a:fillRef idx="1">
-              <a:schemeClr val="accent1"/>
-            </a:fillRef>
-            <a:effectRef idx="0">
-              <a:schemeClr val="accent1"/>
-            </a:effectRef>
-            <a:fontRef idx="minor">
-              <a:schemeClr val="lt1"/>
-            </a:fontRef>
-          </p:style>
-          <p:txBody>
-            <a:bodyPr rtlCol="0" anchor="ctr"/>
-            <a:lstStyle/>
-            <a:p>
-              <a:pPr algn="ctr"/>
-              <a:endParaRPr lang="pt-BR"/>
-            </a:p>
-          </p:txBody>
-        </p:sp>
-        <p:sp>
-          <p:nvSpPr>
-            <p:cNvPr id="75" name="Retângulo 74">
-              <a:extLst>
-                <a:ext uri="{FF2B5EF4-FFF2-40B4-BE49-F238E27FC236}">
-                  <a16:creationId xmlns:a16="http://schemas.microsoft.com/office/drawing/2014/main" id="{1893C741-1CF6-45EA-BA39-B9A0D451BE73}"/>
-                </a:ext>
-              </a:extLst>
-            </p:cNvPr>
-            <p:cNvSpPr/>
-            <p:nvPr/>
-          </p:nvSpPr>
-          <p:spPr>
-            <a:xfrm>
-              <a:off x="6748106" y="3399384"/>
-              <a:ext cx="143956" cy="119848"/>
-            </a:xfrm>
-            <a:prstGeom prst="rect">
-              <a:avLst/>
-            </a:prstGeom>
-            <a:noFill/>
-            <a:ln w="19050">
-              <a:solidFill>
-                <a:schemeClr val="tx1"/>
-              </a:solidFill>
-            </a:ln>
-          </p:spPr>
-          <p:style>
-            <a:lnRef idx="2">
-              <a:schemeClr val="accent1">
-                <a:shade val="50000"/>
-              </a:schemeClr>
-            </a:lnRef>
-            <a:fillRef idx="1">
-              <a:schemeClr val="accent1"/>
-            </a:fillRef>
-            <a:effectRef idx="0">
-              <a:schemeClr val="accent1"/>
-            </a:effectRef>
-            <a:fontRef idx="minor">
-              <a:schemeClr val="lt1"/>
-            </a:fontRef>
-          </p:style>
-          <p:txBody>
-            <a:bodyPr rtlCol="0" anchor="ctr"/>
-            <a:lstStyle/>
-            <a:p>
-              <a:pPr algn="ctr"/>
-              <a:endParaRPr lang="pt-BR"/>
-            </a:p>
-          </p:txBody>
-        </p:sp>
-        <p:cxnSp>
-          <p:nvCxnSpPr>
-            <p:cNvPr id="76" name="Conector reto 75">
-              <a:extLst>
-                <a:ext uri="{FF2B5EF4-FFF2-40B4-BE49-F238E27FC236}">
-                  <a16:creationId xmlns:a16="http://schemas.microsoft.com/office/drawing/2014/main" id="{B21D675F-C03B-422B-AEE7-B633BA9BE872}"/>
-                </a:ext>
-              </a:extLst>
-            </p:cNvPr>
-            <p:cNvCxnSpPr>
-              <a:cxnSpLocks/>
-            </p:cNvCxnSpPr>
-            <p:nvPr/>
-          </p:nvCxnSpPr>
-          <p:spPr>
-            <a:xfrm>
-              <a:off x="6610525" y="3214824"/>
-              <a:ext cx="0" cy="91334"/>
-            </a:xfrm>
-            <a:prstGeom prst="line">
-              <a:avLst/>
-            </a:prstGeom>
-            <a:ln w="19050">
-              <a:solidFill>
-                <a:schemeClr val="tx1"/>
-              </a:solidFill>
-            </a:ln>
-          </p:spPr>
-          <p:style>
-            <a:lnRef idx="1">
-              <a:schemeClr val="accent1"/>
-            </a:lnRef>
-            <a:fillRef idx="0">
-              <a:schemeClr val="accent1"/>
-            </a:fillRef>
-            <a:effectRef idx="0">
-              <a:schemeClr val="accent1"/>
-            </a:effectRef>
-            <a:fontRef idx="minor">
-              <a:schemeClr val="tx1"/>
-            </a:fontRef>
-          </p:style>
-        </p:cxnSp>
-        <p:cxnSp>
-          <p:nvCxnSpPr>
-            <p:cNvPr id="77" name="Conector reto 76">
-              <a:extLst>
-                <a:ext uri="{FF2B5EF4-FFF2-40B4-BE49-F238E27FC236}">
-                  <a16:creationId xmlns:a16="http://schemas.microsoft.com/office/drawing/2014/main" id="{7CACF85C-138B-4977-8BFC-DC66C768922B}"/>
-                </a:ext>
-              </a:extLst>
-            </p:cNvPr>
-            <p:cNvCxnSpPr>
-              <a:cxnSpLocks/>
-            </p:cNvCxnSpPr>
-            <p:nvPr/>
-          </p:nvCxnSpPr>
-          <p:spPr>
-            <a:xfrm>
-              <a:off x="6397523" y="3307904"/>
-              <a:ext cx="426004" cy="0"/>
-            </a:xfrm>
-            <a:prstGeom prst="line">
-              <a:avLst/>
-            </a:prstGeom>
-            <a:ln w="19050">
-              <a:solidFill>
-                <a:schemeClr val="tx1"/>
-              </a:solidFill>
-            </a:ln>
-          </p:spPr>
-          <p:style>
-            <a:lnRef idx="1">
-              <a:schemeClr val="accent1"/>
-            </a:lnRef>
-            <a:fillRef idx="0">
-              <a:schemeClr val="accent1"/>
-            </a:fillRef>
-            <a:effectRef idx="0">
-              <a:schemeClr val="accent1"/>
-            </a:effectRef>
-            <a:fontRef idx="minor">
-              <a:schemeClr val="tx1"/>
-            </a:fontRef>
-          </p:style>
-        </p:cxnSp>
-        <p:cxnSp>
-          <p:nvCxnSpPr>
-            <p:cNvPr id="78" name="Conector reto 77">
-              <a:extLst>
-                <a:ext uri="{FF2B5EF4-FFF2-40B4-BE49-F238E27FC236}">
-                  <a16:creationId xmlns:a16="http://schemas.microsoft.com/office/drawing/2014/main" id="{E73A9D71-AE1E-4F63-B6BB-C1D17BB82974}"/>
-                </a:ext>
-              </a:extLst>
-            </p:cNvPr>
-            <p:cNvCxnSpPr>
-              <a:cxnSpLocks/>
-            </p:cNvCxnSpPr>
-            <p:nvPr/>
-          </p:nvCxnSpPr>
-          <p:spPr>
-            <a:xfrm>
-              <a:off x="6821648" y="3300112"/>
-              <a:ext cx="0" cy="91334"/>
-            </a:xfrm>
-            <a:prstGeom prst="line">
-              <a:avLst/>
-            </a:prstGeom>
-            <a:ln w="19050">
-              <a:solidFill>
-                <a:schemeClr val="tx1"/>
-              </a:solidFill>
-            </a:ln>
-          </p:spPr>
-          <p:style>
-            <a:lnRef idx="1">
-              <a:schemeClr val="accent1"/>
-            </a:lnRef>
-            <a:fillRef idx="0">
-              <a:schemeClr val="accent1"/>
-            </a:fillRef>
-            <a:effectRef idx="0">
-              <a:schemeClr val="accent1"/>
-            </a:effectRef>
-            <a:fontRef idx="minor">
-              <a:schemeClr val="tx1"/>
-            </a:fontRef>
-          </p:style>
-        </p:cxnSp>
-        <p:cxnSp>
-          <p:nvCxnSpPr>
-            <p:cNvPr id="79" name="Conector reto 78">
-              <a:extLst>
-                <a:ext uri="{FF2B5EF4-FFF2-40B4-BE49-F238E27FC236}">
-                  <a16:creationId xmlns:a16="http://schemas.microsoft.com/office/drawing/2014/main" id="{4063E132-1466-4C8E-A0D4-25F398BB4386}"/>
-                </a:ext>
-              </a:extLst>
-            </p:cNvPr>
-            <p:cNvCxnSpPr>
-              <a:cxnSpLocks/>
-            </p:cNvCxnSpPr>
-            <p:nvPr/>
-          </p:nvCxnSpPr>
-          <p:spPr>
-            <a:xfrm>
-              <a:off x="6411985" y="3293121"/>
-              <a:ext cx="0" cy="91334"/>
-            </a:xfrm>
-            <a:prstGeom prst="line">
-              <a:avLst/>
-            </a:prstGeom>
-            <a:ln w="19050">
-              <a:solidFill>
-                <a:schemeClr val="tx1"/>
-              </a:solidFill>
-            </a:ln>
-          </p:spPr>
-          <p:style>
-            <a:lnRef idx="1">
-              <a:schemeClr val="accent1"/>
-            </a:lnRef>
-            <a:fillRef idx="0">
-              <a:schemeClr val="accent1"/>
-            </a:fillRef>
-            <a:effectRef idx="0">
-              <a:schemeClr val="accent1"/>
-            </a:effectRef>
-            <a:fontRef idx="minor">
-              <a:schemeClr val="tx1"/>
-            </a:fontRef>
-          </p:style>
-        </p:cxnSp>
       </p:grpSp>
-      <p:pic>
-        <p:nvPicPr>
-          <p:cNvPr id="40" name="Imagem 39">
-            <a:extLst>
-              <a:ext uri="{FF2B5EF4-FFF2-40B4-BE49-F238E27FC236}">
-                <a16:creationId xmlns:a16="http://schemas.microsoft.com/office/drawing/2014/main" id="{2AC08241-9173-4431-9985-B76B00D889B1}"/>
-              </a:ext>
-            </a:extLst>
-          </p:cNvPr>
-          <p:cNvPicPr>
-            <a:picLocks noChangeAspect="1"/>
-          </p:cNvPicPr>
-          <p:nvPr/>
-        </p:nvPicPr>
-        <p:blipFill>
-          <a:blip r:embed="rId15">
-            <a:duotone>
-              <a:prstClr val="black"/>
-              <a:schemeClr val="accent3">
-                <a:tint val="45000"/>
-                <a:satMod val="400000"/>
-              </a:schemeClr>
-            </a:duotone>
-            <a:extLst>
-              <a:ext uri="{BEBA8EAE-BF5A-486C-A8C5-ECC9F3942E4B}">
-                <a14:imgProps xmlns:a14="http://schemas.microsoft.com/office/drawing/2010/main">
-                  <a14:imgLayer r:embed="rId16">
-                    <a14:imgEffect>
-                      <a14:backgroundRemoval t="0" b="100000" l="0" r="100000"/>
-                    </a14:imgEffect>
-                  </a14:imgLayer>
-                </a14:imgProps>
-              </a:ext>
-              <a:ext uri="{28A0092B-C50C-407E-A947-70E740481C1C}">
-                <a14:useLocalDpi xmlns:a14="http://schemas.microsoft.com/office/drawing/2010/main" val="0"/>
-              </a:ext>
-            </a:extLst>
-          </a:blip>
-          <a:stretch>
-            <a:fillRect/>
-          </a:stretch>
-        </p:blipFill>
-        <p:spPr>
-          <a:xfrm>
-            <a:off x="10553350" y="4756628"/>
-            <a:ext cx="720030" cy="720030"/>
-          </a:xfrm>
-          <a:prstGeom prst="rect">
-            <a:avLst/>
-          </a:prstGeom>
-        </p:spPr>
-      </p:pic>
-      <p:grpSp>
-        <p:nvGrpSpPr>
-          <p:cNvPr id="80" name="Agrupar 79">
-            <a:extLst>
-              <a:ext uri="{FF2B5EF4-FFF2-40B4-BE49-F238E27FC236}">
-                <a16:creationId xmlns:a16="http://schemas.microsoft.com/office/drawing/2014/main" id="{D82ACD27-B736-4630-AF05-D37130C23710}"/>
-              </a:ext>
-            </a:extLst>
-          </p:cNvPr>
-          <p:cNvGrpSpPr/>
-          <p:nvPr/>
-        </p:nvGrpSpPr>
-        <p:grpSpPr>
-          <a:xfrm>
-            <a:off x="10419908" y="1191978"/>
-            <a:ext cx="932640" cy="935292"/>
-            <a:chOff x="2527593" y="2082044"/>
-            <a:chExt cx="1435583" cy="1453392"/>
-          </a:xfrm>
-        </p:grpSpPr>
-        <p:sp>
-          <p:nvSpPr>
-            <p:cNvPr id="81" name="Elipse 80">
-              <a:extLst>
-                <a:ext uri="{FF2B5EF4-FFF2-40B4-BE49-F238E27FC236}">
-                  <a16:creationId xmlns:a16="http://schemas.microsoft.com/office/drawing/2014/main" id="{E9A4291E-CE46-4293-B5F1-46A27716218B}"/>
-                </a:ext>
-              </a:extLst>
-            </p:cNvPr>
-            <p:cNvSpPr/>
-            <p:nvPr/>
-          </p:nvSpPr>
-          <p:spPr>
-            <a:xfrm>
-              <a:off x="2527593" y="2082044"/>
-              <a:ext cx="1435583" cy="1453392"/>
-            </a:xfrm>
-            <a:prstGeom prst="ellipse">
-              <a:avLst/>
-            </a:prstGeom>
-            <a:solidFill>
-              <a:srgbClr val="333333"/>
-            </a:solidFill>
-            <a:ln>
-              <a:noFill/>
-            </a:ln>
-          </p:spPr>
-          <p:style>
-            <a:lnRef idx="2">
-              <a:schemeClr val="accent1">
-                <a:shade val="50000"/>
-              </a:schemeClr>
-            </a:lnRef>
-            <a:fillRef idx="1">
-              <a:schemeClr val="accent1"/>
-            </a:fillRef>
-            <a:effectRef idx="0">
-              <a:schemeClr val="accent1"/>
-            </a:effectRef>
-            <a:fontRef idx="minor">
-              <a:schemeClr val="lt1"/>
-            </a:fontRef>
-          </p:style>
-          <p:txBody>
-            <a:bodyPr rtlCol="0" anchor="ctr"/>
-            <a:lstStyle/>
-            <a:p>
-              <a:pPr algn="ctr"/>
-              <a:endParaRPr lang="pt-BR"/>
-            </a:p>
-          </p:txBody>
-        </p:sp>
-        <p:sp>
-          <p:nvSpPr>
-            <p:cNvPr id="82" name="Elipse 81">
-              <a:extLst>
-                <a:ext uri="{FF2B5EF4-FFF2-40B4-BE49-F238E27FC236}">
-                  <a16:creationId xmlns:a16="http://schemas.microsoft.com/office/drawing/2014/main" id="{8DACE888-18B4-4C2F-AA88-8EB01CC40FD7}"/>
-                </a:ext>
-              </a:extLst>
-            </p:cNvPr>
-            <p:cNvSpPr/>
-            <p:nvPr/>
-          </p:nvSpPr>
-          <p:spPr>
-            <a:xfrm>
-              <a:off x="2594575" y="2137736"/>
-              <a:ext cx="1299377" cy="1328377"/>
-            </a:xfrm>
-            <a:prstGeom prst="ellipse">
-              <a:avLst/>
-            </a:prstGeom>
-            <a:solidFill>
-              <a:srgbClr val="55A54F"/>
-            </a:solidFill>
-            <a:ln>
-              <a:solidFill>
-                <a:srgbClr val="57A44F"/>
-              </a:solidFill>
-            </a:ln>
-          </p:spPr>
-          <p:style>
-            <a:lnRef idx="2">
-              <a:schemeClr val="accent1">
-                <a:shade val="50000"/>
-              </a:schemeClr>
-            </a:lnRef>
-            <a:fillRef idx="1">
-              <a:schemeClr val="accent1"/>
-            </a:fillRef>
-            <a:effectRef idx="0">
-              <a:schemeClr val="accent1"/>
-            </a:effectRef>
-            <a:fontRef idx="minor">
-              <a:schemeClr val="lt1"/>
-            </a:fontRef>
-          </p:style>
-          <p:txBody>
-            <a:bodyPr rtlCol="0" anchor="ctr"/>
-            <a:lstStyle/>
-            <a:p>
-              <a:pPr algn="ctr"/>
-              <a:endParaRPr lang="pt-BR" dirty="0"/>
-            </a:p>
-          </p:txBody>
-        </p:sp>
-      </p:grpSp>
-      <p:pic>
-        <p:nvPicPr>
-          <p:cNvPr id="83" name="Imagem 82">
-            <a:extLst>
-              <a:ext uri="{FF2B5EF4-FFF2-40B4-BE49-F238E27FC236}">
-                <a16:creationId xmlns:a16="http://schemas.microsoft.com/office/drawing/2014/main" id="{16FB88C9-2501-4101-92A9-EE50F7A2461B}"/>
-              </a:ext>
-            </a:extLst>
-          </p:cNvPr>
-          <p:cNvPicPr>
-            <a:picLocks noChangeAspect="1"/>
-          </p:cNvPicPr>
-          <p:nvPr/>
-        </p:nvPicPr>
-        <p:blipFill>
-          <a:blip r:embed="rId15">
-            <a:duotone>
-              <a:prstClr val="black"/>
-              <a:schemeClr val="accent3">
-                <a:tint val="45000"/>
-                <a:satMod val="400000"/>
-              </a:schemeClr>
-            </a:duotone>
-            <a:extLst>
-              <a:ext uri="{BEBA8EAE-BF5A-486C-A8C5-ECC9F3942E4B}">
-                <a14:imgProps xmlns:a14="http://schemas.microsoft.com/office/drawing/2010/main">
-                  <a14:imgLayer r:embed="rId16">
-                    <a14:imgEffect>
-                      <a14:backgroundRemoval t="0" b="100000" l="0" r="100000"/>
-                    </a14:imgEffect>
-                  </a14:imgLayer>
-                </a14:imgProps>
-              </a:ext>
-              <a:ext uri="{28A0092B-C50C-407E-A947-70E740481C1C}">
-                <a14:useLocalDpi xmlns:a14="http://schemas.microsoft.com/office/drawing/2010/main" val="0"/>
-              </a:ext>
-            </a:extLst>
-          </a:blip>
-          <a:stretch>
-            <a:fillRect/>
-          </a:stretch>
-        </p:blipFill>
-        <p:spPr>
-          <a:xfrm>
-            <a:off x="10525484" y="1295223"/>
-            <a:ext cx="720030" cy="720030"/>
-          </a:xfrm>
-          <a:prstGeom prst="rect">
-            <a:avLst/>
-          </a:prstGeom>
-        </p:spPr>
-      </p:pic>
       <p:pic>
         <p:nvPicPr>
           <p:cNvPr id="1032" name="Picture 8" descr="Hand Graving Smartphone free vector icons designed by Freepik | Mobile icon,  Free icons, Phone icon">
@@ -5947,7 +4918,7 @@
           <p:nvPr/>
         </p:nvPicPr>
         <p:blipFill>
-          <a:blip r:embed="rId17">
+          <a:blip r:embed="rId15">
             <a:extLst>
               <a:ext uri="{28A0092B-C50C-407E-A947-70E740481C1C}">
                 <a14:useLocalDpi xmlns:a14="http://schemas.microsoft.com/office/drawing/2010/main" val="0"/>
@@ -5961,585 +4932,8 @@
         </p:blipFill>
         <p:spPr bwMode="auto">
           <a:xfrm rot="1264940">
-            <a:off x="11021386" y="1620011"/>
-            <a:ext cx="510317" cy="510317"/>
-          </a:xfrm>
-          <a:prstGeom prst="rect">
-            <a:avLst/>
-          </a:prstGeom>
-          <a:noFill/>
-          <a:extLst>
-            <a:ext uri="{909E8E84-426E-40DD-AFC4-6F175D3DCCD1}">
-              <a14:hiddenFill xmlns:a14="http://schemas.microsoft.com/office/drawing/2010/main">
-                <a:solidFill>
-                  <a:srgbClr val="FFFFFF"/>
-                </a:solidFill>
-              </a14:hiddenFill>
-            </a:ext>
-          </a:extLst>
-        </p:spPr>
-      </p:pic>
-      <p:pic>
-        <p:nvPicPr>
-          <p:cNvPr id="1034" name="Picture 10" descr="Ícone de laptop simples - Baixar PNG/SVG Transparente">
-            <a:extLst>
-              <a:ext uri="{FF2B5EF4-FFF2-40B4-BE49-F238E27FC236}">
-                <a16:creationId xmlns:a16="http://schemas.microsoft.com/office/drawing/2014/main" id="{EADF95EB-2164-4B30-A797-F740C1140759}"/>
-              </a:ext>
-            </a:extLst>
-          </p:cNvPr>
-          <p:cNvPicPr>
-            <a:picLocks noChangeAspect="1" noChangeArrowheads="1"/>
-          </p:cNvPicPr>
-          <p:nvPr/>
-        </p:nvPicPr>
-        <p:blipFill>
-          <a:blip r:embed="rId18">
-            <a:extLst>
-              <a:ext uri="{28A0092B-C50C-407E-A947-70E740481C1C}">
-                <a14:useLocalDpi xmlns:a14="http://schemas.microsoft.com/office/drawing/2010/main" val="0"/>
-              </a:ext>
-            </a:extLst>
-          </a:blip>
-          <a:srcRect/>
-          <a:stretch>
-            <a:fillRect/>
-          </a:stretch>
-        </p:blipFill>
-        <p:spPr bwMode="auto">
-          <a:xfrm>
-            <a:off x="10975000" y="5069777"/>
-            <a:ext cx="596760" cy="596760"/>
-          </a:xfrm>
-          <a:prstGeom prst="rect">
-            <a:avLst/>
-          </a:prstGeom>
-          <a:noFill/>
-          <a:extLst>
-            <a:ext uri="{909E8E84-426E-40DD-AFC4-6F175D3DCCD1}">
-              <a14:hiddenFill xmlns:a14="http://schemas.microsoft.com/office/drawing/2010/main">
-                <a:solidFill>
-                  <a:srgbClr val="FFFFFF"/>
-                </a:solidFill>
-              </a14:hiddenFill>
-            </a:ext>
-          </a:extLst>
-        </p:spPr>
-      </p:pic>
-      <p:sp>
-        <p:nvSpPr>
-          <p:cNvPr id="64" name="Seta: para a Direita 63">
-            <a:extLst>
-              <a:ext uri="{FF2B5EF4-FFF2-40B4-BE49-F238E27FC236}">
-                <a16:creationId xmlns:a16="http://schemas.microsoft.com/office/drawing/2014/main" id="{BE98A76B-A02A-4688-A3E8-5498C0B69078}"/>
-              </a:ext>
-            </a:extLst>
-          </p:cNvPr>
-          <p:cNvSpPr/>
-          <p:nvPr/>
-        </p:nvSpPr>
-        <p:spPr>
-          <a:xfrm>
-            <a:off x="1375867" y="3324682"/>
-            <a:ext cx="392346" cy="218113"/>
-          </a:xfrm>
-          <a:prstGeom prst="rightArrow">
-            <a:avLst/>
-          </a:prstGeom>
-        </p:spPr>
-        <p:style>
-          <a:lnRef idx="2">
-            <a:schemeClr val="dk1">
-              <a:shade val="50000"/>
-            </a:schemeClr>
-          </a:lnRef>
-          <a:fillRef idx="1">
-            <a:schemeClr val="dk1"/>
-          </a:fillRef>
-          <a:effectRef idx="0">
-            <a:schemeClr val="dk1"/>
-          </a:effectRef>
-          <a:fontRef idx="minor">
-            <a:schemeClr val="lt1"/>
-          </a:fontRef>
-        </p:style>
-        <p:txBody>
-          <a:bodyPr rtlCol="0" anchor="ctr"/>
-          <a:lstStyle/>
-          <a:p>
-            <a:pPr algn="ctr"/>
-            <a:endParaRPr lang="pt-BR"/>
-          </a:p>
-        </p:txBody>
-      </p:sp>
-      <p:sp>
-        <p:nvSpPr>
-          <p:cNvPr id="97" name="CaixaDeTexto 96">
-            <a:extLst>
-              <a:ext uri="{FF2B5EF4-FFF2-40B4-BE49-F238E27FC236}">
-                <a16:creationId xmlns:a16="http://schemas.microsoft.com/office/drawing/2014/main" id="{B6D42419-4965-4C95-A6F0-AA219C75C50F}"/>
-              </a:ext>
-            </a:extLst>
-          </p:cNvPr>
-          <p:cNvSpPr txBox="1"/>
-          <p:nvPr/>
-        </p:nvSpPr>
-        <p:spPr>
-          <a:xfrm>
-            <a:off x="1609790" y="1723040"/>
-            <a:ext cx="1826571" cy="646331"/>
-          </a:xfrm>
-          <a:prstGeom prst="rect">
-            <a:avLst/>
-          </a:prstGeom>
-          <a:noFill/>
-        </p:spPr>
-        <p:txBody>
-          <a:bodyPr wrap="square" rtlCol="0">
-            <a:spAutoFit/>
-          </a:bodyPr>
-          <a:lstStyle/>
-          <a:p>
-            <a:pPr algn="ctr"/>
-            <a:r>
-              <a:rPr lang="pt-BR" dirty="0"/>
-              <a:t>Dispositivos</a:t>
-            </a:r>
-          </a:p>
-          <a:p>
-            <a:endParaRPr lang="pt-BR" dirty="0"/>
-          </a:p>
-        </p:txBody>
-      </p:sp>
-      <p:sp>
-        <p:nvSpPr>
-          <p:cNvPr id="98" name="CaixaDeTexto 97">
-            <a:extLst>
-              <a:ext uri="{FF2B5EF4-FFF2-40B4-BE49-F238E27FC236}">
-                <a16:creationId xmlns:a16="http://schemas.microsoft.com/office/drawing/2014/main" id="{FEBE0B62-B61E-40C1-ACDA-8C2F5E744585}"/>
-              </a:ext>
-            </a:extLst>
-          </p:cNvPr>
-          <p:cNvSpPr txBox="1"/>
-          <p:nvPr/>
-        </p:nvSpPr>
-        <p:spPr>
-          <a:xfrm>
-            <a:off x="5695353" y="3974140"/>
-            <a:ext cx="1826571" cy="646331"/>
-          </a:xfrm>
-          <a:prstGeom prst="rect">
-            <a:avLst/>
-          </a:prstGeom>
-          <a:noFill/>
-        </p:spPr>
-        <p:txBody>
-          <a:bodyPr wrap="square" rtlCol="0">
-            <a:spAutoFit/>
-          </a:bodyPr>
-          <a:lstStyle/>
-          <a:p>
-            <a:pPr algn="ctr"/>
-            <a:r>
-              <a:rPr lang="pt-BR" dirty="0"/>
-              <a:t>Rede de Dados</a:t>
-            </a:r>
-          </a:p>
-          <a:p>
-            <a:endParaRPr lang="pt-BR" dirty="0"/>
-          </a:p>
-        </p:txBody>
-      </p:sp>
-      <p:sp>
-        <p:nvSpPr>
-          <p:cNvPr id="100" name="Seta: para a Direita 99">
-            <a:extLst>
-              <a:ext uri="{FF2B5EF4-FFF2-40B4-BE49-F238E27FC236}">
-                <a16:creationId xmlns:a16="http://schemas.microsoft.com/office/drawing/2014/main" id="{74DC771E-E8A8-4C55-A627-24EEC5DB8B09}"/>
-              </a:ext>
-            </a:extLst>
-          </p:cNvPr>
-          <p:cNvSpPr/>
-          <p:nvPr/>
-        </p:nvSpPr>
-        <p:spPr>
-          <a:xfrm>
-            <a:off x="3288340" y="3324682"/>
-            <a:ext cx="678250" cy="218113"/>
-          </a:xfrm>
-          <a:prstGeom prst="rightArrow">
-            <a:avLst/>
-          </a:prstGeom>
-        </p:spPr>
-        <p:style>
-          <a:lnRef idx="2">
-            <a:schemeClr val="dk1">
-              <a:shade val="50000"/>
-            </a:schemeClr>
-          </a:lnRef>
-          <a:fillRef idx="1">
-            <a:schemeClr val="dk1"/>
-          </a:fillRef>
-          <a:effectRef idx="0">
-            <a:schemeClr val="dk1"/>
-          </a:effectRef>
-          <a:fontRef idx="minor">
-            <a:schemeClr val="lt1"/>
-          </a:fontRef>
-        </p:style>
-        <p:txBody>
-          <a:bodyPr rtlCol="0" anchor="ctr"/>
-          <a:lstStyle/>
-          <a:p>
-            <a:pPr algn="ctr"/>
-            <a:endParaRPr lang="pt-BR"/>
-          </a:p>
-        </p:txBody>
-      </p:sp>
-      <p:sp>
-        <p:nvSpPr>
-          <p:cNvPr id="101" name="Seta: para a Direita 100">
-            <a:extLst>
-              <a:ext uri="{FF2B5EF4-FFF2-40B4-BE49-F238E27FC236}">
-                <a16:creationId xmlns:a16="http://schemas.microsoft.com/office/drawing/2014/main" id="{705ADD18-39DC-44AB-8F33-D12A55ADEE7F}"/>
-              </a:ext>
-            </a:extLst>
-          </p:cNvPr>
-          <p:cNvSpPr/>
-          <p:nvPr/>
-        </p:nvSpPr>
-        <p:spPr>
-          <a:xfrm>
-            <a:off x="5233471" y="3324682"/>
-            <a:ext cx="754389" cy="218113"/>
-          </a:xfrm>
-          <a:prstGeom prst="rightArrow">
-            <a:avLst/>
-          </a:prstGeom>
-        </p:spPr>
-        <p:style>
-          <a:lnRef idx="2">
-            <a:schemeClr val="dk1">
-              <a:shade val="50000"/>
-            </a:schemeClr>
-          </a:lnRef>
-          <a:fillRef idx="1">
-            <a:schemeClr val="dk1"/>
-          </a:fillRef>
-          <a:effectRef idx="0">
-            <a:schemeClr val="dk1"/>
-          </a:effectRef>
-          <a:fontRef idx="minor">
-            <a:schemeClr val="lt1"/>
-          </a:fontRef>
-        </p:style>
-        <p:txBody>
-          <a:bodyPr rtlCol="0" anchor="ctr"/>
-          <a:lstStyle/>
-          <a:p>
-            <a:pPr algn="ctr"/>
-            <a:endParaRPr lang="pt-BR"/>
-          </a:p>
-        </p:txBody>
-      </p:sp>
-      <p:sp>
-        <p:nvSpPr>
-          <p:cNvPr id="67" name="Seta: da Esquerda para a Direita 66">
-            <a:extLst>
-              <a:ext uri="{FF2B5EF4-FFF2-40B4-BE49-F238E27FC236}">
-                <a16:creationId xmlns:a16="http://schemas.microsoft.com/office/drawing/2014/main" id="{07052E05-85F6-4AD9-9012-49FC69127AB2}"/>
-              </a:ext>
-            </a:extLst>
-          </p:cNvPr>
-          <p:cNvSpPr/>
-          <p:nvPr/>
-        </p:nvSpPr>
-        <p:spPr>
-          <a:xfrm>
-            <a:off x="7204308" y="3319943"/>
-            <a:ext cx="798803" cy="218113"/>
-          </a:xfrm>
-          <a:prstGeom prst="leftRightArrow">
-            <a:avLst/>
-          </a:prstGeom>
-        </p:spPr>
-        <p:style>
-          <a:lnRef idx="2">
-            <a:schemeClr val="dk1">
-              <a:shade val="50000"/>
-            </a:schemeClr>
-          </a:lnRef>
-          <a:fillRef idx="1">
-            <a:schemeClr val="dk1"/>
-          </a:fillRef>
-          <a:effectRef idx="0">
-            <a:schemeClr val="dk1"/>
-          </a:effectRef>
-          <a:fontRef idx="minor">
-            <a:schemeClr val="lt1"/>
-          </a:fontRef>
-        </p:style>
-        <p:txBody>
-          <a:bodyPr rtlCol="0" anchor="ctr"/>
-          <a:lstStyle/>
-          <a:p>
-            <a:pPr algn="ctr"/>
-            <a:endParaRPr lang="pt-BR"/>
-          </a:p>
-        </p:txBody>
-      </p:sp>
-      <p:sp>
-        <p:nvSpPr>
-          <p:cNvPr id="104" name="Seta: da Esquerda para a Direita 103">
-            <a:extLst>
-              <a:ext uri="{FF2B5EF4-FFF2-40B4-BE49-F238E27FC236}">
-                <a16:creationId xmlns:a16="http://schemas.microsoft.com/office/drawing/2014/main" id="{EA401EBD-E91F-4F5D-8C09-9FF2D94C9C50}"/>
-              </a:ext>
-            </a:extLst>
-          </p:cNvPr>
-          <p:cNvSpPr/>
-          <p:nvPr/>
-        </p:nvSpPr>
-        <p:spPr>
-          <a:xfrm>
-            <a:off x="9226378" y="3319943"/>
-            <a:ext cx="729567" cy="218113"/>
-          </a:xfrm>
-          <a:prstGeom prst="leftRightArrow">
-            <a:avLst/>
-          </a:prstGeom>
-        </p:spPr>
-        <p:style>
-          <a:lnRef idx="2">
-            <a:schemeClr val="dk1">
-              <a:shade val="50000"/>
-            </a:schemeClr>
-          </a:lnRef>
-          <a:fillRef idx="1">
-            <a:schemeClr val="dk1"/>
-          </a:fillRef>
-          <a:effectRef idx="0">
-            <a:schemeClr val="dk1"/>
-          </a:effectRef>
-          <a:fontRef idx="minor">
-            <a:schemeClr val="lt1"/>
-          </a:fontRef>
-        </p:style>
-        <p:txBody>
-          <a:bodyPr rtlCol="0" anchor="ctr"/>
-          <a:lstStyle/>
-          <a:p>
-            <a:pPr algn="ctr"/>
-            <a:endParaRPr lang="pt-BR"/>
-          </a:p>
-        </p:txBody>
-      </p:sp>
-      <p:sp>
-        <p:nvSpPr>
-          <p:cNvPr id="105" name="Seta: para a Direita 104">
-            <a:extLst>
-              <a:ext uri="{FF2B5EF4-FFF2-40B4-BE49-F238E27FC236}">
-                <a16:creationId xmlns:a16="http://schemas.microsoft.com/office/drawing/2014/main" id="{B3FFF3B0-9638-4A60-9680-B541FE06A7A1}"/>
-              </a:ext>
-            </a:extLst>
-          </p:cNvPr>
-          <p:cNvSpPr/>
-          <p:nvPr/>
-        </p:nvSpPr>
-        <p:spPr>
-          <a:xfrm rot="16866781">
-            <a:off x="10427255" y="2365627"/>
-            <a:ext cx="604212" cy="218113"/>
-          </a:xfrm>
-          <a:prstGeom prst="rightArrow">
-            <a:avLst/>
-          </a:prstGeom>
-        </p:spPr>
-        <p:style>
-          <a:lnRef idx="2">
-            <a:schemeClr val="dk1">
-              <a:shade val="50000"/>
-            </a:schemeClr>
-          </a:lnRef>
-          <a:fillRef idx="1">
-            <a:schemeClr val="dk1"/>
-          </a:fillRef>
-          <a:effectRef idx="0">
-            <a:schemeClr val="dk1"/>
-          </a:effectRef>
-          <a:fontRef idx="minor">
-            <a:schemeClr val="lt1"/>
-          </a:fontRef>
-        </p:style>
-        <p:txBody>
-          <a:bodyPr rtlCol="0" anchor="ctr"/>
-          <a:lstStyle/>
-          <a:p>
-            <a:pPr algn="ctr"/>
-            <a:endParaRPr lang="pt-BR"/>
-          </a:p>
-        </p:txBody>
-      </p:sp>
-      <p:sp>
-        <p:nvSpPr>
-          <p:cNvPr id="106" name="Seta: para a Direita 105">
-            <a:extLst>
-              <a:ext uri="{FF2B5EF4-FFF2-40B4-BE49-F238E27FC236}">
-                <a16:creationId xmlns:a16="http://schemas.microsoft.com/office/drawing/2014/main" id="{7590BFDC-5A36-43E6-A379-3F43EF3F1F87}"/>
-              </a:ext>
-            </a:extLst>
-          </p:cNvPr>
-          <p:cNvSpPr/>
-          <p:nvPr/>
-        </p:nvSpPr>
-        <p:spPr>
-          <a:xfrm rot="4733219" flipV="1">
-            <a:off x="10475924" y="4195936"/>
-            <a:ext cx="604212" cy="218113"/>
-          </a:xfrm>
-          <a:prstGeom prst="rightArrow">
-            <a:avLst/>
-          </a:prstGeom>
-        </p:spPr>
-        <p:style>
-          <a:lnRef idx="2">
-            <a:schemeClr val="dk1">
-              <a:shade val="50000"/>
-            </a:schemeClr>
-          </a:lnRef>
-          <a:fillRef idx="1">
-            <a:schemeClr val="dk1"/>
-          </a:fillRef>
-          <a:effectRef idx="0">
-            <a:schemeClr val="dk1"/>
-          </a:effectRef>
-          <a:fontRef idx="minor">
-            <a:schemeClr val="lt1"/>
-          </a:fontRef>
-        </p:style>
-        <p:txBody>
-          <a:bodyPr rtlCol="0" anchor="ctr"/>
-          <a:lstStyle/>
-          <a:p>
-            <a:pPr algn="ctr"/>
-            <a:endParaRPr lang="pt-BR"/>
-          </a:p>
-        </p:txBody>
-      </p:sp>
-      <p:sp>
-        <p:nvSpPr>
-          <p:cNvPr id="107" name="CaixaDeTexto 106">
-            <a:extLst>
-              <a:ext uri="{FF2B5EF4-FFF2-40B4-BE49-F238E27FC236}">
-                <a16:creationId xmlns:a16="http://schemas.microsoft.com/office/drawing/2014/main" id="{AC809210-80A1-4C25-A6B0-502CDE474297}"/>
-              </a:ext>
-            </a:extLst>
-          </p:cNvPr>
-          <p:cNvSpPr txBox="1"/>
-          <p:nvPr/>
-        </p:nvSpPr>
-        <p:spPr>
-          <a:xfrm>
-            <a:off x="7706453" y="2457085"/>
-            <a:ext cx="1826571" cy="369332"/>
-          </a:xfrm>
-          <a:prstGeom prst="rect">
-            <a:avLst/>
-          </a:prstGeom>
-          <a:noFill/>
-        </p:spPr>
-        <p:txBody>
-          <a:bodyPr wrap="square" rtlCol="0">
-            <a:spAutoFit/>
-          </a:bodyPr>
-          <a:lstStyle/>
-          <a:p>
-            <a:pPr algn="ctr"/>
-            <a:r>
-              <a:rPr lang="pt-BR" dirty="0"/>
-              <a:t>Nuvem</a:t>
-            </a:r>
-          </a:p>
-        </p:txBody>
-      </p:sp>
-      <p:cxnSp>
-        <p:nvCxnSpPr>
-          <p:cNvPr id="99" name="Conector reto 98">
-            <a:extLst>
-              <a:ext uri="{FF2B5EF4-FFF2-40B4-BE49-F238E27FC236}">
-                <a16:creationId xmlns:a16="http://schemas.microsoft.com/office/drawing/2014/main" id="{9895CD4E-DCC1-48B0-8152-F38350C71A80}"/>
-              </a:ext>
-            </a:extLst>
-          </p:cNvPr>
-          <p:cNvCxnSpPr>
-            <a:stCxn id="55" idx="4"/>
-            <a:endCxn id="95" idx="0"/>
-          </p:cNvCxnSpPr>
-          <p:nvPr/>
-        </p:nvCxnSpPr>
-        <p:spPr>
-          <a:xfrm flipH="1">
-            <a:off x="8612371" y="3949370"/>
-            <a:ext cx="553" cy="298620"/>
-          </a:xfrm>
-          <a:prstGeom prst="line">
-            <a:avLst/>
-          </a:prstGeom>
-          <a:ln w="38100"/>
-        </p:spPr>
-        <p:style>
-          <a:lnRef idx="1">
-            <a:schemeClr val="dk1"/>
-          </a:lnRef>
-          <a:fillRef idx="0">
-            <a:schemeClr val="dk1"/>
-          </a:fillRef>
-          <a:effectRef idx="0">
-            <a:schemeClr val="dk1"/>
-          </a:effectRef>
-          <a:fontRef idx="minor">
-            <a:schemeClr val="tx1"/>
-          </a:fontRef>
-        </p:style>
-      </p:cxnSp>
-      <p:pic>
-        <p:nvPicPr>
-          <p:cNvPr id="1038" name="Picture 14" descr="Wifi icon - Free download on Iconfinder">
-            <a:extLst>
-              <a:ext uri="{FF2B5EF4-FFF2-40B4-BE49-F238E27FC236}">
-                <a16:creationId xmlns:a16="http://schemas.microsoft.com/office/drawing/2014/main" id="{90244FE2-A1BF-4280-97F1-680AAECB3F58}"/>
-              </a:ext>
-            </a:extLst>
-          </p:cNvPr>
-          <p:cNvPicPr>
-            <a:picLocks noChangeAspect="1" noChangeArrowheads="1"/>
-          </p:cNvPicPr>
-          <p:nvPr/>
-        </p:nvPicPr>
-        <p:blipFill>
-          <a:blip r:embed="rId19">
-            <a:duotone>
-              <a:schemeClr val="accent6">
-                <a:shade val="45000"/>
-                <a:satMod val="135000"/>
-              </a:schemeClr>
-              <a:prstClr val="white"/>
-            </a:duotone>
-            <a:extLst>
-              <a:ext uri="{28A0092B-C50C-407E-A947-70E740481C1C}">
-                <a14:useLocalDpi xmlns:a14="http://schemas.microsoft.com/office/drawing/2010/main" val="0"/>
-              </a:ext>
-            </a:extLst>
-          </a:blip>
-          <a:srcRect/>
-          <a:stretch>
-            <a:fillRect/>
-          </a:stretch>
-        </p:blipFill>
-        <p:spPr bwMode="auto">
-          <a:xfrm>
-            <a:off x="3398068" y="3216035"/>
-            <a:ext cx="392841" cy="392841"/>
+            <a:off x="10438377" y="1455899"/>
+            <a:ext cx="629038" cy="629038"/>
           </a:xfrm>
           <a:prstGeom prst="rect">
             <a:avLst/>
@@ -6571,7 +4965,7 @@
           <p:nvPr/>
         </p:nvPicPr>
         <p:blipFill>
-          <a:blip r:embed="rId19">
+          <a:blip r:embed="rId16">
             <a:duotone>
               <a:schemeClr val="accent6">
                 <a:shade val="45000"/>
@@ -6591,8 +4985,8 @@
           </a:stretch>
         </p:blipFill>
         <p:spPr bwMode="auto">
-          <a:xfrm rot="19627402">
-            <a:off x="10351414" y="2297300"/>
+          <a:xfrm rot="18963528">
+            <a:off x="3408083" y="3207628"/>
             <a:ext cx="321251" cy="321251"/>
           </a:xfrm>
           <a:prstGeom prst="rect">
@@ -6610,60 +5004,6 @@
           </a:extLst>
         </p:spPr>
       </p:pic>
-      <p:pic>
-        <p:nvPicPr>
-          <p:cNvPr id="115" name="Picture 14" descr="Wifi icon - Free download on Iconfinder">
-            <a:extLst>
-              <a:ext uri="{FF2B5EF4-FFF2-40B4-BE49-F238E27FC236}">
-                <a16:creationId xmlns:a16="http://schemas.microsoft.com/office/drawing/2014/main" id="{D37CA9FE-FE76-48E9-9D82-77974B07A28D}"/>
-              </a:ext>
-            </a:extLst>
-          </p:cNvPr>
-          <p:cNvPicPr>
-            <a:picLocks noChangeAspect="1" noChangeArrowheads="1"/>
-          </p:cNvPicPr>
-          <p:nvPr/>
-        </p:nvPicPr>
-        <p:blipFill>
-          <a:blip r:embed="rId19">
-            <a:duotone>
-              <a:schemeClr val="accent6">
-                <a:shade val="45000"/>
-                <a:satMod val="135000"/>
-              </a:schemeClr>
-              <a:prstClr val="white"/>
-            </a:duotone>
-            <a:extLst>
-              <a:ext uri="{28A0092B-C50C-407E-A947-70E740481C1C}">
-                <a14:useLocalDpi xmlns:a14="http://schemas.microsoft.com/office/drawing/2010/main" val="0"/>
-              </a:ext>
-            </a:extLst>
-          </a:blip>
-          <a:srcRect/>
-          <a:stretch>
-            <a:fillRect/>
-          </a:stretch>
-        </p:blipFill>
-        <p:spPr bwMode="auto">
-          <a:xfrm rot="1459769">
-            <a:off x="10817876" y="4039525"/>
-            <a:ext cx="330482" cy="330482"/>
-          </a:xfrm>
-          <a:prstGeom prst="rect">
-            <a:avLst/>
-          </a:prstGeom>
-          <a:noFill/>
-          <a:extLst>
-            <a:ext uri="{909E8E84-426E-40DD-AFC4-6F175D3DCCD1}">
-              <a14:hiddenFill xmlns:a14="http://schemas.microsoft.com/office/drawing/2010/main">
-                <a:solidFill>
-                  <a:srgbClr val="FFFFFF"/>
-                </a:solidFill>
-              </a14:hiddenFill>
-            </a:ext>
-          </a:extLst>
-        </p:spPr>
-      </p:pic>
       <p:sp>
         <p:nvSpPr>
           <p:cNvPr id="116" name="CaixaDeTexto 115">
@@ -6678,8 +5018,8 @@
         </p:nvSpPr>
         <p:spPr>
           <a:xfrm>
-            <a:off x="-186417" y="3935337"/>
-            <a:ext cx="1826571" cy="646331"/>
+            <a:off x="818763" y="2999210"/>
+            <a:ext cx="1831672" cy="646331"/>
           </a:xfrm>
           <a:prstGeom prst="rect">
             <a:avLst/>
@@ -6694,7 +5034,7 @@
           <a:p>
             <a:pPr algn="ctr"/>
             <a:r>
-              <a:rPr lang="pt-BR" dirty="0"/>
+              <a:rPr lang="pt-BR" b="1" dirty="0"/>
               <a:t>Plantação</a:t>
             </a:r>
           </a:p>
@@ -6717,7 +5057,7 @@
         </p:nvGrpSpPr>
         <p:grpSpPr>
           <a:xfrm>
-            <a:off x="4786896" y="370632"/>
+            <a:off x="-73153" y="252072"/>
             <a:ext cx="2618207" cy="1193549"/>
             <a:chOff x="5212740" y="370632"/>
             <a:chExt cx="2618207" cy="1193549"/>
@@ -6973,7 +5313,1541 @@
               <p:nvPr/>
             </p:nvPicPr>
             <p:blipFill rotWithShape="1">
-              <a:blip r:embed="rId20">
+              <a:blip r:embed="rId17">
+                <a:extLst>
+                  <a:ext uri="{28A0092B-C50C-407E-A947-70E740481C1C}">
+                    <a14:useLocalDpi xmlns:a14="http://schemas.microsoft.com/office/drawing/2010/main" val="0"/>
+                  </a:ext>
+                </a:extLst>
+              </a:blip>
+              <a:srcRect l="6219" t="25472" r="6706" b="14462"/>
+              <a:stretch/>
+            </p:blipFill>
+            <p:spPr>
+              <a:xfrm>
+                <a:off x="4828577" y="2759739"/>
+                <a:ext cx="2534844" cy="1664643"/>
+              </a:xfrm>
+              <a:prstGeom prst="rect">
+                <a:avLst/>
+              </a:prstGeom>
+            </p:spPr>
+          </p:pic>
+        </p:grpSp>
+      </p:grpSp>
+      <p:grpSp>
+        <p:nvGrpSpPr>
+          <p:cNvPr id="11" name="Agrupar 10">
+            <a:extLst>
+              <a:ext uri="{FF2B5EF4-FFF2-40B4-BE49-F238E27FC236}">
+                <a16:creationId xmlns:a16="http://schemas.microsoft.com/office/drawing/2014/main" id="{2A84B321-5294-445D-9EC9-7820E29430E1}"/>
+              </a:ext>
+            </a:extLst>
+          </p:cNvPr>
+          <p:cNvGrpSpPr/>
+          <p:nvPr/>
+        </p:nvGrpSpPr>
+        <p:grpSpPr>
+          <a:xfrm>
+            <a:off x="3231424" y="5122689"/>
+            <a:ext cx="1270291" cy="1257007"/>
+            <a:chOff x="2815274" y="4547444"/>
+            <a:chExt cx="1270291" cy="1257007"/>
+          </a:xfrm>
+        </p:grpSpPr>
+        <p:grpSp>
+          <p:nvGrpSpPr>
+            <p:cNvPr id="86" name="Agrupar 85">
+              <a:extLst>
+                <a:ext uri="{FF2B5EF4-FFF2-40B4-BE49-F238E27FC236}">
+                  <a16:creationId xmlns:a16="http://schemas.microsoft.com/office/drawing/2014/main" id="{4DA1BAFB-2E01-4C99-BC03-059FC127509E}"/>
+                </a:ext>
+              </a:extLst>
+            </p:cNvPr>
+            <p:cNvGrpSpPr/>
+            <p:nvPr/>
+          </p:nvGrpSpPr>
+          <p:grpSpPr>
+            <a:xfrm>
+              <a:off x="2815274" y="4547444"/>
+              <a:ext cx="1270291" cy="1257007"/>
+              <a:chOff x="195299" y="2603463"/>
+              <a:chExt cx="1435583" cy="1453392"/>
+            </a:xfrm>
+          </p:grpSpPr>
+          <p:sp>
+            <p:nvSpPr>
+              <p:cNvPr id="87" name="Elipse 86">
+                <a:extLst>
+                  <a:ext uri="{FF2B5EF4-FFF2-40B4-BE49-F238E27FC236}">
+                    <a16:creationId xmlns:a16="http://schemas.microsoft.com/office/drawing/2014/main" id="{451220F8-59AE-4A91-9370-77BA52E17E2B}"/>
+                  </a:ext>
+                </a:extLst>
+              </p:cNvPr>
+              <p:cNvSpPr/>
+              <p:nvPr/>
+            </p:nvSpPr>
+            <p:spPr>
+              <a:xfrm>
+                <a:off x="195299" y="2603463"/>
+                <a:ext cx="1435583" cy="1453392"/>
+              </a:xfrm>
+              <a:prstGeom prst="ellipse">
+                <a:avLst/>
+              </a:prstGeom>
+              <a:solidFill>
+                <a:srgbClr val="55A54F"/>
+              </a:solidFill>
+              <a:ln>
+                <a:solidFill>
+                  <a:srgbClr val="57A44F"/>
+                </a:solidFill>
+              </a:ln>
+            </p:spPr>
+            <p:style>
+              <a:lnRef idx="2">
+                <a:schemeClr val="accent1">
+                  <a:shade val="50000"/>
+                </a:schemeClr>
+              </a:lnRef>
+              <a:fillRef idx="1">
+                <a:schemeClr val="accent1"/>
+              </a:fillRef>
+              <a:effectRef idx="0">
+                <a:schemeClr val="accent1"/>
+              </a:effectRef>
+              <a:fontRef idx="minor">
+                <a:schemeClr val="lt1"/>
+              </a:fontRef>
+            </p:style>
+            <p:txBody>
+              <a:bodyPr rtlCol="0" anchor="ctr"/>
+              <a:lstStyle/>
+              <a:p>
+                <a:pPr algn="ctr"/>
+                <a:endParaRPr lang="pt-BR"/>
+              </a:p>
+            </p:txBody>
+          </p:sp>
+          <p:sp>
+            <p:nvSpPr>
+              <p:cNvPr id="88" name="Elipse 87">
+                <a:extLst>
+                  <a:ext uri="{FF2B5EF4-FFF2-40B4-BE49-F238E27FC236}">
+                    <a16:creationId xmlns:a16="http://schemas.microsoft.com/office/drawing/2014/main" id="{3A8C8A2D-D2EA-4DB7-A400-EFE57D88CA2A}"/>
+                  </a:ext>
+                </a:extLst>
+              </p:cNvPr>
+              <p:cNvSpPr/>
+              <p:nvPr/>
+            </p:nvSpPr>
+            <p:spPr>
+              <a:xfrm>
+                <a:off x="262657" y="2659155"/>
+                <a:ext cx="1299377" cy="1328377"/>
+              </a:xfrm>
+              <a:prstGeom prst="ellipse">
+                <a:avLst/>
+              </a:prstGeom>
+              <a:solidFill>
+                <a:srgbClr val="333333"/>
+              </a:solidFill>
+              <a:ln>
+                <a:solidFill>
+                  <a:srgbClr val="333333"/>
+                </a:solidFill>
+              </a:ln>
+            </p:spPr>
+            <p:style>
+              <a:lnRef idx="2">
+                <a:schemeClr val="accent1">
+                  <a:shade val="50000"/>
+                </a:schemeClr>
+              </a:lnRef>
+              <a:fillRef idx="1">
+                <a:schemeClr val="accent1"/>
+              </a:fillRef>
+              <a:effectRef idx="0">
+                <a:schemeClr val="accent1"/>
+              </a:effectRef>
+              <a:fontRef idx="minor">
+                <a:schemeClr val="lt1"/>
+              </a:fontRef>
+            </p:style>
+            <p:txBody>
+              <a:bodyPr rtlCol="0" anchor="ctr"/>
+              <a:lstStyle/>
+              <a:p>
+                <a:pPr algn="ctr"/>
+                <a:endParaRPr lang="pt-BR" dirty="0"/>
+              </a:p>
+            </p:txBody>
+          </p:sp>
+        </p:grpSp>
+        <p:pic>
+          <p:nvPicPr>
+            <p:cNvPr id="8" name="Picture 2" descr="ícone Servidor Livre de Windows 8 Icon">
+              <a:extLst>
+                <a:ext uri="{FF2B5EF4-FFF2-40B4-BE49-F238E27FC236}">
+                  <a16:creationId xmlns:a16="http://schemas.microsoft.com/office/drawing/2014/main" id="{D0B808CD-EA35-4873-A341-BD39BA802C77}"/>
+                </a:ext>
+              </a:extLst>
+            </p:cNvPr>
+            <p:cNvPicPr>
+              <a:picLocks noChangeAspect="1" noChangeArrowheads="1"/>
+            </p:cNvPicPr>
+            <p:nvPr/>
+          </p:nvPicPr>
+          <p:blipFill>
+            <a:blip r:embed="rId18">
+              <a:duotone>
+                <a:schemeClr val="accent6">
+                  <a:shade val="45000"/>
+                  <a:satMod val="135000"/>
+                </a:schemeClr>
+                <a:prstClr val="white"/>
+              </a:duotone>
+              <a:extLst>
+                <a:ext uri="{BEBA8EAE-BF5A-486C-A8C5-ECC9F3942E4B}">
+                  <a14:imgProps xmlns:a14="http://schemas.microsoft.com/office/drawing/2010/main">
+                    <a14:imgLayer r:embed="rId19">
+                      <a14:imgEffect>
+                        <a14:backgroundRemoval t="0" b="100000" l="0" r="100000">
+                          <a14:foregroundMark x1="35111" y1="36000" x2="35111" y2="36000"/>
+                          <a14:foregroundMark x1="34667" y1="24000" x2="34667" y2="24000"/>
+                          <a14:foregroundMark x1="92444" y1="41778" x2="92444" y2="41778"/>
+                        </a14:backgroundRemoval>
+                      </a14:imgEffect>
+                    </a14:imgLayer>
+                  </a14:imgProps>
+                </a:ext>
+                <a:ext uri="{28A0092B-C50C-407E-A947-70E740481C1C}">
+                  <a14:useLocalDpi xmlns:a14="http://schemas.microsoft.com/office/drawing/2010/main" val="0"/>
+                </a:ext>
+              </a:extLst>
+            </a:blip>
+            <a:srcRect/>
+            <a:stretch>
+              <a:fillRect/>
+            </a:stretch>
+          </p:blipFill>
+          <p:spPr bwMode="auto">
+            <a:xfrm>
+              <a:off x="3087940" y="4791578"/>
+              <a:ext cx="791934" cy="791934"/>
+            </a:xfrm>
+            <a:prstGeom prst="rect">
+              <a:avLst/>
+            </a:prstGeom>
+            <a:noFill/>
+            <a:extLst>
+              <a:ext uri="{909E8E84-426E-40DD-AFC4-6F175D3DCCD1}">
+                <a14:hiddenFill xmlns:a14="http://schemas.microsoft.com/office/drawing/2010/main">
+                  <a:solidFill>
+                    <a:srgbClr val="FFFFFF"/>
+                  </a:solidFill>
+                </a14:hiddenFill>
+              </a:ext>
+            </a:extLst>
+          </p:spPr>
+        </p:pic>
+      </p:grpSp>
+      <p:grpSp>
+        <p:nvGrpSpPr>
+          <p:cNvPr id="19" name="Agrupar 18">
+            <a:extLst>
+              <a:ext uri="{FF2B5EF4-FFF2-40B4-BE49-F238E27FC236}">
+                <a16:creationId xmlns:a16="http://schemas.microsoft.com/office/drawing/2014/main" id="{A2981478-54A0-44DC-88EF-38B6F5F25948}"/>
+              </a:ext>
+            </a:extLst>
+          </p:cNvPr>
+          <p:cNvGrpSpPr/>
+          <p:nvPr/>
+        </p:nvGrpSpPr>
+        <p:grpSpPr>
+          <a:xfrm>
+            <a:off x="9461526" y="2753492"/>
+            <a:ext cx="1275339" cy="1212357"/>
+            <a:chOff x="10614857" y="3030571"/>
+            <a:chExt cx="1275339" cy="1212357"/>
+          </a:xfrm>
+        </p:grpSpPr>
+        <p:grpSp>
+          <p:nvGrpSpPr>
+            <p:cNvPr id="112" name="Agrupar 111">
+              <a:extLst>
+                <a:ext uri="{FF2B5EF4-FFF2-40B4-BE49-F238E27FC236}">
+                  <a16:creationId xmlns:a16="http://schemas.microsoft.com/office/drawing/2014/main" id="{D5A7316C-3D0E-45C3-B42F-71A274818BB4}"/>
+                </a:ext>
+              </a:extLst>
+            </p:cNvPr>
+            <p:cNvGrpSpPr/>
+            <p:nvPr/>
+          </p:nvGrpSpPr>
+          <p:grpSpPr>
+            <a:xfrm>
+              <a:off x="10614857" y="3030571"/>
+              <a:ext cx="1275339" cy="1212357"/>
+              <a:chOff x="2527593" y="2082044"/>
+              <a:chExt cx="1435583" cy="1453392"/>
+            </a:xfrm>
+          </p:grpSpPr>
+          <p:sp>
+            <p:nvSpPr>
+              <p:cNvPr id="113" name="Elipse 112">
+                <a:extLst>
+                  <a:ext uri="{FF2B5EF4-FFF2-40B4-BE49-F238E27FC236}">
+                    <a16:creationId xmlns:a16="http://schemas.microsoft.com/office/drawing/2014/main" id="{AE21A830-C1AA-45AF-A0B5-F5B7A5B75530}"/>
+                  </a:ext>
+                </a:extLst>
+              </p:cNvPr>
+              <p:cNvSpPr/>
+              <p:nvPr/>
+            </p:nvSpPr>
+            <p:spPr>
+              <a:xfrm>
+                <a:off x="2527593" y="2082044"/>
+                <a:ext cx="1435583" cy="1453392"/>
+              </a:xfrm>
+              <a:prstGeom prst="ellipse">
+                <a:avLst/>
+              </a:prstGeom>
+              <a:solidFill>
+                <a:srgbClr val="333333"/>
+              </a:solidFill>
+              <a:ln>
+                <a:noFill/>
+              </a:ln>
+            </p:spPr>
+            <p:style>
+              <a:lnRef idx="2">
+                <a:schemeClr val="accent1">
+                  <a:shade val="50000"/>
+                </a:schemeClr>
+              </a:lnRef>
+              <a:fillRef idx="1">
+                <a:schemeClr val="accent1"/>
+              </a:fillRef>
+              <a:effectRef idx="0">
+                <a:schemeClr val="accent1"/>
+              </a:effectRef>
+              <a:fontRef idx="minor">
+                <a:schemeClr val="lt1"/>
+              </a:fontRef>
+            </p:style>
+            <p:txBody>
+              <a:bodyPr rtlCol="0" anchor="ctr"/>
+              <a:lstStyle/>
+              <a:p>
+                <a:pPr algn="ctr"/>
+                <a:endParaRPr lang="pt-BR"/>
+              </a:p>
+            </p:txBody>
+          </p:sp>
+          <p:sp>
+            <p:nvSpPr>
+              <p:cNvPr id="122" name="Elipse 121">
+                <a:extLst>
+                  <a:ext uri="{FF2B5EF4-FFF2-40B4-BE49-F238E27FC236}">
+                    <a16:creationId xmlns:a16="http://schemas.microsoft.com/office/drawing/2014/main" id="{011619FA-3E4D-43F5-8FD1-C3EBC55B0C1C}"/>
+                  </a:ext>
+                </a:extLst>
+              </p:cNvPr>
+              <p:cNvSpPr/>
+              <p:nvPr/>
+            </p:nvSpPr>
+            <p:spPr>
+              <a:xfrm>
+                <a:off x="2594575" y="2137736"/>
+                <a:ext cx="1299377" cy="1328377"/>
+              </a:xfrm>
+              <a:prstGeom prst="ellipse">
+                <a:avLst/>
+              </a:prstGeom>
+              <a:solidFill>
+                <a:srgbClr val="55A54F"/>
+              </a:solidFill>
+              <a:ln>
+                <a:solidFill>
+                  <a:srgbClr val="57A44F"/>
+                </a:solidFill>
+              </a:ln>
+            </p:spPr>
+            <p:style>
+              <a:lnRef idx="2">
+                <a:schemeClr val="accent1">
+                  <a:shade val="50000"/>
+                </a:schemeClr>
+              </a:lnRef>
+              <a:fillRef idx="1">
+                <a:schemeClr val="accent1"/>
+              </a:fillRef>
+              <a:effectRef idx="0">
+                <a:schemeClr val="accent1"/>
+              </a:effectRef>
+              <a:fontRef idx="minor">
+                <a:schemeClr val="lt1"/>
+              </a:fontRef>
+            </p:style>
+            <p:txBody>
+              <a:bodyPr rtlCol="0" anchor="ctr"/>
+              <a:lstStyle/>
+              <a:p>
+                <a:pPr algn="ctr"/>
+                <a:endParaRPr lang="pt-BR" dirty="0"/>
+              </a:p>
+            </p:txBody>
+          </p:sp>
+        </p:grpSp>
+        <p:pic>
+          <p:nvPicPr>
+            <p:cNvPr id="123" name="Imagem 122">
+              <a:extLst>
+                <a:ext uri="{FF2B5EF4-FFF2-40B4-BE49-F238E27FC236}">
+                  <a16:creationId xmlns:a16="http://schemas.microsoft.com/office/drawing/2014/main" id="{435E579C-251B-47E8-BC38-A060CA8B11EB}"/>
+                </a:ext>
+              </a:extLst>
+            </p:cNvPr>
+            <p:cNvPicPr>
+              <a:picLocks noChangeAspect="1"/>
+            </p:cNvPicPr>
+            <p:nvPr/>
+          </p:nvPicPr>
+          <p:blipFill>
+            <a:blip r:embed="rId13">
+              <a:duotone>
+                <a:prstClr val="black"/>
+                <a:schemeClr val="accent3">
+                  <a:tint val="45000"/>
+                  <a:satMod val="400000"/>
+                </a:schemeClr>
+              </a:duotone>
+              <a:extLst>
+                <a:ext uri="{BEBA8EAE-BF5A-486C-A8C5-ECC9F3942E4B}">
+                  <a14:imgProps xmlns:a14="http://schemas.microsoft.com/office/drawing/2010/main">
+                    <a14:imgLayer r:embed="rId14">
+                      <a14:imgEffect>
+                        <a14:backgroundRemoval t="0" b="100000" l="0" r="100000"/>
+                      </a14:imgEffect>
+                    </a14:imgLayer>
+                  </a14:imgProps>
+                </a:ext>
+                <a:ext uri="{28A0092B-C50C-407E-A947-70E740481C1C}">
+                  <a14:useLocalDpi xmlns:a14="http://schemas.microsoft.com/office/drawing/2010/main" val="0"/>
+                </a:ext>
+              </a:extLst>
+            </a:blip>
+            <a:stretch>
+              <a:fillRect/>
+            </a:stretch>
+          </p:blipFill>
+          <p:spPr>
+            <a:xfrm>
+              <a:off x="10750686" y="3135565"/>
+              <a:ext cx="1019537" cy="1019537"/>
+            </a:xfrm>
+            <a:prstGeom prst="rect">
+              <a:avLst/>
+            </a:prstGeom>
+          </p:spPr>
+        </p:pic>
+      </p:grpSp>
+      <p:pic>
+        <p:nvPicPr>
+          <p:cNvPr id="1034" name="Picture 10" descr="Ícone de laptop simples - Baixar PNG/SVG Transparente">
+            <a:extLst>
+              <a:ext uri="{FF2B5EF4-FFF2-40B4-BE49-F238E27FC236}">
+                <a16:creationId xmlns:a16="http://schemas.microsoft.com/office/drawing/2014/main" id="{EADF95EB-2164-4B30-A797-F740C1140759}"/>
+              </a:ext>
+            </a:extLst>
+          </p:cNvPr>
+          <p:cNvPicPr>
+            <a:picLocks noChangeAspect="1" noChangeArrowheads="1"/>
+          </p:cNvPicPr>
+          <p:nvPr/>
+        </p:nvPicPr>
+        <p:blipFill>
+          <a:blip r:embed="rId20">
+            <a:extLst>
+              <a:ext uri="{28A0092B-C50C-407E-A947-70E740481C1C}">
+                <a14:useLocalDpi xmlns:a14="http://schemas.microsoft.com/office/drawing/2010/main" val="0"/>
+              </a:ext>
+            </a:extLst>
+          </a:blip>
+          <a:srcRect/>
+          <a:stretch>
+            <a:fillRect/>
+          </a:stretch>
+        </p:blipFill>
+        <p:spPr bwMode="auto">
+          <a:xfrm>
+            <a:off x="10146361" y="3323526"/>
+            <a:ext cx="808761" cy="808761"/>
+          </a:xfrm>
+          <a:prstGeom prst="rect">
+            <a:avLst/>
+          </a:prstGeom>
+          <a:noFill/>
+          <a:extLst>
+            <a:ext uri="{909E8E84-426E-40DD-AFC4-6F175D3DCCD1}">
+              <a14:hiddenFill xmlns:a14="http://schemas.microsoft.com/office/drawing/2010/main">
+                <a:solidFill>
+                  <a:srgbClr val="FFFFFF"/>
+                </a:solidFill>
+              </a14:hiddenFill>
+            </a:ext>
+          </a:extLst>
+        </p:spPr>
+      </p:pic>
+      <p:sp>
+        <p:nvSpPr>
+          <p:cNvPr id="139" name="Seta: da Esquerda para a Direita 138">
+            <a:extLst>
+              <a:ext uri="{FF2B5EF4-FFF2-40B4-BE49-F238E27FC236}">
+                <a16:creationId xmlns:a16="http://schemas.microsoft.com/office/drawing/2014/main" id="{4E536F3A-B9A2-4D54-9AD5-466E98772F1B}"/>
+              </a:ext>
+            </a:extLst>
+          </p:cNvPr>
+          <p:cNvSpPr/>
+          <p:nvPr/>
+        </p:nvSpPr>
+        <p:spPr>
+          <a:xfrm rot="5400000">
+            <a:off x="3546960" y="3277423"/>
+            <a:ext cx="578537" cy="210916"/>
+          </a:xfrm>
+          <a:prstGeom prst="leftRightArrow">
+            <a:avLst/>
+          </a:prstGeom>
+        </p:spPr>
+        <p:style>
+          <a:lnRef idx="2">
+            <a:schemeClr val="dk1">
+              <a:shade val="50000"/>
+            </a:schemeClr>
+          </a:lnRef>
+          <a:fillRef idx="1">
+            <a:schemeClr val="dk1"/>
+          </a:fillRef>
+          <a:effectRef idx="0">
+            <a:schemeClr val="dk1"/>
+          </a:effectRef>
+          <a:fontRef idx="minor">
+            <a:schemeClr val="lt1"/>
+          </a:fontRef>
+        </p:style>
+        <p:txBody>
+          <a:bodyPr rtlCol="0" anchor="ctr"/>
+          <a:lstStyle/>
+          <a:p>
+            <a:pPr algn="ctr"/>
+            <a:endParaRPr lang="pt-BR"/>
+          </a:p>
+        </p:txBody>
+      </p:sp>
+      <p:sp>
+        <p:nvSpPr>
+          <p:cNvPr id="141" name="Seta: para Baixo 140">
+            <a:extLst>
+              <a:ext uri="{FF2B5EF4-FFF2-40B4-BE49-F238E27FC236}">
+                <a16:creationId xmlns:a16="http://schemas.microsoft.com/office/drawing/2014/main" id="{4BA400C1-70CE-44F5-A656-AC8E29BE8D07}"/>
+              </a:ext>
+            </a:extLst>
+          </p:cNvPr>
+          <p:cNvSpPr/>
+          <p:nvPr/>
+        </p:nvSpPr>
+        <p:spPr>
+          <a:xfrm rot="16200000">
+            <a:off x="2679869" y="2090930"/>
+            <a:ext cx="218112" cy="657027"/>
+          </a:xfrm>
+          <a:prstGeom prst="downArrow">
+            <a:avLst/>
+          </a:prstGeom>
+        </p:spPr>
+        <p:style>
+          <a:lnRef idx="2">
+            <a:schemeClr val="dk1">
+              <a:shade val="50000"/>
+            </a:schemeClr>
+          </a:lnRef>
+          <a:fillRef idx="1">
+            <a:schemeClr val="dk1"/>
+          </a:fillRef>
+          <a:effectRef idx="0">
+            <a:schemeClr val="dk1"/>
+          </a:effectRef>
+          <a:fontRef idx="minor">
+            <a:schemeClr val="lt1"/>
+          </a:fontRef>
+        </p:style>
+        <p:txBody>
+          <a:bodyPr rtlCol="0" anchor="ctr"/>
+          <a:lstStyle/>
+          <a:p>
+            <a:pPr algn="ctr"/>
+            <a:endParaRPr lang="pt-BR"/>
+          </a:p>
+        </p:txBody>
+      </p:sp>
+      <p:sp>
+        <p:nvSpPr>
+          <p:cNvPr id="143" name="Seta: para Baixo 142">
+            <a:extLst>
+              <a:ext uri="{FF2B5EF4-FFF2-40B4-BE49-F238E27FC236}">
+                <a16:creationId xmlns:a16="http://schemas.microsoft.com/office/drawing/2014/main" id="{26C57EFE-2F90-40AB-94F4-9D9130C74B77}"/>
+              </a:ext>
+            </a:extLst>
+          </p:cNvPr>
+          <p:cNvSpPr/>
+          <p:nvPr/>
+        </p:nvSpPr>
+        <p:spPr>
+          <a:xfrm rot="13309647" flipH="1">
+            <a:off x="7005102" y="2809125"/>
+            <a:ext cx="240065" cy="575253"/>
+          </a:xfrm>
+          <a:prstGeom prst="downArrow">
+            <a:avLst/>
+          </a:prstGeom>
+        </p:spPr>
+        <p:style>
+          <a:lnRef idx="2">
+            <a:schemeClr val="dk1">
+              <a:shade val="50000"/>
+            </a:schemeClr>
+          </a:lnRef>
+          <a:fillRef idx="1">
+            <a:schemeClr val="dk1"/>
+          </a:fillRef>
+          <a:effectRef idx="0">
+            <a:schemeClr val="dk1"/>
+          </a:effectRef>
+          <a:fontRef idx="minor">
+            <a:schemeClr val="lt1"/>
+          </a:fontRef>
+        </p:style>
+        <p:txBody>
+          <a:bodyPr rtlCol="0" anchor="ctr"/>
+          <a:lstStyle/>
+          <a:p>
+            <a:pPr algn="ctr"/>
+            <a:endParaRPr lang="pt-BR" dirty="0"/>
+          </a:p>
+        </p:txBody>
+      </p:sp>
+      <p:sp>
+        <p:nvSpPr>
+          <p:cNvPr id="22" name="Retângulo 21">
+            <a:extLst>
+              <a:ext uri="{FF2B5EF4-FFF2-40B4-BE49-F238E27FC236}">
+                <a16:creationId xmlns:a16="http://schemas.microsoft.com/office/drawing/2014/main" id="{1BB494C4-13F7-4701-98EC-704C541AEB2C}"/>
+              </a:ext>
+            </a:extLst>
+          </p:cNvPr>
+          <p:cNvSpPr/>
+          <p:nvPr/>
+        </p:nvSpPr>
+        <p:spPr>
+          <a:xfrm>
+            <a:off x="8450515" y="2310386"/>
+            <a:ext cx="914400" cy="172821"/>
+          </a:xfrm>
+          <a:prstGeom prst="rect">
+            <a:avLst/>
+          </a:prstGeom>
+        </p:spPr>
+        <p:style>
+          <a:lnRef idx="2">
+            <a:schemeClr val="dk1">
+              <a:shade val="50000"/>
+            </a:schemeClr>
+          </a:lnRef>
+          <a:fillRef idx="1">
+            <a:schemeClr val="dk1"/>
+          </a:fillRef>
+          <a:effectRef idx="0">
+            <a:schemeClr val="dk1"/>
+          </a:effectRef>
+          <a:fontRef idx="minor">
+            <a:schemeClr val="lt1"/>
+          </a:fontRef>
+        </p:style>
+        <p:txBody>
+          <a:bodyPr rtlCol="0" anchor="ctr"/>
+          <a:lstStyle/>
+          <a:p>
+            <a:pPr algn="ctr"/>
+            <a:endParaRPr lang="pt-BR"/>
+          </a:p>
+        </p:txBody>
+      </p:sp>
+      <p:sp>
+        <p:nvSpPr>
+          <p:cNvPr id="144" name="Seta: para Baixo 143">
+            <a:extLst>
+              <a:ext uri="{FF2B5EF4-FFF2-40B4-BE49-F238E27FC236}">
+                <a16:creationId xmlns:a16="http://schemas.microsoft.com/office/drawing/2014/main" id="{79F12893-5CFD-41F0-961E-ECE6BC9F1C40}"/>
+              </a:ext>
+            </a:extLst>
+          </p:cNvPr>
+          <p:cNvSpPr/>
+          <p:nvPr/>
+        </p:nvSpPr>
+        <p:spPr>
+          <a:xfrm rot="13309647" flipH="1">
+            <a:off x="9349600" y="1901205"/>
+            <a:ext cx="240065" cy="575253"/>
+          </a:xfrm>
+          <a:prstGeom prst="downArrow">
+            <a:avLst/>
+          </a:prstGeom>
+        </p:spPr>
+        <p:style>
+          <a:lnRef idx="2">
+            <a:schemeClr val="dk1">
+              <a:shade val="50000"/>
+            </a:schemeClr>
+          </a:lnRef>
+          <a:fillRef idx="1">
+            <a:schemeClr val="dk1"/>
+          </a:fillRef>
+          <a:effectRef idx="0">
+            <a:schemeClr val="dk1"/>
+          </a:effectRef>
+          <a:fontRef idx="minor">
+            <a:schemeClr val="lt1"/>
+          </a:fontRef>
+        </p:style>
+        <p:txBody>
+          <a:bodyPr rtlCol="0" anchor="ctr"/>
+          <a:lstStyle/>
+          <a:p>
+            <a:pPr algn="ctr"/>
+            <a:endParaRPr lang="pt-BR" dirty="0"/>
+          </a:p>
+        </p:txBody>
+      </p:sp>
+      <p:sp>
+        <p:nvSpPr>
+          <p:cNvPr id="145" name="Seta: para Baixo 144">
+            <a:extLst>
+              <a:ext uri="{FF2B5EF4-FFF2-40B4-BE49-F238E27FC236}">
+                <a16:creationId xmlns:a16="http://schemas.microsoft.com/office/drawing/2014/main" id="{60A7696E-865C-40BB-808D-1131F64B995F}"/>
+              </a:ext>
+            </a:extLst>
+          </p:cNvPr>
+          <p:cNvSpPr/>
+          <p:nvPr/>
+        </p:nvSpPr>
+        <p:spPr>
+          <a:xfrm rot="8290353" flipH="1" flipV="1">
+            <a:off x="9330298" y="2285447"/>
+            <a:ext cx="240065" cy="575253"/>
+          </a:xfrm>
+          <a:prstGeom prst="downArrow">
+            <a:avLst/>
+          </a:prstGeom>
+        </p:spPr>
+        <p:style>
+          <a:lnRef idx="2">
+            <a:schemeClr val="dk1">
+              <a:shade val="50000"/>
+            </a:schemeClr>
+          </a:lnRef>
+          <a:fillRef idx="1">
+            <a:schemeClr val="dk1"/>
+          </a:fillRef>
+          <a:effectRef idx="0">
+            <a:schemeClr val="dk1"/>
+          </a:effectRef>
+          <a:fontRef idx="minor">
+            <a:schemeClr val="lt1"/>
+          </a:fontRef>
+        </p:style>
+        <p:txBody>
+          <a:bodyPr rtlCol="0" anchor="ctr"/>
+          <a:lstStyle/>
+          <a:p>
+            <a:pPr algn="ctr"/>
+            <a:endParaRPr lang="pt-BR" dirty="0"/>
+          </a:p>
+        </p:txBody>
+      </p:sp>
+      <p:sp>
+        <p:nvSpPr>
+          <p:cNvPr id="146" name="Seta: da Esquerda para a Direita 145">
+            <a:extLst>
+              <a:ext uri="{FF2B5EF4-FFF2-40B4-BE49-F238E27FC236}">
+                <a16:creationId xmlns:a16="http://schemas.microsoft.com/office/drawing/2014/main" id="{79EBD90B-097F-4E3F-8116-A1E026F0D949}"/>
+              </a:ext>
+            </a:extLst>
+          </p:cNvPr>
+          <p:cNvSpPr/>
+          <p:nvPr/>
+        </p:nvSpPr>
+        <p:spPr>
+          <a:xfrm rot="5400000">
+            <a:off x="6258995" y="4733703"/>
+            <a:ext cx="477586" cy="231356"/>
+          </a:xfrm>
+          <a:prstGeom prst="leftRightArrow">
+            <a:avLst/>
+          </a:prstGeom>
+        </p:spPr>
+        <p:style>
+          <a:lnRef idx="2">
+            <a:schemeClr val="dk1">
+              <a:shade val="50000"/>
+            </a:schemeClr>
+          </a:lnRef>
+          <a:fillRef idx="1">
+            <a:schemeClr val="dk1"/>
+          </a:fillRef>
+          <a:effectRef idx="0">
+            <a:schemeClr val="dk1"/>
+          </a:effectRef>
+          <a:fontRef idx="minor">
+            <a:schemeClr val="lt1"/>
+          </a:fontRef>
+        </p:style>
+        <p:txBody>
+          <a:bodyPr rtlCol="0" anchor="ctr"/>
+          <a:lstStyle/>
+          <a:p>
+            <a:pPr algn="ctr"/>
+            <a:endParaRPr lang="pt-BR"/>
+          </a:p>
+        </p:txBody>
+      </p:sp>
+      <p:sp>
+        <p:nvSpPr>
+          <p:cNvPr id="147" name="Seta: da Esquerda para a Direita 146">
+            <a:extLst>
+              <a:ext uri="{FF2B5EF4-FFF2-40B4-BE49-F238E27FC236}">
+                <a16:creationId xmlns:a16="http://schemas.microsoft.com/office/drawing/2014/main" id="{22ED760C-4103-413D-BBB5-7B1AEB21A836}"/>
+              </a:ext>
+            </a:extLst>
+          </p:cNvPr>
+          <p:cNvSpPr/>
+          <p:nvPr/>
+        </p:nvSpPr>
+        <p:spPr>
+          <a:xfrm rot="5400000">
+            <a:off x="3631082" y="4751067"/>
+            <a:ext cx="466217" cy="181497"/>
+          </a:xfrm>
+          <a:prstGeom prst="leftRightArrow">
+            <a:avLst/>
+          </a:prstGeom>
+        </p:spPr>
+        <p:style>
+          <a:lnRef idx="2">
+            <a:schemeClr val="dk1">
+              <a:shade val="50000"/>
+            </a:schemeClr>
+          </a:lnRef>
+          <a:fillRef idx="1">
+            <a:schemeClr val="dk1"/>
+          </a:fillRef>
+          <a:effectRef idx="0">
+            <a:schemeClr val="dk1"/>
+          </a:effectRef>
+          <a:fontRef idx="minor">
+            <a:schemeClr val="lt1"/>
+          </a:fontRef>
+        </p:style>
+        <p:txBody>
+          <a:bodyPr rtlCol="0" anchor="ctr"/>
+          <a:lstStyle/>
+          <a:p>
+            <a:pPr algn="ctr"/>
+            <a:endParaRPr lang="pt-BR"/>
+          </a:p>
+        </p:txBody>
+      </p:sp>
+      <p:sp>
+        <p:nvSpPr>
+          <p:cNvPr id="148" name="Seta: da Esquerda para a Direita 147">
+            <a:extLst>
+              <a:ext uri="{FF2B5EF4-FFF2-40B4-BE49-F238E27FC236}">
+                <a16:creationId xmlns:a16="http://schemas.microsoft.com/office/drawing/2014/main" id="{189CAA09-824B-48E3-8EB3-7E02B33BAE1E}"/>
+              </a:ext>
+            </a:extLst>
+          </p:cNvPr>
+          <p:cNvSpPr/>
+          <p:nvPr/>
+        </p:nvSpPr>
+        <p:spPr>
+          <a:xfrm>
+            <a:off x="4565862" y="5660720"/>
+            <a:ext cx="1226302" cy="218113"/>
+          </a:xfrm>
+          <a:prstGeom prst="leftRightArrow">
+            <a:avLst/>
+          </a:prstGeom>
+        </p:spPr>
+        <p:style>
+          <a:lnRef idx="2">
+            <a:schemeClr val="dk1">
+              <a:shade val="50000"/>
+            </a:schemeClr>
+          </a:lnRef>
+          <a:fillRef idx="1">
+            <a:schemeClr val="dk1"/>
+          </a:fillRef>
+          <a:effectRef idx="0">
+            <a:schemeClr val="dk1"/>
+          </a:effectRef>
+          <a:fontRef idx="minor">
+            <a:schemeClr val="lt1"/>
+          </a:fontRef>
+        </p:style>
+        <p:txBody>
+          <a:bodyPr rtlCol="0" anchor="ctr"/>
+          <a:lstStyle/>
+          <a:p>
+            <a:pPr algn="ctr"/>
+            <a:endParaRPr lang="pt-BR"/>
+          </a:p>
+        </p:txBody>
+      </p:sp>
+      <p:pic>
+        <p:nvPicPr>
+          <p:cNvPr id="115" name="Picture 14" descr="Wifi icon - Free download on Iconfinder">
+            <a:extLst>
+              <a:ext uri="{FF2B5EF4-FFF2-40B4-BE49-F238E27FC236}">
+                <a16:creationId xmlns:a16="http://schemas.microsoft.com/office/drawing/2014/main" id="{D37CA9FE-FE76-48E9-9D82-77974B07A28D}"/>
+              </a:ext>
+            </a:extLst>
+          </p:cNvPr>
+          <p:cNvPicPr>
+            <a:picLocks noChangeAspect="1" noChangeArrowheads="1"/>
+          </p:cNvPicPr>
+          <p:nvPr/>
+        </p:nvPicPr>
+        <p:blipFill>
+          <a:blip r:embed="rId16">
+            <a:duotone>
+              <a:schemeClr val="accent6">
+                <a:shade val="45000"/>
+                <a:satMod val="135000"/>
+              </a:schemeClr>
+              <a:prstClr val="white"/>
+            </a:duotone>
+            <a:extLst>
+              <a:ext uri="{28A0092B-C50C-407E-A947-70E740481C1C}">
+                <a14:useLocalDpi xmlns:a14="http://schemas.microsoft.com/office/drawing/2010/main" val="0"/>
+              </a:ext>
+            </a:extLst>
+          </a:blip>
+          <a:srcRect/>
+          <a:stretch>
+            <a:fillRect/>
+          </a:stretch>
+        </p:blipFill>
+        <p:spPr bwMode="auto">
+          <a:xfrm rot="869304">
+            <a:off x="8578525" y="2091233"/>
+            <a:ext cx="578866" cy="578866"/>
+          </a:xfrm>
+          <a:prstGeom prst="rect">
+            <a:avLst/>
+          </a:prstGeom>
+          <a:noFill/>
+          <a:extLst>
+            <a:ext uri="{909E8E84-426E-40DD-AFC4-6F175D3DCCD1}">
+              <a14:hiddenFill xmlns:a14="http://schemas.microsoft.com/office/drawing/2010/main">
+                <a:solidFill>
+                  <a:srgbClr val="FFFFFF"/>
+                </a:solidFill>
+              </a14:hiddenFill>
+            </a:ext>
+          </a:extLst>
+        </p:spPr>
+      </p:pic>
+      <p:sp>
+        <p:nvSpPr>
+          <p:cNvPr id="150" name="CaixaDeTexto 149">
+            <a:extLst>
+              <a:ext uri="{FF2B5EF4-FFF2-40B4-BE49-F238E27FC236}">
+                <a16:creationId xmlns:a16="http://schemas.microsoft.com/office/drawing/2014/main" id="{0EF5754E-5C22-4C42-AE0C-F968648E5F50}"/>
+              </a:ext>
+            </a:extLst>
+          </p:cNvPr>
+          <p:cNvSpPr txBox="1"/>
+          <p:nvPr/>
+        </p:nvSpPr>
+        <p:spPr>
+          <a:xfrm>
+            <a:off x="2917680" y="1459766"/>
+            <a:ext cx="1831672" cy="646331"/>
+          </a:xfrm>
+          <a:prstGeom prst="rect">
+            <a:avLst/>
+          </a:prstGeom>
+          <a:noFill/>
+        </p:spPr>
+        <p:txBody>
+          <a:bodyPr wrap="square" rtlCol="0">
+            <a:spAutoFit/>
+          </a:bodyPr>
+          <a:lstStyle/>
+          <a:p>
+            <a:pPr algn="ctr"/>
+            <a:r>
+              <a:rPr lang="pt-BR" b="1" dirty="0"/>
+              <a:t>Sensor</a:t>
+            </a:r>
+          </a:p>
+          <a:p>
+            <a:endParaRPr lang="pt-BR" dirty="0"/>
+          </a:p>
+        </p:txBody>
+      </p:sp>
+      <p:sp>
+        <p:nvSpPr>
+          <p:cNvPr id="151" name="CaixaDeTexto 150">
+            <a:extLst>
+              <a:ext uri="{FF2B5EF4-FFF2-40B4-BE49-F238E27FC236}">
+                <a16:creationId xmlns:a16="http://schemas.microsoft.com/office/drawing/2014/main" id="{648E5C2E-E327-4F50-A513-38D2A532D23E}"/>
+              </a:ext>
+            </a:extLst>
+          </p:cNvPr>
+          <p:cNvSpPr txBox="1"/>
+          <p:nvPr/>
+        </p:nvSpPr>
+        <p:spPr>
+          <a:xfrm>
+            <a:off x="2984221" y="6321767"/>
+            <a:ext cx="1831672" cy="646331"/>
+          </a:xfrm>
+          <a:prstGeom prst="rect">
+            <a:avLst/>
+          </a:prstGeom>
+          <a:noFill/>
+        </p:spPr>
+        <p:txBody>
+          <a:bodyPr wrap="square" rtlCol="0">
+            <a:spAutoFit/>
+          </a:bodyPr>
+          <a:lstStyle/>
+          <a:p>
+            <a:pPr algn="ctr"/>
+            <a:r>
+              <a:rPr lang="pt-BR" b="1" dirty="0"/>
+              <a:t>Servidor</a:t>
+            </a:r>
+          </a:p>
+          <a:p>
+            <a:endParaRPr lang="pt-BR" dirty="0"/>
+          </a:p>
+        </p:txBody>
+      </p:sp>
+      <p:sp>
+        <p:nvSpPr>
+          <p:cNvPr id="152" name="CaixaDeTexto 151">
+            <a:extLst>
+              <a:ext uri="{FF2B5EF4-FFF2-40B4-BE49-F238E27FC236}">
+                <a16:creationId xmlns:a16="http://schemas.microsoft.com/office/drawing/2014/main" id="{E15108E0-55B4-41EF-84A0-939C139D6CD3}"/>
+              </a:ext>
+            </a:extLst>
+          </p:cNvPr>
+          <p:cNvSpPr txBox="1"/>
+          <p:nvPr/>
+        </p:nvSpPr>
+        <p:spPr>
+          <a:xfrm>
+            <a:off x="9191287" y="2213018"/>
+            <a:ext cx="1831672" cy="646331"/>
+          </a:xfrm>
+          <a:prstGeom prst="rect">
+            <a:avLst/>
+          </a:prstGeom>
+          <a:noFill/>
+        </p:spPr>
+        <p:txBody>
+          <a:bodyPr wrap="square" rtlCol="0">
+            <a:spAutoFit/>
+          </a:bodyPr>
+          <a:lstStyle/>
+          <a:p>
+            <a:pPr algn="ctr"/>
+            <a:r>
+              <a:rPr lang="pt-BR" b="1" dirty="0"/>
+              <a:t>Usuário</a:t>
+            </a:r>
+          </a:p>
+          <a:p>
+            <a:endParaRPr lang="pt-BR" dirty="0"/>
+          </a:p>
+        </p:txBody>
+      </p:sp>
+      <p:sp>
+        <p:nvSpPr>
+          <p:cNvPr id="153" name="CaixaDeTexto 152">
+            <a:extLst>
+              <a:ext uri="{FF2B5EF4-FFF2-40B4-BE49-F238E27FC236}">
+                <a16:creationId xmlns:a16="http://schemas.microsoft.com/office/drawing/2014/main" id="{77890827-3453-463B-857D-567B2E541C5C}"/>
+              </a:ext>
+            </a:extLst>
+          </p:cNvPr>
+          <p:cNvSpPr txBox="1"/>
+          <p:nvPr/>
+        </p:nvSpPr>
+        <p:spPr>
+          <a:xfrm>
+            <a:off x="5552537" y="2946774"/>
+            <a:ext cx="1831672" cy="646331"/>
+          </a:xfrm>
+          <a:prstGeom prst="rect">
+            <a:avLst/>
+          </a:prstGeom>
+          <a:noFill/>
+        </p:spPr>
+        <p:txBody>
+          <a:bodyPr wrap="square" rtlCol="0">
+            <a:spAutoFit/>
+          </a:bodyPr>
+          <a:lstStyle/>
+          <a:p>
+            <a:pPr algn="ctr"/>
+            <a:r>
+              <a:rPr lang="pt-BR" b="1" dirty="0"/>
+              <a:t>Nuvem</a:t>
+            </a:r>
+          </a:p>
+          <a:p>
+            <a:endParaRPr lang="pt-BR" dirty="0"/>
+          </a:p>
+        </p:txBody>
+      </p:sp>
+    </p:spTree>
+    <p:extLst>
+      <p:ext uri="{BB962C8B-B14F-4D97-AF65-F5344CB8AC3E}">
+        <p14:creationId xmlns:p14="http://schemas.microsoft.com/office/powerpoint/2010/main" val="2382856524"/>
+      </p:ext>
+    </p:extLst>
+  </p:cSld>
+  <p:clrMapOvr>
+    <a:masterClrMapping/>
+  </p:clrMapOvr>
+</p:sld>
+</file>
+
+<file path=ppt/slides/slide2.xml><?xml version="1.0" encoding="utf-8"?>
+<p:sld xmlns:a="http://schemas.openxmlformats.org/drawingml/2006/main" xmlns:r="http://schemas.openxmlformats.org/officeDocument/2006/relationships" xmlns:p="http://schemas.openxmlformats.org/presentationml/2006/main">
+  <p:cSld>
+    <p:bg>
+      <p:bgPr>
+        <a:solidFill>
+          <a:srgbClr val="EAEAA0"/>
+        </a:solidFill>
+        <a:effectLst/>
+      </p:bgPr>
+    </p:bg>
+    <p:spTree>
+      <p:nvGrpSpPr>
+        <p:cNvPr id="1" name=""/>
+        <p:cNvGrpSpPr/>
+        <p:nvPr/>
+      </p:nvGrpSpPr>
+      <p:grpSpPr>
+        <a:xfrm>
+          <a:off x="0" y="0"/>
+          <a:ext cx="0" cy="0"/>
+          <a:chOff x="0" y="0"/>
+          <a:chExt cx="0" cy="0"/>
+        </a:xfrm>
+      </p:grpSpPr>
+      <p:sp>
+        <p:nvSpPr>
+          <p:cNvPr id="9" name="Retângulo 8">
+            <a:extLst>
+              <a:ext uri="{FF2B5EF4-FFF2-40B4-BE49-F238E27FC236}">
+                <a16:creationId xmlns:a16="http://schemas.microsoft.com/office/drawing/2014/main" id="{9243A374-E963-4757-96D7-BBC1F5657DD0}"/>
+              </a:ext>
+            </a:extLst>
+          </p:cNvPr>
+          <p:cNvSpPr/>
+          <p:nvPr/>
+        </p:nvSpPr>
+        <p:spPr>
+          <a:xfrm>
+            <a:off x="0" y="0"/>
+            <a:ext cx="12192000" cy="218113"/>
+          </a:xfrm>
+          <a:prstGeom prst="rect">
+            <a:avLst/>
+          </a:prstGeom>
+          <a:solidFill>
+            <a:srgbClr val="333333"/>
+          </a:solidFill>
+          <a:ln>
+            <a:solidFill>
+              <a:srgbClr val="333333"/>
+            </a:solidFill>
+          </a:ln>
+        </p:spPr>
+        <p:style>
+          <a:lnRef idx="2">
+            <a:schemeClr val="accent1">
+              <a:shade val="50000"/>
+            </a:schemeClr>
+          </a:lnRef>
+          <a:fillRef idx="1">
+            <a:schemeClr val="accent1"/>
+          </a:fillRef>
+          <a:effectRef idx="0">
+            <a:schemeClr val="accent1"/>
+          </a:effectRef>
+          <a:fontRef idx="minor">
+            <a:schemeClr val="lt1"/>
+          </a:fontRef>
+        </p:style>
+        <p:txBody>
+          <a:bodyPr rtlCol="0" anchor="ctr"/>
+          <a:lstStyle/>
+          <a:p>
+            <a:pPr algn="ctr"/>
+            <a:endParaRPr lang="pt-BR"/>
+          </a:p>
+        </p:txBody>
+      </p:sp>
+      <p:sp>
+        <p:nvSpPr>
+          <p:cNvPr id="10" name="Retângulo 9">
+            <a:extLst>
+              <a:ext uri="{FF2B5EF4-FFF2-40B4-BE49-F238E27FC236}">
+                <a16:creationId xmlns:a16="http://schemas.microsoft.com/office/drawing/2014/main" id="{5EB3EB8A-7C9E-4E3D-B02C-D2FC7F5CAC75}"/>
+              </a:ext>
+            </a:extLst>
+          </p:cNvPr>
+          <p:cNvSpPr/>
+          <p:nvPr/>
+        </p:nvSpPr>
+        <p:spPr>
+          <a:xfrm>
+            <a:off x="0" y="6639887"/>
+            <a:ext cx="12192000" cy="218113"/>
+          </a:xfrm>
+          <a:prstGeom prst="rect">
+            <a:avLst/>
+          </a:prstGeom>
+          <a:solidFill>
+            <a:srgbClr val="333333"/>
+          </a:solidFill>
+          <a:ln>
+            <a:solidFill>
+              <a:srgbClr val="333333"/>
+            </a:solidFill>
+          </a:ln>
+        </p:spPr>
+        <p:style>
+          <a:lnRef idx="2">
+            <a:schemeClr val="accent1">
+              <a:shade val="50000"/>
+            </a:schemeClr>
+          </a:lnRef>
+          <a:fillRef idx="1">
+            <a:schemeClr val="accent1"/>
+          </a:fillRef>
+          <a:effectRef idx="0">
+            <a:schemeClr val="accent1"/>
+          </a:effectRef>
+          <a:fontRef idx="minor">
+            <a:schemeClr val="lt1"/>
+          </a:fontRef>
+        </p:style>
+        <p:txBody>
+          <a:bodyPr rtlCol="0" anchor="ctr"/>
+          <a:lstStyle/>
+          <a:p>
+            <a:pPr algn="ctr"/>
+            <a:endParaRPr lang="pt-BR"/>
+          </a:p>
+        </p:txBody>
+      </p:sp>
+      <p:grpSp>
+        <p:nvGrpSpPr>
+          <p:cNvPr id="108" name="Agrupar 107">
+            <a:extLst>
+              <a:ext uri="{FF2B5EF4-FFF2-40B4-BE49-F238E27FC236}">
+                <a16:creationId xmlns:a16="http://schemas.microsoft.com/office/drawing/2014/main" id="{EBB8AEE9-08B9-4D53-97F2-EE032A1C6F16}"/>
+              </a:ext>
+            </a:extLst>
+          </p:cNvPr>
+          <p:cNvGrpSpPr/>
+          <p:nvPr/>
+        </p:nvGrpSpPr>
+        <p:grpSpPr>
+          <a:xfrm>
+            <a:off x="-73153" y="252072"/>
+            <a:ext cx="2618207" cy="1193549"/>
+            <a:chOff x="5212740" y="370632"/>
+            <a:chExt cx="2618207" cy="1193549"/>
+          </a:xfrm>
+        </p:grpSpPr>
+        <p:sp>
+          <p:nvSpPr>
+            <p:cNvPr id="103" name="Retângulo 102">
+              <a:extLst>
+                <a:ext uri="{FF2B5EF4-FFF2-40B4-BE49-F238E27FC236}">
+                  <a16:creationId xmlns:a16="http://schemas.microsoft.com/office/drawing/2014/main" id="{9934BB61-D0C3-45D6-88BA-230AB755F0BA}"/>
+                </a:ext>
+              </a:extLst>
+            </p:cNvPr>
+            <p:cNvSpPr/>
+            <p:nvPr/>
+          </p:nvSpPr>
+          <p:spPr>
+            <a:xfrm>
+              <a:off x="5360565" y="393441"/>
+              <a:ext cx="2470382" cy="1011691"/>
+            </a:xfrm>
+            <a:prstGeom prst="rect">
+              <a:avLst/>
+            </a:prstGeom>
+            <a:solidFill>
+              <a:srgbClr val="333333"/>
+            </a:solidFill>
+            <a:ln>
+              <a:solidFill>
+                <a:srgbClr val="333333"/>
+              </a:solidFill>
+            </a:ln>
+          </p:spPr>
+          <p:style>
+            <a:lnRef idx="2">
+              <a:schemeClr val="accent1">
+                <a:shade val="50000"/>
+              </a:schemeClr>
+            </a:lnRef>
+            <a:fillRef idx="1">
+              <a:schemeClr val="accent1"/>
+            </a:fillRef>
+            <a:effectRef idx="0">
+              <a:schemeClr val="accent1"/>
+            </a:effectRef>
+            <a:fontRef idx="minor">
+              <a:schemeClr val="lt1"/>
+            </a:fontRef>
+          </p:style>
+          <p:txBody>
+            <a:bodyPr rtlCol="0" anchor="ctr"/>
+            <a:lstStyle/>
+            <a:p>
+              <a:pPr algn="ctr"/>
+              <a:endParaRPr lang="pt-BR"/>
+            </a:p>
+          </p:txBody>
+        </p:sp>
+        <p:sp>
+          <p:nvSpPr>
+            <p:cNvPr id="117" name="CaixaDeTexto 116">
+              <a:extLst>
+                <a:ext uri="{FF2B5EF4-FFF2-40B4-BE49-F238E27FC236}">
+                  <a16:creationId xmlns:a16="http://schemas.microsoft.com/office/drawing/2014/main" id="{7A6AA431-E9D9-4578-8461-13CB349757D0}"/>
+                </a:ext>
+              </a:extLst>
+            </p:cNvPr>
+            <p:cNvSpPr txBox="1"/>
+            <p:nvPr/>
+          </p:nvSpPr>
+          <p:spPr>
+            <a:xfrm>
+              <a:off x="5212740" y="370632"/>
+              <a:ext cx="1826571" cy="1107996"/>
+            </a:xfrm>
+            <a:prstGeom prst="rect">
+              <a:avLst/>
+            </a:prstGeom>
+            <a:noFill/>
+          </p:spPr>
+          <p:txBody>
+            <a:bodyPr wrap="square" rtlCol="0">
+              <a:spAutoFit/>
+            </a:bodyPr>
+            <a:lstStyle/>
+            <a:p>
+              <a:pPr algn="ctr"/>
+              <a:r>
+                <a:rPr lang="pt-BR" sz="4800" b="1" dirty="0">
+                  <a:solidFill>
+                    <a:srgbClr val="EAEAA0"/>
+                  </a:solidFill>
+                </a:rPr>
+                <a:t>LLD</a:t>
+              </a:r>
+              <a:endParaRPr lang="pt-BR" b="1" dirty="0">
+                <a:solidFill>
+                  <a:srgbClr val="EAEAA0"/>
+                </a:solidFill>
+              </a:endParaRPr>
+            </a:p>
+            <a:p>
+              <a:endParaRPr lang="pt-BR" dirty="0"/>
+            </a:p>
+          </p:txBody>
+        </p:sp>
+        <p:sp>
+          <p:nvSpPr>
+            <p:cNvPr id="118" name="CaixaDeTexto 117">
+              <a:extLst>
+                <a:ext uri="{FF2B5EF4-FFF2-40B4-BE49-F238E27FC236}">
+                  <a16:creationId xmlns:a16="http://schemas.microsoft.com/office/drawing/2014/main" id="{F4F21384-28AE-48C1-9EBC-A252E2DFEC8F}"/>
+                </a:ext>
+              </a:extLst>
+            </p:cNvPr>
+            <p:cNvSpPr txBox="1"/>
+            <p:nvPr/>
+          </p:nvSpPr>
+          <p:spPr>
+            <a:xfrm>
+              <a:off x="5236071" y="979406"/>
+              <a:ext cx="1826571" cy="584775"/>
+            </a:xfrm>
+            <a:prstGeom prst="rect">
+              <a:avLst/>
+            </a:prstGeom>
+            <a:noFill/>
+          </p:spPr>
+          <p:txBody>
+            <a:bodyPr wrap="square" rtlCol="0">
+              <a:spAutoFit/>
+            </a:bodyPr>
+            <a:lstStyle/>
+            <a:p>
+              <a:pPr algn="ctr"/>
+              <a:r>
+                <a:rPr lang="pt-BR" sz="1400" b="1" dirty="0" err="1">
+                  <a:solidFill>
+                    <a:srgbClr val="57A44F"/>
+                  </a:solidFill>
+                </a:rPr>
+                <a:t>Low</a:t>
+              </a:r>
+              <a:r>
+                <a:rPr lang="pt-BR" sz="1400" b="1" dirty="0">
+                  <a:solidFill>
+                    <a:srgbClr val="57A44F"/>
+                  </a:solidFill>
+                </a:rPr>
+                <a:t> </a:t>
+              </a:r>
+              <a:r>
+                <a:rPr lang="pt-BR" sz="1400" b="1" dirty="0" err="1">
+                  <a:solidFill>
+                    <a:srgbClr val="57A44F"/>
+                  </a:solidFill>
+                </a:rPr>
+                <a:t>Level</a:t>
+              </a:r>
+              <a:r>
+                <a:rPr lang="pt-BR" sz="1400" b="1" dirty="0">
+                  <a:solidFill>
+                    <a:srgbClr val="57A44F"/>
+                  </a:solidFill>
+                </a:rPr>
+                <a:t> Design</a:t>
+              </a:r>
+            </a:p>
+            <a:p>
+              <a:endParaRPr lang="pt-BR" dirty="0"/>
+            </a:p>
+          </p:txBody>
+        </p:sp>
+        <p:grpSp>
+          <p:nvGrpSpPr>
+            <p:cNvPr id="119" name="Agrupar 118">
+              <a:extLst>
+                <a:ext uri="{FF2B5EF4-FFF2-40B4-BE49-F238E27FC236}">
+                  <a16:creationId xmlns:a16="http://schemas.microsoft.com/office/drawing/2014/main" id="{B568A949-CF99-48B3-88BA-E09CAC7F786F}"/>
+                </a:ext>
+              </a:extLst>
+            </p:cNvPr>
+            <p:cNvGrpSpPr/>
+            <p:nvPr/>
+          </p:nvGrpSpPr>
+          <p:grpSpPr>
+            <a:xfrm>
+              <a:off x="6853726" y="457262"/>
+              <a:ext cx="852727" cy="873182"/>
+              <a:chOff x="4515232" y="1784258"/>
+              <a:chExt cx="3157057" cy="3310506"/>
+            </a:xfrm>
+          </p:grpSpPr>
+          <p:sp>
+            <p:nvSpPr>
+              <p:cNvPr id="120" name="Elipse 119">
+                <a:extLst>
+                  <a:ext uri="{FF2B5EF4-FFF2-40B4-BE49-F238E27FC236}">
+                    <a16:creationId xmlns:a16="http://schemas.microsoft.com/office/drawing/2014/main" id="{5A2D22EE-4C29-41E9-BDA4-D838FA0446C6}"/>
+                  </a:ext>
+                </a:extLst>
+              </p:cNvPr>
+              <p:cNvSpPr/>
+              <p:nvPr/>
+            </p:nvSpPr>
+            <p:spPr>
+              <a:xfrm>
+                <a:off x="4515232" y="1784258"/>
+                <a:ext cx="3157057" cy="3310506"/>
+              </a:xfrm>
+              <a:prstGeom prst="ellipse">
+                <a:avLst/>
+              </a:prstGeom>
+              <a:solidFill>
+                <a:srgbClr val="55A54F"/>
+              </a:solidFill>
+              <a:ln>
+                <a:solidFill>
+                  <a:srgbClr val="57A44F"/>
+                </a:solidFill>
+              </a:ln>
+            </p:spPr>
+            <p:style>
+              <a:lnRef idx="2">
+                <a:schemeClr val="accent1">
+                  <a:shade val="50000"/>
+                </a:schemeClr>
+              </a:lnRef>
+              <a:fillRef idx="1">
+                <a:schemeClr val="accent1"/>
+              </a:fillRef>
+              <a:effectRef idx="0">
+                <a:schemeClr val="accent1"/>
+              </a:effectRef>
+              <a:fontRef idx="minor">
+                <a:schemeClr val="lt1"/>
+              </a:fontRef>
+            </p:style>
+            <p:txBody>
+              <a:bodyPr rtlCol="0" anchor="ctr"/>
+              <a:lstStyle/>
+              <a:p>
+                <a:pPr algn="ctr"/>
+                <a:endParaRPr lang="pt-BR" dirty="0"/>
+              </a:p>
+            </p:txBody>
+          </p:sp>
+          <p:pic>
+            <p:nvPicPr>
+              <p:cNvPr id="121" name="Imagem 120">
+                <a:extLst>
+                  <a:ext uri="{FF2B5EF4-FFF2-40B4-BE49-F238E27FC236}">
+                    <a16:creationId xmlns:a16="http://schemas.microsoft.com/office/drawing/2014/main" id="{3F67C070-0CAE-490E-A5A0-D32D4DCDBA0F}"/>
+                  </a:ext>
+                </a:extLst>
+              </p:cNvPr>
+              <p:cNvPicPr>
+                <a:picLocks noChangeAspect="1"/>
+              </p:cNvPicPr>
+              <p:nvPr/>
+            </p:nvPicPr>
+            <p:blipFill rotWithShape="1">
+              <a:blip r:embed="rId2">
                 <a:extLst>
                   <a:ext uri="{28A0092B-C50C-407E-A947-70E740481C1C}">
                     <a14:useLocalDpi xmlns:a14="http://schemas.microsoft.com/office/drawing/2010/main" val="0"/>
@@ -6998,7 +6872,453 @@
     </p:spTree>
     <p:extLst>
       <p:ext uri="{BB962C8B-B14F-4D97-AF65-F5344CB8AC3E}">
-        <p14:creationId xmlns:p14="http://schemas.microsoft.com/office/powerpoint/2010/main" val="1805813089"/>
+        <p14:creationId xmlns:p14="http://schemas.microsoft.com/office/powerpoint/2010/main" val="1489532178"/>
+      </p:ext>
+    </p:extLst>
+  </p:cSld>
+  <p:clrMapOvr>
+    <a:masterClrMapping/>
+  </p:clrMapOvr>
+</p:sld>
+</file>
+
+<file path=ppt/slides/slide3.xml><?xml version="1.0" encoding="utf-8"?>
+<p:sld xmlns:a="http://schemas.openxmlformats.org/drawingml/2006/main" xmlns:r="http://schemas.openxmlformats.org/officeDocument/2006/relationships" xmlns:p="http://schemas.openxmlformats.org/presentationml/2006/main">
+  <p:cSld>
+    <p:bg>
+      <p:bgPr>
+        <a:solidFill>
+          <a:srgbClr val="EAEAA0"/>
+        </a:solidFill>
+        <a:effectLst/>
+      </p:bgPr>
+    </p:bg>
+    <p:spTree>
+      <p:nvGrpSpPr>
+        <p:cNvPr id="1" name=""/>
+        <p:cNvGrpSpPr/>
+        <p:nvPr/>
+      </p:nvGrpSpPr>
+      <p:grpSpPr>
+        <a:xfrm>
+          <a:off x="0" y="0"/>
+          <a:ext cx="0" cy="0"/>
+          <a:chOff x="0" y="0"/>
+          <a:chExt cx="0" cy="0"/>
+        </a:xfrm>
+      </p:grpSpPr>
+      <p:sp>
+        <p:nvSpPr>
+          <p:cNvPr id="9" name="Retângulo 8">
+            <a:extLst>
+              <a:ext uri="{FF2B5EF4-FFF2-40B4-BE49-F238E27FC236}">
+                <a16:creationId xmlns:a16="http://schemas.microsoft.com/office/drawing/2014/main" id="{9243A374-E963-4757-96D7-BBC1F5657DD0}"/>
+              </a:ext>
+            </a:extLst>
+          </p:cNvPr>
+          <p:cNvSpPr/>
+          <p:nvPr/>
+        </p:nvSpPr>
+        <p:spPr>
+          <a:xfrm>
+            <a:off x="0" y="0"/>
+            <a:ext cx="12192000" cy="218113"/>
+          </a:xfrm>
+          <a:prstGeom prst="rect">
+            <a:avLst/>
+          </a:prstGeom>
+          <a:solidFill>
+            <a:srgbClr val="333333"/>
+          </a:solidFill>
+          <a:ln>
+            <a:solidFill>
+              <a:srgbClr val="333333"/>
+            </a:solidFill>
+          </a:ln>
+        </p:spPr>
+        <p:style>
+          <a:lnRef idx="2">
+            <a:schemeClr val="accent1">
+              <a:shade val="50000"/>
+            </a:schemeClr>
+          </a:lnRef>
+          <a:fillRef idx="1">
+            <a:schemeClr val="accent1"/>
+          </a:fillRef>
+          <a:effectRef idx="0">
+            <a:schemeClr val="accent1"/>
+          </a:effectRef>
+          <a:fontRef idx="minor">
+            <a:schemeClr val="lt1"/>
+          </a:fontRef>
+        </p:style>
+        <p:txBody>
+          <a:bodyPr rtlCol="0" anchor="ctr"/>
+          <a:lstStyle/>
+          <a:p>
+            <a:pPr algn="ctr"/>
+            <a:endParaRPr lang="pt-BR"/>
+          </a:p>
+        </p:txBody>
+      </p:sp>
+      <p:sp>
+        <p:nvSpPr>
+          <p:cNvPr id="10" name="Retângulo 9">
+            <a:extLst>
+              <a:ext uri="{FF2B5EF4-FFF2-40B4-BE49-F238E27FC236}">
+                <a16:creationId xmlns:a16="http://schemas.microsoft.com/office/drawing/2014/main" id="{5EB3EB8A-7C9E-4E3D-B02C-D2FC7F5CAC75}"/>
+              </a:ext>
+            </a:extLst>
+          </p:cNvPr>
+          <p:cNvSpPr/>
+          <p:nvPr/>
+        </p:nvSpPr>
+        <p:spPr>
+          <a:xfrm>
+            <a:off x="0" y="6639887"/>
+            <a:ext cx="12192000" cy="218113"/>
+          </a:xfrm>
+          <a:prstGeom prst="rect">
+            <a:avLst/>
+          </a:prstGeom>
+          <a:solidFill>
+            <a:srgbClr val="333333"/>
+          </a:solidFill>
+          <a:ln>
+            <a:solidFill>
+              <a:srgbClr val="333333"/>
+            </a:solidFill>
+          </a:ln>
+        </p:spPr>
+        <p:style>
+          <a:lnRef idx="2">
+            <a:schemeClr val="accent1">
+              <a:shade val="50000"/>
+            </a:schemeClr>
+          </a:lnRef>
+          <a:fillRef idx="1">
+            <a:schemeClr val="accent1"/>
+          </a:fillRef>
+          <a:effectRef idx="0">
+            <a:schemeClr val="accent1"/>
+          </a:effectRef>
+          <a:fontRef idx="minor">
+            <a:schemeClr val="lt1"/>
+          </a:fontRef>
+        </p:style>
+        <p:txBody>
+          <a:bodyPr rtlCol="0" anchor="ctr"/>
+          <a:lstStyle/>
+          <a:p>
+            <a:pPr algn="ctr"/>
+            <a:endParaRPr lang="pt-BR"/>
+          </a:p>
+        </p:txBody>
+      </p:sp>
+      <p:grpSp>
+        <p:nvGrpSpPr>
+          <p:cNvPr id="108" name="Agrupar 107">
+            <a:extLst>
+              <a:ext uri="{FF2B5EF4-FFF2-40B4-BE49-F238E27FC236}">
+                <a16:creationId xmlns:a16="http://schemas.microsoft.com/office/drawing/2014/main" id="{EBB8AEE9-08B9-4D53-97F2-EE032A1C6F16}"/>
+              </a:ext>
+            </a:extLst>
+          </p:cNvPr>
+          <p:cNvGrpSpPr/>
+          <p:nvPr/>
+        </p:nvGrpSpPr>
+        <p:grpSpPr>
+          <a:xfrm>
+            <a:off x="-73153" y="252072"/>
+            <a:ext cx="2618207" cy="1193549"/>
+            <a:chOff x="5212740" y="370632"/>
+            <a:chExt cx="2618207" cy="1193549"/>
+          </a:xfrm>
+        </p:grpSpPr>
+        <p:sp>
+          <p:nvSpPr>
+            <p:cNvPr id="103" name="Retângulo 102">
+              <a:extLst>
+                <a:ext uri="{FF2B5EF4-FFF2-40B4-BE49-F238E27FC236}">
+                  <a16:creationId xmlns:a16="http://schemas.microsoft.com/office/drawing/2014/main" id="{9934BB61-D0C3-45D6-88BA-230AB755F0BA}"/>
+                </a:ext>
+              </a:extLst>
+            </p:cNvPr>
+            <p:cNvSpPr/>
+            <p:nvPr/>
+          </p:nvSpPr>
+          <p:spPr>
+            <a:xfrm>
+              <a:off x="5360565" y="393441"/>
+              <a:ext cx="2470382" cy="1011691"/>
+            </a:xfrm>
+            <a:prstGeom prst="rect">
+              <a:avLst/>
+            </a:prstGeom>
+            <a:solidFill>
+              <a:srgbClr val="333333"/>
+            </a:solidFill>
+            <a:ln>
+              <a:solidFill>
+                <a:srgbClr val="333333"/>
+              </a:solidFill>
+            </a:ln>
+          </p:spPr>
+          <p:style>
+            <a:lnRef idx="2">
+              <a:schemeClr val="accent1">
+                <a:shade val="50000"/>
+              </a:schemeClr>
+            </a:lnRef>
+            <a:fillRef idx="1">
+              <a:schemeClr val="accent1"/>
+            </a:fillRef>
+            <a:effectRef idx="0">
+              <a:schemeClr val="accent1"/>
+            </a:effectRef>
+            <a:fontRef idx="minor">
+              <a:schemeClr val="lt1"/>
+            </a:fontRef>
+          </p:style>
+          <p:txBody>
+            <a:bodyPr rtlCol="0" anchor="ctr"/>
+            <a:lstStyle/>
+            <a:p>
+              <a:pPr algn="ctr"/>
+              <a:endParaRPr lang="pt-BR"/>
+            </a:p>
+          </p:txBody>
+        </p:sp>
+        <p:sp>
+          <p:nvSpPr>
+            <p:cNvPr id="117" name="CaixaDeTexto 116">
+              <a:extLst>
+                <a:ext uri="{FF2B5EF4-FFF2-40B4-BE49-F238E27FC236}">
+                  <a16:creationId xmlns:a16="http://schemas.microsoft.com/office/drawing/2014/main" id="{7A6AA431-E9D9-4578-8461-13CB349757D0}"/>
+                </a:ext>
+              </a:extLst>
+            </p:cNvPr>
+            <p:cNvSpPr txBox="1"/>
+            <p:nvPr/>
+          </p:nvSpPr>
+          <p:spPr>
+            <a:xfrm>
+              <a:off x="5212740" y="370632"/>
+              <a:ext cx="1826571" cy="1107996"/>
+            </a:xfrm>
+            <a:prstGeom prst="rect">
+              <a:avLst/>
+            </a:prstGeom>
+            <a:noFill/>
+          </p:spPr>
+          <p:txBody>
+            <a:bodyPr wrap="square" rtlCol="0">
+              <a:spAutoFit/>
+            </a:bodyPr>
+            <a:lstStyle/>
+            <a:p>
+              <a:pPr algn="ctr"/>
+              <a:r>
+                <a:rPr lang="pt-BR" sz="4800" b="1" dirty="0">
+                  <a:solidFill>
+                    <a:srgbClr val="EAEAA0"/>
+                  </a:solidFill>
+                </a:rPr>
+                <a:t>LLD</a:t>
+              </a:r>
+              <a:endParaRPr lang="pt-BR" b="1" dirty="0">
+                <a:solidFill>
+                  <a:srgbClr val="EAEAA0"/>
+                </a:solidFill>
+              </a:endParaRPr>
+            </a:p>
+            <a:p>
+              <a:endParaRPr lang="pt-BR" dirty="0"/>
+            </a:p>
+          </p:txBody>
+        </p:sp>
+        <p:sp>
+          <p:nvSpPr>
+            <p:cNvPr id="118" name="CaixaDeTexto 117">
+              <a:extLst>
+                <a:ext uri="{FF2B5EF4-FFF2-40B4-BE49-F238E27FC236}">
+                  <a16:creationId xmlns:a16="http://schemas.microsoft.com/office/drawing/2014/main" id="{F4F21384-28AE-48C1-9EBC-A252E2DFEC8F}"/>
+                </a:ext>
+              </a:extLst>
+            </p:cNvPr>
+            <p:cNvSpPr txBox="1"/>
+            <p:nvPr/>
+          </p:nvSpPr>
+          <p:spPr>
+            <a:xfrm>
+              <a:off x="5236071" y="979406"/>
+              <a:ext cx="1826571" cy="584775"/>
+            </a:xfrm>
+            <a:prstGeom prst="rect">
+              <a:avLst/>
+            </a:prstGeom>
+            <a:noFill/>
+          </p:spPr>
+          <p:txBody>
+            <a:bodyPr wrap="square" rtlCol="0">
+              <a:spAutoFit/>
+            </a:bodyPr>
+            <a:lstStyle/>
+            <a:p>
+              <a:pPr algn="ctr"/>
+              <a:r>
+                <a:rPr lang="pt-BR" sz="1400" b="1" dirty="0" err="1">
+                  <a:solidFill>
+                    <a:srgbClr val="57A44F"/>
+                  </a:solidFill>
+                </a:rPr>
+                <a:t>Low</a:t>
+              </a:r>
+              <a:r>
+                <a:rPr lang="pt-BR" sz="1400" b="1" dirty="0">
+                  <a:solidFill>
+                    <a:srgbClr val="57A44F"/>
+                  </a:solidFill>
+                </a:rPr>
+                <a:t> </a:t>
+              </a:r>
+              <a:r>
+                <a:rPr lang="pt-BR" sz="1400" b="1" dirty="0" err="1">
+                  <a:solidFill>
+                    <a:srgbClr val="57A44F"/>
+                  </a:solidFill>
+                </a:rPr>
+                <a:t>Level</a:t>
+              </a:r>
+              <a:r>
+                <a:rPr lang="pt-BR" sz="1400" b="1" dirty="0">
+                  <a:solidFill>
+                    <a:srgbClr val="57A44F"/>
+                  </a:solidFill>
+                </a:rPr>
+                <a:t> Design</a:t>
+              </a:r>
+            </a:p>
+            <a:p>
+              <a:endParaRPr lang="pt-BR" dirty="0"/>
+            </a:p>
+          </p:txBody>
+        </p:sp>
+        <p:grpSp>
+          <p:nvGrpSpPr>
+            <p:cNvPr id="119" name="Agrupar 118">
+              <a:extLst>
+                <a:ext uri="{FF2B5EF4-FFF2-40B4-BE49-F238E27FC236}">
+                  <a16:creationId xmlns:a16="http://schemas.microsoft.com/office/drawing/2014/main" id="{B568A949-CF99-48B3-88BA-E09CAC7F786F}"/>
+                </a:ext>
+              </a:extLst>
+            </p:cNvPr>
+            <p:cNvGrpSpPr/>
+            <p:nvPr/>
+          </p:nvGrpSpPr>
+          <p:grpSpPr>
+            <a:xfrm>
+              <a:off x="6853726" y="457262"/>
+              <a:ext cx="852727" cy="873182"/>
+              <a:chOff x="4515232" y="1784258"/>
+              <a:chExt cx="3157057" cy="3310506"/>
+            </a:xfrm>
+          </p:grpSpPr>
+          <p:sp>
+            <p:nvSpPr>
+              <p:cNvPr id="120" name="Elipse 119">
+                <a:extLst>
+                  <a:ext uri="{FF2B5EF4-FFF2-40B4-BE49-F238E27FC236}">
+                    <a16:creationId xmlns:a16="http://schemas.microsoft.com/office/drawing/2014/main" id="{5A2D22EE-4C29-41E9-BDA4-D838FA0446C6}"/>
+                  </a:ext>
+                </a:extLst>
+              </p:cNvPr>
+              <p:cNvSpPr/>
+              <p:nvPr/>
+            </p:nvSpPr>
+            <p:spPr>
+              <a:xfrm>
+                <a:off x="4515232" y="1784258"/>
+                <a:ext cx="3157057" cy="3310506"/>
+              </a:xfrm>
+              <a:prstGeom prst="ellipse">
+                <a:avLst/>
+              </a:prstGeom>
+              <a:solidFill>
+                <a:srgbClr val="55A54F"/>
+              </a:solidFill>
+              <a:ln>
+                <a:solidFill>
+                  <a:srgbClr val="57A44F"/>
+                </a:solidFill>
+              </a:ln>
+            </p:spPr>
+            <p:style>
+              <a:lnRef idx="2">
+                <a:schemeClr val="accent1">
+                  <a:shade val="50000"/>
+                </a:schemeClr>
+              </a:lnRef>
+              <a:fillRef idx="1">
+                <a:schemeClr val="accent1"/>
+              </a:fillRef>
+              <a:effectRef idx="0">
+                <a:schemeClr val="accent1"/>
+              </a:effectRef>
+              <a:fontRef idx="minor">
+                <a:schemeClr val="lt1"/>
+              </a:fontRef>
+            </p:style>
+            <p:txBody>
+              <a:bodyPr rtlCol="0" anchor="ctr"/>
+              <a:lstStyle/>
+              <a:p>
+                <a:pPr algn="ctr"/>
+                <a:endParaRPr lang="pt-BR" dirty="0"/>
+              </a:p>
+            </p:txBody>
+          </p:sp>
+          <p:pic>
+            <p:nvPicPr>
+              <p:cNvPr id="121" name="Imagem 120">
+                <a:extLst>
+                  <a:ext uri="{FF2B5EF4-FFF2-40B4-BE49-F238E27FC236}">
+                    <a16:creationId xmlns:a16="http://schemas.microsoft.com/office/drawing/2014/main" id="{3F67C070-0CAE-490E-A5A0-D32D4DCDBA0F}"/>
+                  </a:ext>
+                </a:extLst>
+              </p:cNvPr>
+              <p:cNvPicPr>
+                <a:picLocks noChangeAspect="1"/>
+              </p:cNvPicPr>
+              <p:nvPr/>
+            </p:nvPicPr>
+            <p:blipFill rotWithShape="1">
+              <a:blip r:embed="rId2">
+                <a:extLst>
+                  <a:ext uri="{28A0092B-C50C-407E-A947-70E740481C1C}">
+                    <a14:useLocalDpi xmlns:a14="http://schemas.microsoft.com/office/drawing/2010/main" val="0"/>
+                  </a:ext>
+                </a:extLst>
+              </a:blip>
+              <a:srcRect l="6219" t="25472" r="6706" b="14462"/>
+              <a:stretch/>
+            </p:blipFill>
+            <p:spPr>
+              <a:xfrm>
+                <a:off x="4828577" y="2759739"/>
+                <a:ext cx="2534844" cy="1664643"/>
+              </a:xfrm>
+              <a:prstGeom prst="rect">
+                <a:avLst/>
+              </a:prstGeom>
+            </p:spPr>
+          </p:pic>
+        </p:grpSp>
+      </p:grpSp>
+    </p:spTree>
+    <p:extLst>
+      <p:ext uri="{BB962C8B-B14F-4D97-AF65-F5344CB8AC3E}">
+        <p14:creationId xmlns:p14="http://schemas.microsoft.com/office/powerpoint/2010/main" val="2955540281"/>
       </p:ext>
     </p:extLst>
   </p:cSld>
